--- a/Name Infinity.pptx
+++ b/Name Infinity.pptx
@@ -6,19 +6,24 @@
   </p:sldMasterIdLst>
   <p:sldIdLst>
     <p:sldId id="256" r:id="rId2"/>
-    <p:sldId id="257" r:id="rId3"/>
-    <p:sldId id="265" r:id="rId4"/>
-    <p:sldId id="259" r:id="rId5"/>
-    <p:sldId id="268" r:id="rId6"/>
-    <p:sldId id="269" r:id="rId7"/>
-    <p:sldId id="260" r:id="rId8"/>
-    <p:sldId id="258" r:id="rId9"/>
-    <p:sldId id="261" r:id="rId10"/>
-    <p:sldId id="262" r:id="rId11"/>
-    <p:sldId id="263" r:id="rId12"/>
-    <p:sldId id="264" r:id="rId13"/>
-    <p:sldId id="266" r:id="rId14"/>
-    <p:sldId id="267" r:id="rId15"/>
+    <p:sldId id="272" r:id="rId3"/>
+    <p:sldId id="270" r:id="rId4"/>
+    <p:sldId id="273" r:id="rId5"/>
+    <p:sldId id="274" r:id="rId6"/>
+    <p:sldId id="271" r:id="rId7"/>
+    <p:sldId id="257" r:id="rId8"/>
+    <p:sldId id="265" r:id="rId9"/>
+    <p:sldId id="259" r:id="rId10"/>
+    <p:sldId id="268" r:id="rId11"/>
+    <p:sldId id="269" r:id="rId12"/>
+    <p:sldId id="260" r:id="rId13"/>
+    <p:sldId id="258" r:id="rId14"/>
+    <p:sldId id="261" r:id="rId15"/>
+    <p:sldId id="262" r:id="rId16"/>
+    <p:sldId id="263" r:id="rId17"/>
+    <p:sldId id="264" r:id="rId18"/>
+    <p:sldId id="266" r:id="rId19"/>
+    <p:sldId id="267" r:id="rId20"/>
   </p:sldIdLst>
   <p:sldSz cx="12192000" cy="6858000"/>
   <p:notesSz cx="6858000" cy="9144000"/>
@@ -3406,6 +3411,709 @@
 <file path=ppt/slides/slide10.xml><?xml version="1.0" encoding="utf-8"?>
 <p:sld xmlns:a="http://schemas.openxmlformats.org/drawingml/2006/main" xmlns:r="http://schemas.openxmlformats.org/officeDocument/2006/relationships" xmlns:p="http://schemas.openxmlformats.org/presentationml/2006/main">
   <p:cSld>
+    <p:spTree>
+      <p:nvGrpSpPr>
+        <p:cNvPr id="1" name=""/>
+        <p:cNvGrpSpPr/>
+        <p:nvPr/>
+      </p:nvGrpSpPr>
+      <p:grpSpPr>
+        <a:xfrm>
+          <a:off x="0" y="0"/>
+          <a:ext cx="0" cy="0"/>
+          <a:chOff x="0" y="0"/>
+          <a:chExt cx="0" cy="0"/>
+        </a:xfrm>
+      </p:grpSpPr>
+      <p:sp>
+        <p:nvSpPr>
+          <p:cNvPr id="2" name="Title 1">
+            <a:extLst>
+              <a:ext uri="{FF2B5EF4-FFF2-40B4-BE49-F238E27FC236}">
+                <a16:creationId xmlns:a16="http://schemas.microsoft.com/office/drawing/2014/main" id="{AF15FE88-FFFC-4168-95E3-5F210EB79E41}"/>
+              </a:ext>
+            </a:extLst>
+          </p:cNvPr>
+          <p:cNvSpPr>
+            <a:spLocks noGrp="1"/>
+          </p:cNvSpPr>
+          <p:nvPr>
+            <p:ph type="title"/>
+          </p:nvPr>
+        </p:nvSpPr>
+        <p:spPr/>
+        <p:txBody>
+          <a:bodyPr/>
+          <a:lstStyle/>
+          <a:p>
+            <a:r>
+              <a:rPr lang="en-US" dirty="0"/>
+              <a:t>Customization Module Functions</a:t>
+            </a:r>
+          </a:p>
+        </p:txBody>
+      </p:sp>
+      <p:pic>
+        <p:nvPicPr>
+          <p:cNvPr id="5" name="Content Placeholder 4">
+            <a:extLst>
+              <a:ext uri="{FF2B5EF4-FFF2-40B4-BE49-F238E27FC236}">
+                <a16:creationId xmlns:a16="http://schemas.microsoft.com/office/drawing/2014/main" id="{7C322047-FB67-478C-8738-2CA45FE48018}"/>
+              </a:ext>
+            </a:extLst>
+          </p:cNvPr>
+          <p:cNvPicPr>
+            <a:picLocks noGrp="1" noChangeAspect="1"/>
+          </p:cNvPicPr>
+          <p:nvPr>
+            <p:ph idx="1"/>
+          </p:nvPr>
+        </p:nvPicPr>
+        <p:blipFill>
+          <a:blip r:embed="rId2">
+            <a:extLst>
+              <a:ext uri="{28A0092B-C50C-407E-A947-70E740481C1C}">
+                <a14:useLocalDpi xmlns:a14="http://schemas.microsoft.com/office/drawing/2010/main" val="0"/>
+              </a:ext>
+            </a:extLst>
+          </a:blip>
+          <a:stretch>
+            <a:fillRect/>
+          </a:stretch>
+        </p:blipFill>
+        <p:spPr>
+          <a:xfrm>
+            <a:off x="838200" y="1764824"/>
+            <a:ext cx="6179820" cy="1272540"/>
+          </a:xfrm>
+        </p:spPr>
+      </p:pic>
+      <p:pic>
+        <p:nvPicPr>
+          <p:cNvPr id="7" name="Picture 6">
+            <a:extLst>
+              <a:ext uri="{FF2B5EF4-FFF2-40B4-BE49-F238E27FC236}">
+                <a16:creationId xmlns:a16="http://schemas.microsoft.com/office/drawing/2014/main" id="{E60A8AA5-0D26-4A23-91DE-F9374CA677C2}"/>
+              </a:ext>
+            </a:extLst>
+          </p:cNvPr>
+          <p:cNvPicPr>
+            <a:picLocks noChangeAspect="1"/>
+          </p:cNvPicPr>
+          <p:nvPr/>
+        </p:nvPicPr>
+        <p:blipFill>
+          <a:blip r:embed="rId3">
+            <a:extLst>
+              <a:ext uri="{28A0092B-C50C-407E-A947-70E740481C1C}">
+                <a14:useLocalDpi xmlns:a14="http://schemas.microsoft.com/office/drawing/2010/main" val="0"/>
+              </a:ext>
+            </a:extLst>
+          </a:blip>
+          <a:stretch>
+            <a:fillRect/>
+          </a:stretch>
+        </p:blipFill>
+        <p:spPr>
+          <a:xfrm>
+            <a:off x="781050" y="2995454"/>
+            <a:ext cx="6294120" cy="1356360"/>
+          </a:xfrm>
+          <a:prstGeom prst="rect">
+            <a:avLst/>
+          </a:prstGeom>
+        </p:spPr>
+      </p:pic>
+      <p:pic>
+        <p:nvPicPr>
+          <p:cNvPr id="9" name="Picture 8">
+            <a:extLst>
+              <a:ext uri="{FF2B5EF4-FFF2-40B4-BE49-F238E27FC236}">
+                <a16:creationId xmlns:a16="http://schemas.microsoft.com/office/drawing/2014/main" id="{CE70973B-5702-47B2-92A1-08DED5AE8B78}"/>
+              </a:ext>
+            </a:extLst>
+          </p:cNvPr>
+          <p:cNvPicPr>
+            <a:picLocks noChangeAspect="1"/>
+          </p:cNvPicPr>
+          <p:nvPr/>
+        </p:nvPicPr>
+        <p:blipFill>
+          <a:blip r:embed="rId4">
+            <a:extLst>
+              <a:ext uri="{28A0092B-C50C-407E-A947-70E740481C1C}">
+                <a14:useLocalDpi xmlns:a14="http://schemas.microsoft.com/office/drawing/2010/main" val="0"/>
+              </a:ext>
+            </a:extLst>
+          </a:blip>
+          <a:stretch>
+            <a:fillRect/>
+          </a:stretch>
+        </p:blipFill>
+        <p:spPr>
+          <a:xfrm>
+            <a:off x="838200" y="4351814"/>
+            <a:ext cx="3558540" cy="701040"/>
+          </a:xfrm>
+          <a:prstGeom prst="rect">
+            <a:avLst/>
+          </a:prstGeom>
+        </p:spPr>
+      </p:pic>
+    </p:spTree>
+    <p:extLst>
+      <p:ext uri="{BB962C8B-B14F-4D97-AF65-F5344CB8AC3E}">
+        <p14:creationId xmlns:p14="http://schemas.microsoft.com/office/powerpoint/2010/main" val="2603647416"/>
+      </p:ext>
+    </p:extLst>
+  </p:cSld>
+  <p:clrMapOvr>
+    <a:masterClrMapping/>
+  </p:clrMapOvr>
+</p:sld>
+</file>
+
+<file path=ppt/slides/slide11.xml><?xml version="1.0" encoding="utf-8"?>
+<p:sld xmlns:a="http://schemas.openxmlformats.org/drawingml/2006/main" xmlns:r="http://schemas.openxmlformats.org/officeDocument/2006/relationships" xmlns:p="http://schemas.openxmlformats.org/presentationml/2006/main">
+  <p:cSld>
+    <p:spTree>
+      <p:nvGrpSpPr>
+        <p:cNvPr id="1" name=""/>
+        <p:cNvGrpSpPr/>
+        <p:nvPr/>
+      </p:nvGrpSpPr>
+      <p:grpSpPr>
+        <a:xfrm>
+          <a:off x="0" y="0"/>
+          <a:ext cx="0" cy="0"/>
+          <a:chOff x="0" y="0"/>
+          <a:chExt cx="0" cy="0"/>
+        </a:xfrm>
+      </p:grpSpPr>
+      <p:sp>
+        <p:nvSpPr>
+          <p:cNvPr id="2" name="Title 1">
+            <a:extLst>
+              <a:ext uri="{FF2B5EF4-FFF2-40B4-BE49-F238E27FC236}">
+                <a16:creationId xmlns:a16="http://schemas.microsoft.com/office/drawing/2014/main" id="{34FEB53C-CEFF-449D-8AA1-658451488906}"/>
+              </a:ext>
+            </a:extLst>
+          </p:cNvPr>
+          <p:cNvSpPr>
+            <a:spLocks noGrp="1"/>
+          </p:cNvSpPr>
+          <p:nvPr>
+            <p:ph type="title"/>
+          </p:nvPr>
+        </p:nvSpPr>
+        <p:spPr/>
+        <p:txBody>
+          <a:bodyPr/>
+          <a:lstStyle/>
+          <a:p>
+            <a:r>
+              <a:rPr lang="en-US" dirty="0"/>
+              <a:t>Functions Continued</a:t>
+            </a:r>
+          </a:p>
+        </p:txBody>
+      </p:sp>
+      <p:pic>
+        <p:nvPicPr>
+          <p:cNvPr id="5" name="Content Placeholder 4">
+            <a:extLst>
+              <a:ext uri="{FF2B5EF4-FFF2-40B4-BE49-F238E27FC236}">
+                <a16:creationId xmlns:a16="http://schemas.microsoft.com/office/drawing/2014/main" id="{F527F21E-37FB-45B3-8A17-51C16784DAA2}"/>
+              </a:ext>
+            </a:extLst>
+          </p:cNvPr>
+          <p:cNvPicPr>
+            <a:picLocks noGrp="1" noChangeAspect="1"/>
+          </p:cNvPicPr>
+          <p:nvPr>
+            <p:ph idx="1"/>
+          </p:nvPr>
+        </p:nvPicPr>
+        <p:blipFill>
+          <a:blip r:embed="rId2">
+            <a:extLst>
+              <a:ext uri="{28A0092B-C50C-407E-A947-70E740481C1C}">
+                <a14:useLocalDpi xmlns:a14="http://schemas.microsoft.com/office/drawing/2010/main" val="0"/>
+              </a:ext>
+            </a:extLst>
+          </a:blip>
+          <a:stretch>
+            <a:fillRect/>
+          </a:stretch>
+        </p:blipFill>
+        <p:spPr>
+          <a:xfrm>
+            <a:off x="838200" y="1934369"/>
+            <a:ext cx="5349240" cy="1333500"/>
+          </a:xfrm>
+        </p:spPr>
+      </p:pic>
+      <p:pic>
+        <p:nvPicPr>
+          <p:cNvPr id="7" name="Picture 6">
+            <a:extLst>
+              <a:ext uri="{FF2B5EF4-FFF2-40B4-BE49-F238E27FC236}">
+                <a16:creationId xmlns:a16="http://schemas.microsoft.com/office/drawing/2014/main" id="{8B570073-B6C1-4157-8940-5D1910A6FD5D}"/>
+              </a:ext>
+            </a:extLst>
+          </p:cNvPr>
+          <p:cNvPicPr>
+            <a:picLocks noChangeAspect="1"/>
+          </p:cNvPicPr>
+          <p:nvPr/>
+        </p:nvPicPr>
+        <p:blipFill>
+          <a:blip r:embed="rId3">
+            <a:extLst>
+              <a:ext uri="{28A0092B-C50C-407E-A947-70E740481C1C}">
+                <a14:useLocalDpi xmlns:a14="http://schemas.microsoft.com/office/drawing/2010/main" val="0"/>
+              </a:ext>
+            </a:extLst>
+          </a:blip>
+          <a:stretch>
+            <a:fillRect/>
+          </a:stretch>
+        </p:blipFill>
+        <p:spPr>
+          <a:xfrm>
+            <a:off x="838200" y="3267869"/>
+            <a:ext cx="3901440" cy="693420"/>
+          </a:xfrm>
+          <a:prstGeom prst="rect">
+            <a:avLst/>
+          </a:prstGeom>
+        </p:spPr>
+      </p:pic>
+      <p:pic>
+        <p:nvPicPr>
+          <p:cNvPr id="9" name="Picture 8">
+            <a:extLst>
+              <a:ext uri="{FF2B5EF4-FFF2-40B4-BE49-F238E27FC236}">
+                <a16:creationId xmlns:a16="http://schemas.microsoft.com/office/drawing/2014/main" id="{EEE490CB-D0FB-44C5-A512-76A19EB4671F}"/>
+              </a:ext>
+            </a:extLst>
+          </p:cNvPr>
+          <p:cNvPicPr>
+            <a:picLocks noChangeAspect="1"/>
+          </p:cNvPicPr>
+          <p:nvPr/>
+        </p:nvPicPr>
+        <p:blipFill>
+          <a:blip r:embed="rId4">
+            <a:extLst>
+              <a:ext uri="{28A0092B-C50C-407E-A947-70E740481C1C}">
+                <a14:useLocalDpi xmlns:a14="http://schemas.microsoft.com/office/drawing/2010/main" val="0"/>
+              </a:ext>
+            </a:extLst>
+          </a:blip>
+          <a:stretch>
+            <a:fillRect/>
+          </a:stretch>
+        </p:blipFill>
+        <p:spPr>
+          <a:xfrm>
+            <a:off x="838200" y="3961289"/>
+            <a:ext cx="4267200" cy="2232660"/>
+          </a:xfrm>
+          <a:prstGeom prst="rect">
+            <a:avLst/>
+          </a:prstGeom>
+        </p:spPr>
+      </p:pic>
+    </p:spTree>
+    <p:extLst>
+      <p:ext uri="{BB962C8B-B14F-4D97-AF65-F5344CB8AC3E}">
+        <p14:creationId xmlns:p14="http://schemas.microsoft.com/office/powerpoint/2010/main" val="1799889983"/>
+      </p:ext>
+    </p:extLst>
+  </p:cSld>
+  <p:clrMapOvr>
+    <a:masterClrMapping/>
+  </p:clrMapOvr>
+</p:sld>
+</file>
+
+<file path=ppt/slides/slide12.xml><?xml version="1.0" encoding="utf-8"?>
+<p:sld xmlns:a="http://schemas.openxmlformats.org/drawingml/2006/main" xmlns:r="http://schemas.openxmlformats.org/officeDocument/2006/relationships" xmlns:p="http://schemas.openxmlformats.org/presentationml/2006/main">
+  <p:cSld>
+    <p:spTree>
+      <p:nvGrpSpPr>
+        <p:cNvPr id="1" name=""/>
+        <p:cNvGrpSpPr/>
+        <p:nvPr/>
+      </p:nvGrpSpPr>
+      <p:grpSpPr>
+        <a:xfrm>
+          <a:off x="0" y="0"/>
+          <a:ext cx="0" cy="0"/>
+          <a:chOff x="0" y="0"/>
+          <a:chExt cx="0" cy="0"/>
+        </a:xfrm>
+      </p:grpSpPr>
+      <p:sp>
+        <p:nvSpPr>
+          <p:cNvPr id="2" name="Title 1">
+            <a:extLst>
+              <a:ext uri="{FF2B5EF4-FFF2-40B4-BE49-F238E27FC236}">
+                <a16:creationId xmlns:a16="http://schemas.microsoft.com/office/drawing/2014/main" id="{D66449A2-EA2A-4E5E-90B7-BCE00C3C7294}"/>
+              </a:ext>
+            </a:extLst>
+          </p:cNvPr>
+          <p:cNvSpPr>
+            <a:spLocks noGrp="1"/>
+          </p:cNvSpPr>
+          <p:nvPr>
+            <p:ph type="title"/>
+          </p:nvPr>
+        </p:nvSpPr>
+        <p:spPr/>
+        <p:txBody>
+          <a:bodyPr/>
+          <a:lstStyle/>
+          <a:p>
+            <a:r>
+              <a:rPr lang="en-US" dirty="0"/>
+              <a:t>Example</a:t>
+            </a:r>
+          </a:p>
+        </p:txBody>
+      </p:sp>
+      <p:pic>
+        <p:nvPicPr>
+          <p:cNvPr id="9" name="Content Placeholder 8">
+            <a:extLst>
+              <a:ext uri="{FF2B5EF4-FFF2-40B4-BE49-F238E27FC236}">
+                <a16:creationId xmlns:a16="http://schemas.microsoft.com/office/drawing/2014/main" id="{54D5D73B-7656-457E-90DC-8E6A67F20D5F}"/>
+              </a:ext>
+            </a:extLst>
+          </p:cNvPr>
+          <p:cNvPicPr>
+            <a:picLocks noGrp="1" noChangeAspect="1"/>
+          </p:cNvPicPr>
+          <p:nvPr>
+            <p:ph idx="1"/>
+          </p:nvPr>
+        </p:nvPicPr>
+        <p:blipFill>
+          <a:blip r:embed="rId2">
+            <a:extLst>
+              <a:ext uri="{28A0092B-C50C-407E-A947-70E740481C1C}">
+                <a14:useLocalDpi xmlns:a14="http://schemas.microsoft.com/office/drawing/2010/main" val="0"/>
+              </a:ext>
+            </a:extLst>
+          </a:blip>
+          <a:stretch>
+            <a:fillRect/>
+          </a:stretch>
+        </p:blipFill>
+        <p:spPr>
+          <a:xfrm>
+            <a:off x="897777" y="2243137"/>
+            <a:ext cx="10396445" cy="2371725"/>
+          </a:xfrm>
+        </p:spPr>
+      </p:pic>
+    </p:spTree>
+    <p:extLst>
+      <p:ext uri="{BB962C8B-B14F-4D97-AF65-F5344CB8AC3E}">
+        <p14:creationId xmlns:p14="http://schemas.microsoft.com/office/powerpoint/2010/main" val="2366075928"/>
+      </p:ext>
+    </p:extLst>
+  </p:cSld>
+  <p:clrMapOvr>
+    <a:masterClrMapping/>
+  </p:clrMapOvr>
+</p:sld>
+</file>
+
+<file path=ppt/slides/slide13.xml><?xml version="1.0" encoding="utf-8"?>
+<p:sld xmlns:a="http://schemas.openxmlformats.org/drawingml/2006/main" xmlns:r="http://schemas.openxmlformats.org/officeDocument/2006/relationships" xmlns:p="http://schemas.openxmlformats.org/presentationml/2006/main">
+  <p:cSld>
+    <p:spTree>
+      <p:nvGrpSpPr>
+        <p:cNvPr id="1" name=""/>
+        <p:cNvGrpSpPr/>
+        <p:nvPr/>
+      </p:nvGrpSpPr>
+      <p:grpSpPr>
+        <a:xfrm>
+          <a:off x="0" y="0"/>
+          <a:ext cx="0" cy="0"/>
+          <a:chOff x="0" y="0"/>
+          <a:chExt cx="0" cy="0"/>
+        </a:xfrm>
+      </p:grpSpPr>
+      <p:sp>
+        <p:nvSpPr>
+          <p:cNvPr id="2" name="Title 1">
+            <a:extLst>
+              <a:ext uri="{FF2B5EF4-FFF2-40B4-BE49-F238E27FC236}">
+                <a16:creationId xmlns:a16="http://schemas.microsoft.com/office/drawing/2014/main" id="{54766436-B0AB-41DC-AE56-677AD7C945E5}"/>
+              </a:ext>
+            </a:extLst>
+          </p:cNvPr>
+          <p:cNvSpPr>
+            <a:spLocks noGrp="1"/>
+          </p:cNvSpPr>
+          <p:nvPr>
+            <p:ph type="title"/>
+          </p:nvPr>
+        </p:nvSpPr>
+        <p:spPr/>
+        <p:txBody>
+          <a:bodyPr/>
+          <a:lstStyle/>
+          <a:p>
+            <a:r>
+              <a:rPr lang="en-US" dirty="0"/>
+              <a:t>Premade names</a:t>
+            </a:r>
+          </a:p>
+        </p:txBody>
+      </p:sp>
+      <p:sp>
+        <p:nvSpPr>
+          <p:cNvPr id="3" name="Content Placeholder 2">
+            <a:extLst>
+              <a:ext uri="{FF2B5EF4-FFF2-40B4-BE49-F238E27FC236}">
+                <a16:creationId xmlns:a16="http://schemas.microsoft.com/office/drawing/2014/main" id="{62A13609-06BF-4E42-8D29-A22CD2BEB15C}"/>
+              </a:ext>
+            </a:extLst>
+          </p:cNvPr>
+          <p:cNvSpPr>
+            <a:spLocks noGrp="1"/>
+          </p:cNvSpPr>
+          <p:nvPr>
+            <p:ph idx="1"/>
+          </p:nvPr>
+        </p:nvSpPr>
+        <p:spPr/>
+        <p:txBody>
+          <a:bodyPr/>
+          <a:lstStyle/>
+          <a:p>
+            <a:r>
+              <a:rPr lang="en-US" dirty="0"/>
+              <a:t>Chosen from list of names in a file</a:t>
+            </a:r>
+          </a:p>
+          <a:p>
+            <a:r>
+              <a:rPr lang="en-US" dirty="0"/>
+              <a:t>Has to follow user criteria when selecting a name</a:t>
+            </a:r>
+          </a:p>
+          <a:p>
+            <a:endParaRPr lang="en-US" dirty="0"/>
+          </a:p>
+          <a:p>
+            <a:endParaRPr lang="en-US" dirty="0"/>
+          </a:p>
+        </p:txBody>
+      </p:sp>
+    </p:spTree>
+    <p:extLst>
+      <p:ext uri="{BB962C8B-B14F-4D97-AF65-F5344CB8AC3E}">
+        <p14:creationId xmlns:p14="http://schemas.microsoft.com/office/powerpoint/2010/main" val="1286332405"/>
+      </p:ext>
+    </p:extLst>
+  </p:cSld>
+  <p:clrMapOvr>
+    <a:masterClrMapping/>
+  </p:clrMapOvr>
+</p:sld>
+</file>
+
+<file path=ppt/slides/slide14.xml><?xml version="1.0" encoding="utf-8"?>
+<p:sld xmlns:a="http://schemas.openxmlformats.org/drawingml/2006/main" xmlns:r="http://schemas.openxmlformats.org/officeDocument/2006/relationships" xmlns:p="http://schemas.openxmlformats.org/presentationml/2006/main">
+  <p:cSld>
+    <p:bg>
+      <p:bgPr>
+        <a:solidFill>
+          <a:schemeClr val="bg1"/>
+        </a:solidFill>
+        <a:effectLst/>
+      </p:bgPr>
+    </p:bg>
+    <p:spTree>
+      <p:nvGrpSpPr>
+        <p:cNvPr id="1" name=""/>
+        <p:cNvGrpSpPr/>
+        <p:nvPr/>
+      </p:nvGrpSpPr>
+      <p:grpSpPr>
+        <a:xfrm>
+          <a:off x="0" y="0"/>
+          <a:ext cx="0" cy="0"/>
+          <a:chOff x="0" y="0"/>
+          <a:chExt cx="0" cy="0"/>
+        </a:xfrm>
+      </p:grpSpPr>
+      <p:sp>
+        <p:nvSpPr>
+          <p:cNvPr id="10" name="Rectangle 9">
+            <a:extLst>
+              <a:ext uri="{FF2B5EF4-FFF2-40B4-BE49-F238E27FC236}">
+                <a16:creationId xmlns:a16="http://schemas.microsoft.com/office/drawing/2014/main" id="{A4AC5506-6312-4701-8D3C-40187889A947}"/>
+              </a:ext>
+              <a:ext uri="{C183D7F6-B498-43B3-948B-1728B52AA6E4}">
+                <adec:decorative xmlns:adec="http://schemas.microsoft.com/office/drawing/2017/decorative" val="1"/>
+              </a:ext>
+            </a:extLst>
+          </p:cNvPr>
+          <p:cNvSpPr>
+            <a:spLocks noGrp="1" noRot="1" noChangeAspect="1" noMove="1" noResize="1" noEditPoints="1" noAdjustHandles="1" noChangeArrowheads="1" noChangeShapeType="1" noTextEdit="1"/>
+          </p:cNvSpPr>
+          <p:nvPr>
+            <p:extLst>
+              <p:ext uri="{386F3935-93C4-4BCD-93E2-E3B085C9AB24}">
+                <p16:designElem xmlns:p16="http://schemas.microsoft.com/office/powerpoint/2015/main" val="1"/>
+              </p:ext>
+            </p:extLst>
+          </p:nvPr>
+        </p:nvSpPr>
+        <p:spPr>
+          <a:xfrm>
+            <a:off x="0" y="651752"/>
+            <a:ext cx="12192000" cy="736551"/>
+          </a:xfrm>
+          <a:prstGeom prst="rect">
+            <a:avLst/>
+          </a:prstGeom>
+          <a:solidFill>
+            <a:schemeClr val="tx1"/>
+          </a:solidFill>
+          <a:ln>
+            <a:noFill/>
+          </a:ln>
+        </p:spPr>
+        <p:style>
+          <a:lnRef idx="2">
+            <a:schemeClr val="accent1">
+              <a:shade val="50000"/>
+            </a:schemeClr>
+          </a:lnRef>
+          <a:fillRef idx="1">
+            <a:schemeClr val="accent1"/>
+          </a:fillRef>
+          <a:effectRef idx="0">
+            <a:schemeClr val="accent1"/>
+          </a:effectRef>
+          <a:fontRef idx="minor">
+            <a:schemeClr val="lt1"/>
+          </a:fontRef>
+        </p:style>
+        <p:txBody>
+          <a:bodyPr rtlCol="0" anchor="ctr"/>
+          <a:lstStyle/>
+          <a:p>
+            <a:pPr algn="ctr"/>
+            <a:endParaRPr lang="en-US"/>
+          </a:p>
+        </p:txBody>
+      </p:sp>
+      <p:sp>
+        <p:nvSpPr>
+          <p:cNvPr id="2" name="Title 1">
+            <a:extLst>
+              <a:ext uri="{FF2B5EF4-FFF2-40B4-BE49-F238E27FC236}">
+                <a16:creationId xmlns:a16="http://schemas.microsoft.com/office/drawing/2014/main" id="{554F2A24-3D31-4484-9E72-45032E586D33}"/>
+              </a:ext>
+            </a:extLst>
+          </p:cNvPr>
+          <p:cNvSpPr>
+            <a:spLocks noGrp="1"/>
+          </p:cNvSpPr>
+          <p:nvPr>
+            <p:ph type="title"/>
+          </p:nvPr>
+        </p:nvSpPr>
+        <p:spPr>
+          <a:xfrm>
+            <a:off x="556532" y="643467"/>
+            <a:ext cx="11210925" cy="744836"/>
+          </a:xfrm>
+        </p:spPr>
+        <p:txBody>
+          <a:bodyPr vert="horz" lIns="91440" tIns="45720" rIns="91440" bIns="45720" rtlCol="0" anchor="ctr">
+            <a:normAutofit/>
+          </a:bodyPr>
+          <a:lstStyle/>
+          <a:p>
+            <a:pPr algn="ctr"/>
+            <a:r>
+              <a:rPr lang="en-US" sz="3200" kern="1200">
+                <a:solidFill>
+                  <a:schemeClr val="bg1"/>
+                </a:solidFill>
+                <a:latin typeface="+mj-lt"/>
+                <a:ea typeface="+mj-ea"/>
+                <a:cs typeface="+mj-cs"/>
+              </a:rPr>
+              <a:t>Premade Functions</a:t>
+            </a:r>
+          </a:p>
+        </p:txBody>
+      </p:sp>
+      <p:pic>
+        <p:nvPicPr>
+          <p:cNvPr id="5" name="Content Placeholder 4">
+            <a:extLst>
+              <a:ext uri="{FF2B5EF4-FFF2-40B4-BE49-F238E27FC236}">
+                <a16:creationId xmlns:a16="http://schemas.microsoft.com/office/drawing/2014/main" id="{8D795FCD-ACAE-4298-9E65-74ACF9F35998}"/>
+              </a:ext>
+            </a:extLst>
+          </p:cNvPr>
+          <p:cNvPicPr>
+            <a:picLocks noGrp="1" noChangeAspect="1"/>
+          </p:cNvPicPr>
+          <p:nvPr>
+            <p:ph idx="1"/>
+          </p:nvPr>
+        </p:nvPicPr>
+        <p:blipFill>
+          <a:blip r:embed="rId2">
+            <a:extLst>
+              <a:ext uri="{28A0092B-C50C-407E-A947-70E740481C1C}">
+                <a14:useLocalDpi xmlns:a14="http://schemas.microsoft.com/office/drawing/2010/main" val="0"/>
+              </a:ext>
+            </a:extLst>
+          </a:blip>
+          <a:stretch>
+            <a:fillRect/>
+          </a:stretch>
+        </p:blipFill>
+        <p:spPr>
+          <a:xfrm>
+            <a:off x="643467" y="1691313"/>
+            <a:ext cx="10905066" cy="4362026"/>
+          </a:xfrm>
+          <a:prstGeom prst="rect">
+            <a:avLst/>
+          </a:prstGeom>
+        </p:spPr>
+      </p:pic>
+    </p:spTree>
+    <p:extLst>
+      <p:ext uri="{BB962C8B-B14F-4D97-AF65-F5344CB8AC3E}">
+        <p14:creationId xmlns:p14="http://schemas.microsoft.com/office/powerpoint/2010/main" val="3437213883"/>
+      </p:ext>
+    </p:extLst>
+  </p:cSld>
+  <p:clrMapOvr>
+    <a:masterClrMapping/>
+  </p:clrMapOvr>
+</p:sld>
+</file>
+
+<file path=ppt/slides/slide15.xml><?xml version="1.0" encoding="utf-8"?>
+<p:sld xmlns:a="http://schemas.openxmlformats.org/drawingml/2006/main" xmlns:r="http://schemas.openxmlformats.org/officeDocument/2006/relationships" xmlns:p="http://schemas.openxmlformats.org/presentationml/2006/main">
+  <p:cSld>
     <p:bg>
       <p:bgPr>
         <a:solidFill>
@@ -3479,7 +4187,7 @@
 </p:sld>
 </file>
 
-<file path=ppt/slides/slide11.xml><?xml version="1.0" encoding="utf-8"?>
+<file path=ppt/slides/slide16.xml><?xml version="1.0" encoding="utf-8"?>
 <p:sld xmlns:a="http://schemas.openxmlformats.org/drawingml/2006/main" xmlns:r="http://schemas.openxmlformats.org/officeDocument/2006/relationships" xmlns:p="http://schemas.openxmlformats.org/presentationml/2006/main">
   <p:cSld>
     <p:bg>
@@ -3555,7 +4263,7 @@
 </p:sld>
 </file>
 
-<file path=ppt/slides/slide12.xml><?xml version="1.0" encoding="utf-8"?>
+<file path=ppt/slides/slide17.xml><?xml version="1.0" encoding="utf-8"?>
 <p:sld xmlns:a="http://schemas.openxmlformats.org/drawingml/2006/main" xmlns:r="http://schemas.openxmlformats.org/officeDocument/2006/relationships" xmlns:p="http://schemas.openxmlformats.org/presentationml/2006/main">
   <p:cSld>
     <p:spTree>
@@ -3668,7 +4376,7 @@
 </p:sld>
 </file>
 
-<file path=ppt/slides/slide13.xml><?xml version="1.0" encoding="utf-8"?>
+<file path=ppt/slides/slide18.xml><?xml version="1.0" encoding="utf-8"?>
 <p:sld xmlns:a="http://schemas.openxmlformats.org/drawingml/2006/main" xmlns:r="http://schemas.openxmlformats.org/officeDocument/2006/relationships" xmlns:p="http://schemas.openxmlformats.org/presentationml/2006/main">
   <p:cSld>
     <p:spTree>
@@ -3772,7 +4480,7 @@
 </p:sld>
 </file>
 
-<file path=ppt/slides/slide14.xml><?xml version="1.0" encoding="utf-8"?>
+<file path=ppt/slides/slide19.xml><?xml version="1.0" encoding="utf-8"?>
 <p:sld xmlns:a="http://schemas.openxmlformats.org/drawingml/2006/main" xmlns:r="http://schemas.openxmlformats.org/officeDocument/2006/relationships" xmlns:p="http://schemas.openxmlformats.org/presentationml/2006/main">
   <p:cSld>
     <p:bg>
@@ -3976,6 +4684,527 @@
           <p:cNvPr id="2" name="Title 1">
             <a:extLst>
               <a:ext uri="{FF2B5EF4-FFF2-40B4-BE49-F238E27FC236}">
+                <a16:creationId xmlns:a16="http://schemas.microsoft.com/office/drawing/2014/main" id="{FA195D12-031E-4C06-A3F7-0299A509E9AD}"/>
+              </a:ext>
+            </a:extLst>
+          </p:cNvPr>
+          <p:cNvSpPr>
+            <a:spLocks noGrp="1"/>
+          </p:cNvSpPr>
+          <p:nvPr>
+            <p:ph type="title"/>
+          </p:nvPr>
+        </p:nvSpPr>
+        <p:spPr/>
+        <p:txBody>
+          <a:bodyPr/>
+          <a:lstStyle/>
+          <a:p>
+            <a:r>
+              <a:rPr lang="en-US" dirty="0"/>
+              <a:t>Outline</a:t>
+            </a:r>
+          </a:p>
+        </p:txBody>
+      </p:sp>
+      <p:sp>
+        <p:nvSpPr>
+          <p:cNvPr id="3" name="Content Placeholder 2">
+            <a:extLst>
+              <a:ext uri="{FF2B5EF4-FFF2-40B4-BE49-F238E27FC236}">
+                <a16:creationId xmlns:a16="http://schemas.microsoft.com/office/drawing/2014/main" id="{C63C552A-1A14-46B0-9C6D-D2631306D132}"/>
+              </a:ext>
+            </a:extLst>
+          </p:cNvPr>
+          <p:cNvSpPr>
+            <a:spLocks noGrp="1"/>
+          </p:cNvSpPr>
+          <p:nvPr>
+            <p:ph idx="1"/>
+          </p:nvPr>
+        </p:nvSpPr>
+        <p:spPr/>
+        <p:txBody>
+          <a:bodyPr/>
+          <a:lstStyle/>
+          <a:p>
+            <a:r>
+              <a:rPr lang="en-US" dirty="0"/>
+              <a:t>Problem</a:t>
+            </a:r>
+          </a:p>
+          <a:p>
+            <a:r>
+              <a:rPr lang="en-US" dirty="0"/>
+              <a:t>Solution</a:t>
+            </a:r>
+          </a:p>
+          <a:p>
+            <a:r>
+              <a:rPr lang="en-US" dirty="0"/>
+              <a:t>Random name generation</a:t>
+            </a:r>
+          </a:p>
+          <a:p>
+            <a:pPr marL="0" indent="0">
+              <a:buNone/>
+            </a:pPr>
+            <a:r>
+              <a:rPr lang="en-US" dirty="0"/>
+              <a:t>	</a:t>
+            </a:r>
+            <a:r>
+              <a:rPr lang="en-US" sz="2000" dirty="0"/>
+              <a:t>-Customization module</a:t>
+            </a:r>
+          </a:p>
+          <a:p>
+            <a:pPr marL="0" indent="0">
+              <a:buNone/>
+            </a:pPr>
+            <a:r>
+              <a:rPr lang="en-US" sz="2000" dirty="0"/>
+              <a:t>	-Pre made names</a:t>
+            </a:r>
+          </a:p>
+          <a:p>
+            <a:pPr marL="0" indent="0">
+              <a:buNone/>
+            </a:pPr>
+            <a:r>
+              <a:rPr lang="en-US" sz="2000" dirty="0"/>
+              <a:t>	-New names</a:t>
+            </a:r>
+          </a:p>
+          <a:p>
+            <a:r>
+              <a:rPr lang="en-US" dirty="0"/>
+              <a:t>Demo </a:t>
+            </a:r>
+          </a:p>
+        </p:txBody>
+      </p:sp>
+    </p:spTree>
+    <p:extLst>
+      <p:ext uri="{BB962C8B-B14F-4D97-AF65-F5344CB8AC3E}">
+        <p14:creationId xmlns:p14="http://schemas.microsoft.com/office/powerpoint/2010/main" val="2441508804"/>
+      </p:ext>
+    </p:extLst>
+  </p:cSld>
+  <p:clrMapOvr>
+    <a:masterClrMapping/>
+  </p:clrMapOvr>
+</p:sld>
+</file>
+
+<file path=ppt/slides/slide3.xml><?xml version="1.0" encoding="utf-8"?>
+<p:sld xmlns:a="http://schemas.openxmlformats.org/drawingml/2006/main" xmlns:r="http://schemas.openxmlformats.org/officeDocument/2006/relationships" xmlns:p="http://schemas.openxmlformats.org/presentationml/2006/main">
+  <p:cSld>
+    <p:spTree>
+      <p:nvGrpSpPr>
+        <p:cNvPr id="1" name=""/>
+        <p:cNvGrpSpPr/>
+        <p:nvPr/>
+      </p:nvGrpSpPr>
+      <p:grpSpPr>
+        <a:xfrm>
+          <a:off x="0" y="0"/>
+          <a:ext cx="0" cy="0"/>
+          <a:chOff x="0" y="0"/>
+          <a:chExt cx="0" cy="0"/>
+        </a:xfrm>
+      </p:grpSpPr>
+      <p:sp>
+        <p:nvSpPr>
+          <p:cNvPr id="2" name="Title 1">
+            <a:extLst>
+              <a:ext uri="{FF2B5EF4-FFF2-40B4-BE49-F238E27FC236}">
+                <a16:creationId xmlns:a16="http://schemas.microsoft.com/office/drawing/2014/main" id="{F62744C0-F3F2-4BDB-8AC6-5A92CA11F547}"/>
+              </a:ext>
+            </a:extLst>
+          </p:cNvPr>
+          <p:cNvSpPr>
+            <a:spLocks noGrp="1"/>
+          </p:cNvSpPr>
+          <p:nvPr>
+            <p:ph type="title"/>
+          </p:nvPr>
+        </p:nvSpPr>
+        <p:spPr/>
+        <p:txBody>
+          <a:bodyPr/>
+          <a:lstStyle/>
+          <a:p>
+            <a:r>
+              <a:rPr lang="en-US" dirty="0"/>
+              <a:t>Problem</a:t>
+            </a:r>
+          </a:p>
+        </p:txBody>
+      </p:sp>
+      <p:sp>
+        <p:nvSpPr>
+          <p:cNvPr id="3" name="Content Placeholder 2">
+            <a:extLst>
+              <a:ext uri="{FF2B5EF4-FFF2-40B4-BE49-F238E27FC236}">
+                <a16:creationId xmlns:a16="http://schemas.microsoft.com/office/drawing/2014/main" id="{8DD2A804-4043-45AA-92CC-91309B00CB46}"/>
+              </a:ext>
+            </a:extLst>
+          </p:cNvPr>
+          <p:cNvSpPr>
+            <a:spLocks noGrp="1"/>
+          </p:cNvSpPr>
+          <p:nvPr>
+            <p:ph idx="1"/>
+          </p:nvPr>
+        </p:nvSpPr>
+        <p:spPr/>
+        <p:txBody>
+          <a:bodyPr/>
+          <a:lstStyle/>
+          <a:p>
+            <a:r>
+              <a:rPr lang="en-US" dirty="0"/>
+              <a:t>The program problem that should be solved is how to choose names without having any preliminary ideas about the name.</a:t>
+            </a:r>
+          </a:p>
+          <a:p>
+            <a:r>
+              <a:rPr lang="en-US" dirty="0"/>
+              <a:t>This is a common occurrence for the making of a new team or even expecting parents</a:t>
+            </a:r>
+          </a:p>
+        </p:txBody>
+      </p:sp>
+    </p:spTree>
+    <p:extLst>
+      <p:ext uri="{BB962C8B-B14F-4D97-AF65-F5344CB8AC3E}">
+        <p14:creationId xmlns:p14="http://schemas.microsoft.com/office/powerpoint/2010/main" val="2206329969"/>
+      </p:ext>
+    </p:extLst>
+  </p:cSld>
+  <p:clrMapOvr>
+    <a:masterClrMapping/>
+  </p:clrMapOvr>
+</p:sld>
+</file>
+
+<file path=ppt/slides/slide4.xml><?xml version="1.0" encoding="utf-8"?>
+<p:sld xmlns:a="http://schemas.openxmlformats.org/drawingml/2006/main" xmlns:r="http://schemas.openxmlformats.org/officeDocument/2006/relationships" xmlns:p="http://schemas.openxmlformats.org/presentationml/2006/main">
+  <p:cSld>
+    <p:spTree>
+      <p:nvGrpSpPr>
+        <p:cNvPr id="1" name=""/>
+        <p:cNvGrpSpPr/>
+        <p:nvPr/>
+      </p:nvGrpSpPr>
+      <p:grpSpPr>
+        <a:xfrm>
+          <a:off x="0" y="0"/>
+          <a:ext cx="0" cy="0"/>
+          <a:chOff x="0" y="0"/>
+          <a:chExt cx="0" cy="0"/>
+        </a:xfrm>
+      </p:grpSpPr>
+      <p:sp>
+        <p:nvSpPr>
+          <p:cNvPr id="2" name="Title 1">
+            <a:extLst>
+              <a:ext uri="{FF2B5EF4-FFF2-40B4-BE49-F238E27FC236}">
+                <a16:creationId xmlns:a16="http://schemas.microsoft.com/office/drawing/2014/main" id="{AA585601-E731-46D3-80D1-A4E8CB9CC050}"/>
+              </a:ext>
+            </a:extLst>
+          </p:cNvPr>
+          <p:cNvSpPr>
+            <a:spLocks noGrp="1"/>
+          </p:cNvSpPr>
+          <p:nvPr>
+            <p:ph type="title"/>
+          </p:nvPr>
+        </p:nvSpPr>
+        <p:spPr/>
+        <p:txBody>
+          <a:bodyPr/>
+          <a:lstStyle/>
+          <a:p>
+            <a:r>
+              <a:rPr lang="en-US" dirty="0"/>
+              <a:t>Design Challenges</a:t>
+            </a:r>
+          </a:p>
+        </p:txBody>
+      </p:sp>
+      <p:sp>
+        <p:nvSpPr>
+          <p:cNvPr id="3" name="Content Placeholder 2">
+            <a:extLst>
+              <a:ext uri="{FF2B5EF4-FFF2-40B4-BE49-F238E27FC236}">
+                <a16:creationId xmlns:a16="http://schemas.microsoft.com/office/drawing/2014/main" id="{DFEF6042-6D57-46ED-BD63-6DD5CA121B9C}"/>
+              </a:ext>
+            </a:extLst>
+          </p:cNvPr>
+          <p:cNvSpPr>
+            <a:spLocks noGrp="1"/>
+          </p:cNvSpPr>
+          <p:nvPr>
+            <p:ph idx="1"/>
+          </p:nvPr>
+        </p:nvSpPr>
+        <p:spPr/>
+        <p:txBody>
+          <a:bodyPr/>
+          <a:lstStyle/>
+          <a:p>
+            <a:r>
+              <a:rPr lang="en-US" dirty="0"/>
+              <a:t>The pre made names were limited by the size of list in the file</a:t>
+            </a:r>
+          </a:p>
+          <a:p>
+            <a:r>
+              <a:rPr lang="en-US" dirty="0"/>
+              <a:t>The new name generation is limited by rules of English words</a:t>
+            </a:r>
+          </a:p>
+          <a:p>
+            <a:pPr marL="0" indent="0">
+              <a:buNone/>
+            </a:pPr>
+            <a:r>
+              <a:rPr lang="en-US" dirty="0"/>
+              <a:t>	- Too many rules to implement</a:t>
+            </a:r>
+          </a:p>
+          <a:p>
+            <a:r>
+              <a:rPr lang="en-US" dirty="0"/>
+              <a:t>Designing rules to make names as close to pronounceable as possible</a:t>
+            </a:r>
+          </a:p>
+          <a:p>
+            <a:endParaRPr lang="en-US" dirty="0"/>
+          </a:p>
+        </p:txBody>
+      </p:sp>
+    </p:spTree>
+    <p:extLst>
+      <p:ext uri="{BB962C8B-B14F-4D97-AF65-F5344CB8AC3E}">
+        <p14:creationId xmlns:p14="http://schemas.microsoft.com/office/powerpoint/2010/main" val="1494948636"/>
+      </p:ext>
+    </p:extLst>
+  </p:cSld>
+  <p:clrMapOvr>
+    <a:masterClrMapping/>
+  </p:clrMapOvr>
+</p:sld>
+</file>
+
+<file path=ppt/slides/slide5.xml><?xml version="1.0" encoding="utf-8"?>
+<p:sld xmlns:a="http://schemas.openxmlformats.org/drawingml/2006/main" xmlns:r="http://schemas.openxmlformats.org/officeDocument/2006/relationships" xmlns:p="http://schemas.openxmlformats.org/presentationml/2006/main">
+  <p:cSld>
+    <p:spTree>
+      <p:nvGrpSpPr>
+        <p:cNvPr id="1" name=""/>
+        <p:cNvGrpSpPr/>
+        <p:nvPr/>
+      </p:nvGrpSpPr>
+      <p:grpSpPr>
+        <a:xfrm>
+          <a:off x="0" y="0"/>
+          <a:ext cx="0" cy="0"/>
+          <a:chOff x="0" y="0"/>
+          <a:chExt cx="0" cy="0"/>
+        </a:xfrm>
+      </p:grpSpPr>
+      <p:sp>
+        <p:nvSpPr>
+          <p:cNvPr id="2" name="Title 1">
+            <a:extLst>
+              <a:ext uri="{FF2B5EF4-FFF2-40B4-BE49-F238E27FC236}">
+                <a16:creationId xmlns:a16="http://schemas.microsoft.com/office/drawing/2014/main" id="{C4FFAD08-9CDE-4066-BB06-7E0AA84C156B}"/>
+              </a:ext>
+            </a:extLst>
+          </p:cNvPr>
+          <p:cNvSpPr>
+            <a:spLocks noGrp="1"/>
+          </p:cNvSpPr>
+          <p:nvPr>
+            <p:ph type="title"/>
+          </p:nvPr>
+        </p:nvSpPr>
+        <p:spPr/>
+        <p:txBody>
+          <a:bodyPr/>
+          <a:lstStyle/>
+          <a:p>
+            <a:r>
+              <a:rPr lang="en-US" dirty="0"/>
+              <a:t>Business Applications</a:t>
+            </a:r>
+          </a:p>
+        </p:txBody>
+      </p:sp>
+      <p:sp>
+        <p:nvSpPr>
+          <p:cNvPr id="3" name="Content Placeholder 2">
+            <a:extLst>
+              <a:ext uri="{FF2B5EF4-FFF2-40B4-BE49-F238E27FC236}">
+                <a16:creationId xmlns:a16="http://schemas.microsoft.com/office/drawing/2014/main" id="{209DF93E-6A20-4F59-AA24-757E25FDA6D2}"/>
+              </a:ext>
+            </a:extLst>
+          </p:cNvPr>
+          <p:cNvSpPr>
+            <a:spLocks noGrp="1"/>
+          </p:cNvSpPr>
+          <p:nvPr>
+            <p:ph idx="1"/>
+          </p:nvPr>
+        </p:nvSpPr>
+        <p:spPr/>
+        <p:txBody>
+          <a:bodyPr/>
+          <a:lstStyle/>
+          <a:p>
+            <a:r>
+              <a:rPr lang="en-US" dirty="0"/>
+              <a:t>Expecting parents can use this as a tool to come up with a name for their child</a:t>
+            </a:r>
+          </a:p>
+          <a:p>
+            <a:r>
+              <a:rPr lang="en-US" dirty="0"/>
+              <a:t>Company start ups would be able to create a name completely unique</a:t>
+            </a:r>
+          </a:p>
+          <a:p>
+            <a:r>
+              <a:rPr lang="en-US" dirty="0"/>
+              <a:t>Little league sports programs could make unbiased name</a:t>
+            </a:r>
+          </a:p>
+        </p:txBody>
+      </p:sp>
+    </p:spTree>
+    <p:extLst>
+      <p:ext uri="{BB962C8B-B14F-4D97-AF65-F5344CB8AC3E}">
+        <p14:creationId xmlns:p14="http://schemas.microsoft.com/office/powerpoint/2010/main" val="1635701888"/>
+      </p:ext>
+    </p:extLst>
+  </p:cSld>
+  <p:clrMapOvr>
+    <a:masterClrMapping/>
+  </p:clrMapOvr>
+</p:sld>
+</file>
+
+<file path=ppt/slides/slide6.xml><?xml version="1.0" encoding="utf-8"?>
+<p:sld xmlns:a="http://schemas.openxmlformats.org/drawingml/2006/main" xmlns:r="http://schemas.openxmlformats.org/officeDocument/2006/relationships" xmlns:p="http://schemas.openxmlformats.org/presentationml/2006/main">
+  <p:cSld>
+    <p:spTree>
+      <p:nvGrpSpPr>
+        <p:cNvPr id="1" name=""/>
+        <p:cNvGrpSpPr/>
+        <p:nvPr/>
+      </p:nvGrpSpPr>
+      <p:grpSpPr>
+        <a:xfrm>
+          <a:off x="0" y="0"/>
+          <a:ext cx="0" cy="0"/>
+          <a:chOff x="0" y="0"/>
+          <a:chExt cx="0" cy="0"/>
+        </a:xfrm>
+      </p:grpSpPr>
+      <p:sp>
+        <p:nvSpPr>
+          <p:cNvPr id="2" name="Title 1">
+            <a:extLst>
+              <a:ext uri="{FF2B5EF4-FFF2-40B4-BE49-F238E27FC236}">
+                <a16:creationId xmlns:a16="http://schemas.microsoft.com/office/drawing/2014/main" id="{E25BECC8-8EBD-4803-9E4D-D178627EEEA1}"/>
+              </a:ext>
+            </a:extLst>
+          </p:cNvPr>
+          <p:cNvSpPr>
+            <a:spLocks noGrp="1"/>
+          </p:cNvSpPr>
+          <p:nvPr>
+            <p:ph type="title"/>
+          </p:nvPr>
+        </p:nvSpPr>
+        <p:spPr/>
+        <p:txBody>
+          <a:bodyPr/>
+          <a:lstStyle/>
+          <a:p>
+            <a:r>
+              <a:rPr lang="en-US" dirty="0"/>
+              <a:t>Solution</a:t>
+            </a:r>
+          </a:p>
+        </p:txBody>
+      </p:sp>
+      <p:sp>
+        <p:nvSpPr>
+          <p:cNvPr id="3" name="Content Placeholder 2">
+            <a:extLst>
+              <a:ext uri="{FF2B5EF4-FFF2-40B4-BE49-F238E27FC236}">
+                <a16:creationId xmlns:a16="http://schemas.microsoft.com/office/drawing/2014/main" id="{8BE87584-7D86-4738-8F53-B8953212632C}"/>
+              </a:ext>
+            </a:extLst>
+          </p:cNvPr>
+          <p:cNvSpPr>
+            <a:spLocks noGrp="1"/>
+          </p:cNvSpPr>
+          <p:nvPr>
+            <p:ph idx="1"/>
+          </p:nvPr>
+        </p:nvSpPr>
+        <p:spPr/>
+        <p:txBody>
+          <a:bodyPr/>
+          <a:lstStyle/>
+          <a:p>
+            <a:r>
+              <a:rPr lang="en-US" dirty="0"/>
+              <a:t>The solution to this problem will involve using Java’s randomization library simply called Random that can randomly select pre-made names and randomly generate a brand new, completely random name.</a:t>
+            </a:r>
+          </a:p>
+        </p:txBody>
+      </p:sp>
+    </p:spTree>
+    <p:extLst>
+      <p:ext uri="{BB962C8B-B14F-4D97-AF65-F5344CB8AC3E}">
+        <p14:creationId xmlns:p14="http://schemas.microsoft.com/office/powerpoint/2010/main" val="118469789"/>
+      </p:ext>
+    </p:extLst>
+  </p:cSld>
+  <p:clrMapOvr>
+    <a:masterClrMapping/>
+  </p:clrMapOvr>
+</p:sld>
+</file>
+
+<file path=ppt/slides/slide7.xml><?xml version="1.0" encoding="utf-8"?>
+<p:sld xmlns:a="http://schemas.openxmlformats.org/drawingml/2006/main" xmlns:r="http://schemas.openxmlformats.org/officeDocument/2006/relationships" xmlns:p="http://schemas.openxmlformats.org/presentationml/2006/main">
+  <p:cSld>
+    <p:spTree>
+      <p:nvGrpSpPr>
+        <p:cNvPr id="1" name=""/>
+        <p:cNvGrpSpPr/>
+        <p:nvPr/>
+      </p:nvGrpSpPr>
+      <p:grpSpPr>
+        <a:xfrm>
+          <a:off x="0" y="0"/>
+          <a:ext cx="0" cy="0"/>
+          <a:chOff x="0" y="0"/>
+          <a:chExt cx="0" cy="0"/>
+        </a:xfrm>
+      </p:grpSpPr>
+      <p:sp>
+        <p:nvSpPr>
+          <p:cNvPr id="2" name="Title 1">
+            <a:extLst>
+              <a:ext uri="{FF2B5EF4-FFF2-40B4-BE49-F238E27FC236}">
                 <a16:creationId xmlns:a16="http://schemas.microsoft.com/office/drawing/2014/main" id="{97EC9EB0-3C58-4FDC-B690-C2E69DC64946}"/>
               </a:ext>
             </a:extLst>
@@ -4022,7 +5251,7 @@
           <a:p>
             <a:r>
               <a:rPr lang="en-US" dirty="0"/>
-              <a:t>Using Java we were able to use 2 processes for creating names</a:t>
+              <a:t>Using Java we were able to use 2 processes for creating random names</a:t>
             </a:r>
           </a:p>
           <a:p>
@@ -4056,7 +5285,7 @@
           <a:p>
             <a:r>
               <a:rPr lang="en-US" dirty="0"/>
-              <a:t>Both ways have their own rules to follow but also similar ones too</a:t>
+              <a:t>Both ways have their own rules to follow but also have to follow user guidelines</a:t>
             </a:r>
           </a:p>
         </p:txBody>
@@ -4074,7 +5303,7 @@
 </p:sld>
 </file>
 
-<file path=ppt/slides/slide3.xml><?xml version="1.0" encoding="utf-8"?>
+<file path=ppt/slides/slide8.xml><?xml version="1.0" encoding="utf-8"?>
 <p:sld xmlns:a="http://schemas.openxmlformats.org/drawingml/2006/main" xmlns:r="http://schemas.openxmlformats.org/officeDocument/2006/relationships" xmlns:p="http://schemas.openxmlformats.org/presentationml/2006/main">
   <p:cSld>
     <p:bg>
@@ -4256,7 +5485,7 @@
 </p:sld>
 </file>
 
-<file path=ppt/slides/slide4.xml><?xml version="1.0" encoding="utf-8"?>
+<file path=ppt/slides/slide9.xml><?xml version="1.0" encoding="utf-8"?>
 <p:sld xmlns:a="http://schemas.openxmlformats.org/drawingml/2006/main" xmlns:r="http://schemas.openxmlformats.org/officeDocument/2006/relationships" xmlns:p="http://schemas.openxmlformats.org/presentationml/2006/main">
   <p:cSld>
     <p:spTree>
@@ -4363,709 +5592,6 @@
     <p:extLst>
       <p:ext uri="{BB962C8B-B14F-4D97-AF65-F5344CB8AC3E}">
         <p14:creationId xmlns:p14="http://schemas.microsoft.com/office/powerpoint/2010/main" val="1717094377"/>
-      </p:ext>
-    </p:extLst>
-  </p:cSld>
-  <p:clrMapOvr>
-    <a:masterClrMapping/>
-  </p:clrMapOvr>
-</p:sld>
-</file>
-
-<file path=ppt/slides/slide5.xml><?xml version="1.0" encoding="utf-8"?>
-<p:sld xmlns:a="http://schemas.openxmlformats.org/drawingml/2006/main" xmlns:r="http://schemas.openxmlformats.org/officeDocument/2006/relationships" xmlns:p="http://schemas.openxmlformats.org/presentationml/2006/main">
-  <p:cSld>
-    <p:spTree>
-      <p:nvGrpSpPr>
-        <p:cNvPr id="1" name=""/>
-        <p:cNvGrpSpPr/>
-        <p:nvPr/>
-      </p:nvGrpSpPr>
-      <p:grpSpPr>
-        <a:xfrm>
-          <a:off x="0" y="0"/>
-          <a:ext cx="0" cy="0"/>
-          <a:chOff x="0" y="0"/>
-          <a:chExt cx="0" cy="0"/>
-        </a:xfrm>
-      </p:grpSpPr>
-      <p:sp>
-        <p:nvSpPr>
-          <p:cNvPr id="2" name="Title 1">
-            <a:extLst>
-              <a:ext uri="{FF2B5EF4-FFF2-40B4-BE49-F238E27FC236}">
-                <a16:creationId xmlns:a16="http://schemas.microsoft.com/office/drawing/2014/main" id="{AF15FE88-FFFC-4168-95E3-5F210EB79E41}"/>
-              </a:ext>
-            </a:extLst>
-          </p:cNvPr>
-          <p:cNvSpPr>
-            <a:spLocks noGrp="1"/>
-          </p:cNvSpPr>
-          <p:nvPr>
-            <p:ph type="title"/>
-          </p:nvPr>
-        </p:nvSpPr>
-        <p:spPr/>
-        <p:txBody>
-          <a:bodyPr/>
-          <a:lstStyle/>
-          <a:p>
-            <a:r>
-              <a:rPr lang="en-US" dirty="0"/>
-              <a:t>Customization Module Functions</a:t>
-            </a:r>
-          </a:p>
-        </p:txBody>
-      </p:sp>
-      <p:pic>
-        <p:nvPicPr>
-          <p:cNvPr id="5" name="Content Placeholder 4">
-            <a:extLst>
-              <a:ext uri="{FF2B5EF4-FFF2-40B4-BE49-F238E27FC236}">
-                <a16:creationId xmlns:a16="http://schemas.microsoft.com/office/drawing/2014/main" id="{7C322047-FB67-478C-8738-2CA45FE48018}"/>
-              </a:ext>
-            </a:extLst>
-          </p:cNvPr>
-          <p:cNvPicPr>
-            <a:picLocks noGrp="1" noChangeAspect="1"/>
-          </p:cNvPicPr>
-          <p:nvPr>
-            <p:ph idx="1"/>
-          </p:nvPr>
-        </p:nvPicPr>
-        <p:blipFill>
-          <a:blip r:embed="rId2">
-            <a:extLst>
-              <a:ext uri="{28A0092B-C50C-407E-A947-70E740481C1C}">
-                <a14:useLocalDpi xmlns:a14="http://schemas.microsoft.com/office/drawing/2010/main" val="0"/>
-              </a:ext>
-            </a:extLst>
-          </a:blip>
-          <a:stretch>
-            <a:fillRect/>
-          </a:stretch>
-        </p:blipFill>
-        <p:spPr>
-          <a:xfrm>
-            <a:off x="838200" y="1764824"/>
-            <a:ext cx="6179820" cy="1272540"/>
-          </a:xfrm>
-        </p:spPr>
-      </p:pic>
-      <p:pic>
-        <p:nvPicPr>
-          <p:cNvPr id="7" name="Picture 6">
-            <a:extLst>
-              <a:ext uri="{FF2B5EF4-FFF2-40B4-BE49-F238E27FC236}">
-                <a16:creationId xmlns:a16="http://schemas.microsoft.com/office/drawing/2014/main" id="{E60A8AA5-0D26-4A23-91DE-F9374CA677C2}"/>
-              </a:ext>
-            </a:extLst>
-          </p:cNvPr>
-          <p:cNvPicPr>
-            <a:picLocks noChangeAspect="1"/>
-          </p:cNvPicPr>
-          <p:nvPr/>
-        </p:nvPicPr>
-        <p:blipFill>
-          <a:blip r:embed="rId3">
-            <a:extLst>
-              <a:ext uri="{28A0092B-C50C-407E-A947-70E740481C1C}">
-                <a14:useLocalDpi xmlns:a14="http://schemas.microsoft.com/office/drawing/2010/main" val="0"/>
-              </a:ext>
-            </a:extLst>
-          </a:blip>
-          <a:stretch>
-            <a:fillRect/>
-          </a:stretch>
-        </p:blipFill>
-        <p:spPr>
-          <a:xfrm>
-            <a:off x="781050" y="2995454"/>
-            <a:ext cx="6294120" cy="1356360"/>
-          </a:xfrm>
-          <a:prstGeom prst="rect">
-            <a:avLst/>
-          </a:prstGeom>
-        </p:spPr>
-      </p:pic>
-      <p:pic>
-        <p:nvPicPr>
-          <p:cNvPr id="9" name="Picture 8">
-            <a:extLst>
-              <a:ext uri="{FF2B5EF4-FFF2-40B4-BE49-F238E27FC236}">
-                <a16:creationId xmlns:a16="http://schemas.microsoft.com/office/drawing/2014/main" id="{CE70973B-5702-47B2-92A1-08DED5AE8B78}"/>
-              </a:ext>
-            </a:extLst>
-          </p:cNvPr>
-          <p:cNvPicPr>
-            <a:picLocks noChangeAspect="1"/>
-          </p:cNvPicPr>
-          <p:nvPr/>
-        </p:nvPicPr>
-        <p:blipFill>
-          <a:blip r:embed="rId4">
-            <a:extLst>
-              <a:ext uri="{28A0092B-C50C-407E-A947-70E740481C1C}">
-                <a14:useLocalDpi xmlns:a14="http://schemas.microsoft.com/office/drawing/2010/main" val="0"/>
-              </a:ext>
-            </a:extLst>
-          </a:blip>
-          <a:stretch>
-            <a:fillRect/>
-          </a:stretch>
-        </p:blipFill>
-        <p:spPr>
-          <a:xfrm>
-            <a:off x="838200" y="4351814"/>
-            <a:ext cx="3558540" cy="701040"/>
-          </a:xfrm>
-          <a:prstGeom prst="rect">
-            <a:avLst/>
-          </a:prstGeom>
-        </p:spPr>
-      </p:pic>
-    </p:spTree>
-    <p:extLst>
-      <p:ext uri="{BB962C8B-B14F-4D97-AF65-F5344CB8AC3E}">
-        <p14:creationId xmlns:p14="http://schemas.microsoft.com/office/powerpoint/2010/main" val="2603647416"/>
-      </p:ext>
-    </p:extLst>
-  </p:cSld>
-  <p:clrMapOvr>
-    <a:masterClrMapping/>
-  </p:clrMapOvr>
-</p:sld>
-</file>
-
-<file path=ppt/slides/slide6.xml><?xml version="1.0" encoding="utf-8"?>
-<p:sld xmlns:a="http://schemas.openxmlformats.org/drawingml/2006/main" xmlns:r="http://schemas.openxmlformats.org/officeDocument/2006/relationships" xmlns:p="http://schemas.openxmlformats.org/presentationml/2006/main">
-  <p:cSld>
-    <p:spTree>
-      <p:nvGrpSpPr>
-        <p:cNvPr id="1" name=""/>
-        <p:cNvGrpSpPr/>
-        <p:nvPr/>
-      </p:nvGrpSpPr>
-      <p:grpSpPr>
-        <a:xfrm>
-          <a:off x="0" y="0"/>
-          <a:ext cx="0" cy="0"/>
-          <a:chOff x="0" y="0"/>
-          <a:chExt cx="0" cy="0"/>
-        </a:xfrm>
-      </p:grpSpPr>
-      <p:sp>
-        <p:nvSpPr>
-          <p:cNvPr id="2" name="Title 1">
-            <a:extLst>
-              <a:ext uri="{FF2B5EF4-FFF2-40B4-BE49-F238E27FC236}">
-                <a16:creationId xmlns:a16="http://schemas.microsoft.com/office/drawing/2014/main" id="{34FEB53C-CEFF-449D-8AA1-658451488906}"/>
-              </a:ext>
-            </a:extLst>
-          </p:cNvPr>
-          <p:cNvSpPr>
-            <a:spLocks noGrp="1"/>
-          </p:cNvSpPr>
-          <p:nvPr>
-            <p:ph type="title"/>
-          </p:nvPr>
-        </p:nvSpPr>
-        <p:spPr/>
-        <p:txBody>
-          <a:bodyPr/>
-          <a:lstStyle/>
-          <a:p>
-            <a:r>
-              <a:rPr lang="en-US" dirty="0"/>
-              <a:t>Functions Continued</a:t>
-            </a:r>
-          </a:p>
-        </p:txBody>
-      </p:sp>
-      <p:pic>
-        <p:nvPicPr>
-          <p:cNvPr id="5" name="Content Placeholder 4">
-            <a:extLst>
-              <a:ext uri="{FF2B5EF4-FFF2-40B4-BE49-F238E27FC236}">
-                <a16:creationId xmlns:a16="http://schemas.microsoft.com/office/drawing/2014/main" id="{F527F21E-37FB-45B3-8A17-51C16784DAA2}"/>
-              </a:ext>
-            </a:extLst>
-          </p:cNvPr>
-          <p:cNvPicPr>
-            <a:picLocks noGrp="1" noChangeAspect="1"/>
-          </p:cNvPicPr>
-          <p:nvPr>
-            <p:ph idx="1"/>
-          </p:nvPr>
-        </p:nvPicPr>
-        <p:blipFill>
-          <a:blip r:embed="rId2">
-            <a:extLst>
-              <a:ext uri="{28A0092B-C50C-407E-A947-70E740481C1C}">
-                <a14:useLocalDpi xmlns:a14="http://schemas.microsoft.com/office/drawing/2010/main" val="0"/>
-              </a:ext>
-            </a:extLst>
-          </a:blip>
-          <a:stretch>
-            <a:fillRect/>
-          </a:stretch>
-        </p:blipFill>
-        <p:spPr>
-          <a:xfrm>
-            <a:off x="838200" y="1934369"/>
-            <a:ext cx="5349240" cy="1333500"/>
-          </a:xfrm>
-        </p:spPr>
-      </p:pic>
-      <p:pic>
-        <p:nvPicPr>
-          <p:cNvPr id="7" name="Picture 6">
-            <a:extLst>
-              <a:ext uri="{FF2B5EF4-FFF2-40B4-BE49-F238E27FC236}">
-                <a16:creationId xmlns:a16="http://schemas.microsoft.com/office/drawing/2014/main" id="{8B570073-B6C1-4157-8940-5D1910A6FD5D}"/>
-              </a:ext>
-            </a:extLst>
-          </p:cNvPr>
-          <p:cNvPicPr>
-            <a:picLocks noChangeAspect="1"/>
-          </p:cNvPicPr>
-          <p:nvPr/>
-        </p:nvPicPr>
-        <p:blipFill>
-          <a:blip r:embed="rId3">
-            <a:extLst>
-              <a:ext uri="{28A0092B-C50C-407E-A947-70E740481C1C}">
-                <a14:useLocalDpi xmlns:a14="http://schemas.microsoft.com/office/drawing/2010/main" val="0"/>
-              </a:ext>
-            </a:extLst>
-          </a:blip>
-          <a:stretch>
-            <a:fillRect/>
-          </a:stretch>
-        </p:blipFill>
-        <p:spPr>
-          <a:xfrm>
-            <a:off x="838200" y="3267869"/>
-            <a:ext cx="3901440" cy="693420"/>
-          </a:xfrm>
-          <a:prstGeom prst="rect">
-            <a:avLst/>
-          </a:prstGeom>
-        </p:spPr>
-      </p:pic>
-      <p:pic>
-        <p:nvPicPr>
-          <p:cNvPr id="9" name="Picture 8">
-            <a:extLst>
-              <a:ext uri="{FF2B5EF4-FFF2-40B4-BE49-F238E27FC236}">
-                <a16:creationId xmlns:a16="http://schemas.microsoft.com/office/drawing/2014/main" id="{EEE490CB-D0FB-44C5-A512-76A19EB4671F}"/>
-              </a:ext>
-            </a:extLst>
-          </p:cNvPr>
-          <p:cNvPicPr>
-            <a:picLocks noChangeAspect="1"/>
-          </p:cNvPicPr>
-          <p:nvPr/>
-        </p:nvPicPr>
-        <p:blipFill>
-          <a:blip r:embed="rId4">
-            <a:extLst>
-              <a:ext uri="{28A0092B-C50C-407E-A947-70E740481C1C}">
-                <a14:useLocalDpi xmlns:a14="http://schemas.microsoft.com/office/drawing/2010/main" val="0"/>
-              </a:ext>
-            </a:extLst>
-          </a:blip>
-          <a:stretch>
-            <a:fillRect/>
-          </a:stretch>
-        </p:blipFill>
-        <p:spPr>
-          <a:xfrm>
-            <a:off x="838200" y="3961289"/>
-            <a:ext cx="4267200" cy="2232660"/>
-          </a:xfrm>
-          <a:prstGeom prst="rect">
-            <a:avLst/>
-          </a:prstGeom>
-        </p:spPr>
-      </p:pic>
-    </p:spTree>
-    <p:extLst>
-      <p:ext uri="{BB962C8B-B14F-4D97-AF65-F5344CB8AC3E}">
-        <p14:creationId xmlns:p14="http://schemas.microsoft.com/office/powerpoint/2010/main" val="1799889983"/>
-      </p:ext>
-    </p:extLst>
-  </p:cSld>
-  <p:clrMapOvr>
-    <a:masterClrMapping/>
-  </p:clrMapOvr>
-</p:sld>
-</file>
-
-<file path=ppt/slides/slide7.xml><?xml version="1.0" encoding="utf-8"?>
-<p:sld xmlns:a="http://schemas.openxmlformats.org/drawingml/2006/main" xmlns:r="http://schemas.openxmlformats.org/officeDocument/2006/relationships" xmlns:p="http://schemas.openxmlformats.org/presentationml/2006/main">
-  <p:cSld>
-    <p:spTree>
-      <p:nvGrpSpPr>
-        <p:cNvPr id="1" name=""/>
-        <p:cNvGrpSpPr/>
-        <p:nvPr/>
-      </p:nvGrpSpPr>
-      <p:grpSpPr>
-        <a:xfrm>
-          <a:off x="0" y="0"/>
-          <a:ext cx="0" cy="0"/>
-          <a:chOff x="0" y="0"/>
-          <a:chExt cx="0" cy="0"/>
-        </a:xfrm>
-      </p:grpSpPr>
-      <p:sp>
-        <p:nvSpPr>
-          <p:cNvPr id="2" name="Title 1">
-            <a:extLst>
-              <a:ext uri="{FF2B5EF4-FFF2-40B4-BE49-F238E27FC236}">
-                <a16:creationId xmlns:a16="http://schemas.microsoft.com/office/drawing/2014/main" id="{D66449A2-EA2A-4E5E-90B7-BCE00C3C7294}"/>
-              </a:ext>
-            </a:extLst>
-          </p:cNvPr>
-          <p:cNvSpPr>
-            <a:spLocks noGrp="1"/>
-          </p:cNvSpPr>
-          <p:nvPr>
-            <p:ph type="title"/>
-          </p:nvPr>
-        </p:nvSpPr>
-        <p:spPr/>
-        <p:txBody>
-          <a:bodyPr/>
-          <a:lstStyle/>
-          <a:p>
-            <a:r>
-              <a:rPr lang="en-US" dirty="0"/>
-              <a:t>Example</a:t>
-            </a:r>
-          </a:p>
-        </p:txBody>
-      </p:sp>
-      <p:pic>
-        <p:nvPicPr>
-          <p:cNvPr id="9" name="Content Placeholder 8">
-            <a:extLst>
-              <a:ext uri="{FF2B5EF4-FFF2-40B4-BE49-F238E27FC236}">
-                <a16:creationId xmlns:a16="http://schemas.microsoft.com/office/drawing/2014/main" id="{54D5D73B-7656-457E-90DC-8E6A67F20D5F}"/>
-              </a:ext>
-            </a:extLst>
-          </p:cNvPr>
-          <p:cNvPicPr>
-            <a:picLocks noGrp="1" noChangeAspect="1"/>
-          </p:cNvPicPr>
-          <p:nvPr>
-            <p:ph idx="1"/>
-          </p:nvPr>
-        </p:nvPicPr>
-        <p:blipFill>
-          <a:blip r:embed="rId2">
-            <a:extLst>
-              <a:ext uri="{28A0092B-C50C-407E-A947-70E740481C1C}">
-                <a14:useLocalDpi xmlns:a14="http://schemas.microsoft.com/office/drawing/2010/main" val="0"/>
-              </a:ext>
-            </a:extLst>
-          </a:blip>
-          <a:stretch>
-            <a:fillRect/>
-          </a:stretch>
-        </p:blipFill>
-        <p:spPr>
-          <a:xfrm>
-            <a:off x="897777" y="2243137"/>
-            <a:ext cx="10396445" cy="2371725"/>
-          </a:xfrm>
-        </p:spPr>
-      </p:pic>
-    </p:spTree>
-    <p:extLst>
-      <p:ext uri="{BB962C8B-B14F-4D97-AF65-F5344CB8AC3E}">
-        <p14:creationId xmlns:p14="http://schemas.microsoft.com/office/powerpoint/2010/main" val="2366075928"/>
-      </p:ext>
-    </p:extLst>
-  </p:cSld>
-  <p:clrMapOvr>
-    <a:masterClrMapping/>
-  </p:clrMapOvr>
-</p:sld>
-</file>
-
-<file path=ppt/slides/slide8.xml><?xml version="1.0" encoding="utf-8"?>
-<p:sld xmlns:a="http://schemas.openxmlformats.org/drawingml/2006/main" xmlns:r="http://schemas.openxmlformats.org/officeDocument/2006/relationships" xmlns:p="http://schemas.openxmlformats.org/presentationml/2006/main">
-  <p:cSld>
-    <p:spTree>
-      <p:nvGrpSpPr>
-        <p:cNvPr id="1" name=""/>
-        <p:cNvGrpSpPr/>
-        <p:nvPr/>
-      </p:nvGrpSpPr>
-      <p:grpSpPr>
-        <a:xfrm>
-          <a:off x="0" y="0"/>
-          <a:ext cx="0" cy="0"/>
-          <a:chOff x="0" y="0"/>
-          <a:chExt cx="0" cy="0"/>
-        </a:xfrm>
-      </p:grpSpPr>
-      <p:sp>
-        <p:nvSpPr>
-          <p:cNvPr id="2" name="Title 1">
-            <a:extLst>
-              <a:ext uri="{FF2B5EF4-FFF2-40B4-BE49-F238E27FC236}">
-                <a16:creationId xmlns:a16="http://schemas.microsoft.com/office/drawing/2014/main" id="{54766436-B0AB-41DC-AE56-677AD7C945E5}"/>
-              </a:ext>
-            </a:extLst>
-          </p:cNvPr>
-          <p:cNvSpPr>
-            <a:spLocks noGrp="1"/>
-          </p:cNvSpPr>
-          <p:nvPr>
-            <p:ph type="title"/>
-          </p:nvPr>
-        </p:nvSpPr>
-        <p:spPr/>
-        <p:txBody>
-          <a:bodyPr/>
-          <a:lstStyle/>
-          <a:p>
-            <a:r>
-              <a:rPr lang="en-US" dirty="0"/>
-              <a:t>Premade names</a:t>
-            </a:r>
-          </a:p>
-        </p:txBody>
-      </p:sp>
-      <p:sp>
-        <p:nvSpPr>
-          <p:cNvPr id="3" name="Content Placeholder 2">
-            <a:extLst>
-              <a:ext uri="{FF2B5EF4-FFF2-40B4-BE49-F238E27FC236}">
-                <a16:creationId xmlns:a16="http://schemas.microsoft.com/office/drawing/2014/main" id="{62A13609-06BF-4E42-8D29-A22CD2BEB15C}"/>
-              </a:ext>
-            </a:extLst>
-          </p:cNvPr>
-          <p:cNvSpPr>
-            <a:spLocks noGrp="1"/>
-          </p:cNvSpPr>
-          <p:nvPr>
-            <p:ph idx="1"/>
-          </p:nvPr>
-        </p:nvSpPr>
-        <p:spPr/>
-        <p:txBody>
-          <a:bodyPr/>
-          <a:lstStyle/>
-          <a:p>
-            <a:r>
-              <a:rPr lang="en-US" dirty="0"/>
-              <a:t>Chosen from list of names in a file</a:t>
-            </a:r>
-          </a:p>
-          <a:p>
-            <a:r>
-              <a:rPr lang="en-US" dirty="0"/>
-              <a:t>Has to follow user criteria when selecting a name</a:t>
-            </a:r>
-          </a:p>
-          <a:p>
-            <a:endParaRPr lang="en-US" dirty="0"/>
-          </a:p>
-          <a:p>
-            <a:endParaRPr lang="en-US" dirty="0"/>
-          </a:p>
-        </p:txBody>
-      </p:sp>
-    </p:spTree>
-    <p:extLst>
-      <p:ext uri="{BB962C8B-B14F-4D97-AF65-F5344CB8AC3E}">
-        <p14:creationId xmlns:p14="http://schemas.microsoft.com/office/powerpoint/2010/main" val="1286332405"/>
-      </p:ext>
-    </p:extLst>
-  </p:cSld>
-  <p:clrMapOvr>
-    <a:masterClrMapping/>
-  </p:clrMapOvr>
-</p:sld>
-</file>
-
-<file path=ppt/slides/slide9.xml><?xml version="1.0" encoding="utf-8"?>
-<p:sld xmlns:a="http://schemas.openxmlformats.org/drawingml/2006/main" xmlns:r="http://schemas.openxmlformats.org/officeDocument/2006/relationships" xmlns:p="http://schemas.openxmlformats.org/presentationml/2006/main">
-  <p:cSld>
-    <p:bg>
-      <p:bgPr>
-        <a:solidFill>
-          <a:schemeClr val="bg1"/>
-        </a:solidFill>
-        <a:effectLst/>
-      </p:bgPr>
-    </p:bg>
-    <p:spTree>
-      <p:nvGrpSpPr>
-        <p:cNvPr id="1" name=""/>
-        <p:cNvGrpSpPr/>
-        <p:nvPr/>
-      </p:nvGrpSpPr>
-      <p:grpSpPr>
-        <a:xfrm>
-          <a:off x="0" y="0"/>
-          <a:ext cx="0" cy="0"/>
-          <a:chOff x="0" y="0"/>
-          <a:chExt cx="0" cy="0"/>
-        </a:xfrm>
-      </p:grpSpPr>
-      <p:sp>
-        <p:nvSpPr>
-          <p:cNvPr id="10" name="Rectangle 9">
-            <a:extLst>
-              <a:ext uri="{FF2B5EF4-FFF2-40B4-BE49-F238E27FC236}">
-                <a16:creationId xmlns:a16="http://schemas.microsoft.com/office/drawing/2014/main" id="{A4AC5506-6312-4701-8D3C-40187889A947}"/>
-              </a:ext>
-              <a:ext uri="{C183D7F6-B498-43B3-948B-1728B52AA6E4}">
-                <adec:decorative xmlns:adec="http://schemas.microsoft.com/office/drawing/2017/decorative" val="1"/>
-              </a:ext>
-            </a:extLst>
-          </p:cNvPr>
-          <p:cNvSpPr>
-            <a:spLocks noGrp="1" noRot="1" noChangeAspect="1" noMove="1" noResize="1" noEditPoints="1" noAdjustHandles="1" noChangeArrowheads="1" noChangeShapeType="1" noTextEdit="1"/>
-          </p:cNvSpPr>
-          <p:nvPr>
-            <p:extLst>
-              <p:ext uri="{386F3935-93C4-4BCD-93E2-E3B085C9AB24}">
-                <p16:designElem xmlns:p16="http://schemas.microsoft.com/office/powerpoint/2015/main" val="1"/>
-              </p:ext>
-            </p:extLst>
-          </p:nvPr>
-        </p:nvSpPr>
-        <p:spPr>
-          <a:xfrm>
-            <a:off x="0" y="651752"/>
-            <a:ext cx="12192000" cy="736551"/>
-          </a:xfrm>
-          <a:prstGeom prst="rect">
-            <a:avLst/>
-          </a:prstGeom>
-          <a:solidFill>
-            <a:schemeClr val="tx1"/>
-          </a:solidFill>
-          <a:ln>
-            <a:noFill/>
-          </a:ln>
-        </p:spPr>
-        <p:style>
-          <a:lnRef idx="2">
-            <a:schemeClr val="accent1">
-              <a:shade val="50000"/>
-            </a:schemeClr>
-          </a:lnRef>
-          <a:fillRef idx="1">
-            <a:schemeClr val="accent1"/>
-          </a:fillRef>
-          <a:effectRef idx="0">
-            <a:schemeClr val="accent1"/>
-          </a:effectRef>
-          <a:fontRef idx="minor">
-            <a:schemeClr val="lt1"/>
-          </a:fontRef>
-        </p:style>
-        <p:txBody>
-          <a:bodyPr rtlCol="0" anchor="ctr"/>
-          <a:lstStyle/>
-          <a:p>
-            <a:pPr algn="ctr"/>
-            <a:endParaRPr lang="en-US"/>
-          </a:p>
-        </p:txBody>
-      </p:sp>
-      <p:sp>
-        <p:nvSpPr>
-          <p:cNvPr id="2" name="Title 1">
-            <a:extLst>
-              <a:ext uri="{FF2B5EF4-FFF2-40B4-BE49-F238E27FC236}">
-                <a16:creationId xmlns:a16="http://schemas.microsoft.com/office/drawing/2014/main" id="{554F2A24-3D31-4484-9E72-45032E586D33}"/>
-              </a:ext>
-            </a:extLst>
-          </p:cNvPr>
-          <p:cNvSpPr>
-            <a:spLocks noGrp="1"/>
-          </p:cNvSpPr>
-          <p:nvPr>
-            <p:ph type="title"/>
-          </p:nvPr>
-        </p:nvSpPr>
-        <p:spPr>
-          <a:xfrm>
-            <a:off x="556532" y="643467"/>
-            <a:ext cx="11210925" cy="744836"/>
-          </a:xfrm>
-        </p:spPr>
-        <p:txBody>
-          <a:bodyPr vert="horz" lIns="91440" tIns="45720" rIns="91440" bIns="45720" rtlCol="0" anchor="ctr">
-            <a:normAutofit/>
-          </a:bodyPr>
-          <a:lstStyle/>
-          <a:p>
-            <a:pPr algn="ctr"/>
-            <a:r>
-              <a:rPr lang="en-US" sz="3200" kern="1200">
-                <a:solidFill>
-                  <a:schemeClr val="bg1"/>
-                </a:solidFill>
-                <a:latin typeface="+mj-lt"/>
-                <a:ea typeface="+mj-ea"/>
-                <a:cs typeface="+mj-cs"/>
-              </a:rPr>
-              <a:t>Premade Functions</a:t>
-            </a:r>
-          </a:p>
-        </p:txBody>
-      </p:sp>
-      <p:pic>
-        <p:nvPicPr>
-          <p:cNvPr id="5" name="Content Placeholder 4">
-            <a:extLst>
-              <a:ext uri="{FF2B5EF4-FFF2-40B4-BE49-F238E27FC236}">
-                <a16:creationId xmlns:a16="http://schemas.microsoft.com/office/drawing/2014/main" id="{8D795FCD-ACAE-4298-9E65-74ACF9F35998}"/>
-              </a:ext>
-            </a:extLst>
-          </p:cNvPr>
-          <p:cNvPicPr>
-            <a:picLocks noGrp="1" noChangeAspect="1"/>
-          </p:cNvPicPr>
-          <p:nvPr>
-            <p:ph idx="1"/>
-          </p:nvPr>
-        </p:nvPicPr>
-        <p:blipFill>
-          <a:blip r:embed="rId2">
-            <a:extLst>
-              <a:ext uri="{28A0092B-C50C-407E-A947-70E740481C1C}">
-                <a14:useLocalDpi xmlns:a14="http://schemas.microsoft.com/office/drawing/2010/main" val="0"/>
-              </a:ext>
-            </a:extLst>
-          </a:blip>
-          <a:stretch>
-            <a:fillRect/>
-          </a:stretch>
-        </p:blipFill>
-        <p:spPr>
-          <a:xfrm>
-            <a:off x="643467" y="1691313"/>
-            <a:ext cx="10905066" cy="4362026"/>
-          </a:xfrm>
-          <a:prstGeom prst="rect">
-            <a:avLst/>
-          </a:prstGeom>
-        </p:spPr>
-      </p:pic>
-    </p:spTree>
-    <p:extLst>
-      <p:ext uri="{BB962C8B-B14F-4D97-AF65-F5344CB8AC3E}">
-        <p14:creationId xmlns:p14="http://schemas.microsoft.com/office/powerpoint/2010/main" val="3437213883"/>
       </p:ext>
     </p:extLst>
   </p:cSld>

--- a/Name Infinity.pptx
+++ b/Name Infinity.pptx
@@ -7,23 +7,25 @@
   <p:sldIdLst>
     <p:sldId id="256" r:id="rId2"/>
     <p:sldId id="272" r:id="rId3"/>
-    <p:sldId id="270" r:id="rId4"/>
-    <p:sldId id="273" r:id="rId5"/>
-    <p:sldId id="274" r:id="rId6"/>
-    <p:sldId id="271" r:id="rId7"/>
-    <p:sldId id="257" r:id="rId8"/>
-    <p:sldId id="265" r:id="rId9"/>
-    <p:sldId id="259" r:id="rId10"/>
-    <p:sldId id="268" r:id="rId11"/>
-    <p:sldId id="269" r:id="rId12"/>
-    <p:sldId id="260" r:id="rId13"/>
-    <p:sldId id="258" r:id="rId14"/>
-    <p:sldId id="261" r:id="rId15"/>
-    <p:sldId id="262" r:id="rId16"/>
-    <p:sldId id="263" r:id="rId17"/>
-    <p:sldId id="264" r:id="rId18"/>
-    <p:sldId id="266" r:id="rId19"/>
-    <p:sldId id="267" r:id="rId20"/>
+    <p:sldId id="275" r:id="rId4"/>
+    <p:sldId id="270" r:id="rId5"/>
+    <p:sldId id="273" r:id="rId6"/>
+    <p:sldId id="274" r:id="rId7"/>
+    <p:sldId id="271" r:id="rId8"/>
+    <p:sldId id="276" r:id="rId9"/>
+    <p:sldId id="257" r:id="rId10"/>
+    <p:sldId id="265" r:id="rId11"/>
+    <p:sldId id="259" r:id="rId12"/>
+    <p:sldId id="268" r:id="rId13"/>
+    <p:sldId id="269" r:id="rId14"/>
+    <p:sldId id="260" r:id="rId15"/>
+    <p:sldId id="258" r:id="rId16"/>
+    <p:sldId id="261" r:id="rId17"/>
+    <p:sldId id="262" r:id="rId18"/>
+    <p:sldId id="263" r:id="rId19"/>
+    <p:sldId id="264" r:id="rId20"/>
+    <p:sldId id="266" r:id="rId21"/>
+    <p:sldId id="267" r:id="rId22"/>
   </p:sldIdLst>
   <p:sldSz cx="12192000" cy="6858000"/>
   <p:notesSz cx="6858000" cy="9144000"/>
@@ -3411,527 +3413,6 @@
 <file path=ppt/slides/slide10.xml><?xml version="1.0" encoding="utf-8"?>
 <p:sld xmlns:a="http://schemas.openxmlformats.org/drawingml/2006/main" xmlns:r="http://schemas.openxmlformats.org/officeDocument/2006/relationships" xmlns:p="http://schemas.openxmlformats.org/presentationml/2006/main">
   <p:cSld>
-    <p:spTree>
-      <p:nvGrpSpPr>
-        <p:cNvPr id="1" name=""/>
-        <p:cNvGrpSpPr/>
-        <p:nvPr/>
-      </p:nvGrpSpPr>
-      <p:grpSpPr>
-        <a:xfrm>
-          <a:off x="0" y="0"/>
-          <a:ext cx="0" cy="0"/>
-          <a:chOff x="0" y="0"/>
-          <a:chExt cx="0" cy="0"/>
-        </a:xfrm>
-      </p:grpSpPr>
-      <p:sp>
-        <p:nvSpPr>
-          <p:cNvPr id="2" name="Title 1">
-            <a:extLst>
-              <a:ext uri="{FF2B5EF4-FFF2-40B4-BE49-F238E27FC236}">
-                <a16:creationId xmlns:a16="http://schemas.microsoft.com/office/drawing/2014/main" id="{AF15FE88-FFFC-4168-95E3-5F210EB79E41}"/>
-              </a:ext>
-            </a:extLst>
-          </p:cNvPr>
-          <p:cNvSpPr>
-            <a:spLocks noGrp="1"/>
-          </p:cNvSpPr>
-          <p:nvPr>
-            <p:ph type="title"/>
-          </p:nvPr>
-        </p:nvSpPr>
-        <p:spPr/>
-        <p:txBody>
-          <a:bodyPr/>
-          <a:lstStyle/>
-          <a:p>
-            <a:r>
-              <a:rPr lang="en-US" dirty="0"/>
-              <a:t>Customization Module Functions</a:t>
-            </a:r>
-          </a:p>
-        </p:txBody>
-      </p:sp>
-      <p:pic>
-        <p:nvPicPr>
-          <p:cNvPr id="5" name="Content Placeholder 4">
-            <a:extLst>
-              <a:ext uri="{FF2B5EF4-FFF2-40B4-BE49-F238E27FC236}">
-                <a16:creationId xmlns:a16="http://schemas.microsoft.com/office/drawing/2014/main" id="{7C322047-FB67-478C-8738-2CA45FE48018}"/>
-              </a:ext>
-            </a:extLst>
-          </p:cNvPr>
-          <p:cNvPicPr>
-            <a:picLocks noGrp="1" noChangeAspect="1"/>
-          </p:cNvPicPr>
-          <p:nvPr>
-            <p:ph idx="1"/>
-          </p:nvPr>
-        </p:nvPicPr>
-        <p:blipFill>
-          <a:blip r:embed="rId2">
-            <a:extLst>
-              <a:ext uri="{28A0092B-C50C-407E-A947-70E740481C1C}">
-                <a14:useLocalDpi xmlns:a14="http://schemas.microsoft.com/office/drawing/2010/main" val="0"/>
-              </a:ext>
-            </a:extLst>
-          </a:blip>
-          <a:stretch>
-            <a:fillRect/>
-          </a:stretch>
-        </p:blipFill>
-        <p:spPr>
-          <a:xfrm>
-            <a:off x="838200" y="1764824"/>
-            <a:ext cx="6179820" cy="1272540"/>
-          </a:xfrm>
-        </p:spPr>
-      </p:pic>
-      <p:pic>
-        <p:nvPicPr>
-          <p:cNvPr id="7" name="Picture 6">
-            <a:extLst>
-              <a:ext uri="{FF2B5EF4-FFF2-40B4-BE49-F238E27FC236}">
-                <a16:creationId xmlns:a16="http://schemas.microsoft.com/office/drawing/2014/main" id="{E60A8AA5-0D26-4A23-91DE-F9374CA677C2}"/>
-              </a:ext>
-            </a:extLst>
-          </p:cNvPr>
-          <p:cNvPicPr>
-            <a:picLocks noChangeAspect="1"/>
-          </p:cNvPicPr>
-          <p:nvPr/>
-        </p:nvPicPr>
-        <p:blipFill>
-          <a:blip r:embed="rId3">
-            <a:extLst>
-              <a:ext uri="{28A0092B-C50C-407E-A947-70E740481C1C}">
-                <a14:useLocalDpi xmlns:a14="http://schemas.microsoft.com/office/drawing/2010/main" val="0"/>
-              </a:ext>
-            </a:extLst>
-          </a:blip>
-          <a:stretch>
-            <a:fillRect/>
-          </a:stretch>
-        </p:blipFill>
-        <p:spPr>
-          <a:xfrm>
-            <a:off x="781050" y="2995454"/>
-            <a:ext cx="6294120" cy="1356360"/>
-          </a:xfrm>
-          <a:prstGeom prst="rect">
-            <a:avLst/>
-          </a:prstGeom>
-        </p:spPr>
-      </p:pic>
-      <p:pic>
-        <p:nvPicPr>
-          <p:cNvPr id="9" name="Picture 8">
-            <a:extLst>
-              <a:ext uri="{FF2B5EF4-FFF2-40B4-BE49-F238E27FC236}">
-                <a16:creationId xmlns:a16="http://schemas.microsoft.com/office/drawing/2014/main" id="{CE70973B-5702-47B2-92A1-08DED5AE8B78}"/>
-              </a:ext>
-            </a:extLst>
-          </p:cNvPr>
-          <p:cNvPicPr>
-            <a:picLocks noChangeAspect="1"/>
-          </p:cNvPicPr>
-          <p:nvPr/>
-        </p:nvPicPr>
-        <p:blipFill>
-          <a:blip r:embed="rId4">
-            <a:extLst>
-              <a:ext uri="{28A0092B-C50C-407E-A947-70E740481C1C}">
-                <a14:useLocalDpi xmlns:a14="http://schemas.microsoft.com/office/drawing/2010/main" val="0"/>
-              </a:ext>
-            </a:extLst>
-          </a:blip>
-          <a:stretch>
-            <a:fillRect/>
-          </a:stretch>
-        </p:blipFill>
-        <p:spPr>
-          <a:xfrm>
-            <a:off x="838200" y="4351814"/>
-            <a:ext cx="3558540" cy="701040"/>
-          </a:xfrm>
-          <a:prstGeom prst="rect">
-            <a:avLst/>
-          </a:prstGeom>
-        </p:spPr>
-      </p:pic>
-    </p:spTree>
-    <p:extLst>
-      <p:ext uri="{BB962C8B-B14F-4D97-AF65-F5344CB8AC3E}">
-        <p14:creationId xmlns:p14="http://schemas.microsoft.com/office/powerpoint/2010/main" val="2603647416"/>
-      </p:ext>
-    </p:extLst>
-  </p:cSld>
-  <p:clrMapOvr>
-    <a:masterClrMapping/>
-  </p:clrMapOvr>
-</p:sld>
-</file>
-
-<file path=ppt/slides/slide11.xml><?xml version="1.0" encoding="utf-8"?>
-<p:sld xmlns:a="http://schemas.openxmlformats.org/drawingml/2006/main" xmlns:r="http://schemas.openxmlformats.org/officeDocument/2006/relationships" xmlns:p="http://schemas.openxmlformats.org/presentationml/2006/main">
-  <p:cSld>
-    <p:spTree>
-      <p:nvGrpSpPr>
-        <p:cNvPr id="1" name=""/>
-        <p:cNvGrpSpPr/>
-        <p:nvPr/>
-      </p:nvGrpSpPr>
-      <p:grpSpPr>
-        <a:xfrm>
-          <a:off x="0" y="0"/>
-          <a:ext cx="0" cy="0"/>
-          <a:chOff x="0" y="0"/>
-          <a:chExt cx="0" cy="0"/>
-        </a:xfrm>
-      </p:grpSpPr>
-      <p:sp>
-        <p:nvSpPr>
-          <p:cNvPr id="2" name="Title 1">
-            <a:extLst>
-              <a:ext uri="{FF2B5EF4-FFF2-40B4-BE49-F238E27FC236}">
-                <a16:creationId xmlns:a16="http://schemas.microsoft.com/office/drawing/2014/main" id="{34FEB53C-CEFF-449D-8AA1-658451488906}"/>
-              </a:ext>
-            </a:extLst>
-          </p:cNvPr>
-          <p:cNvSpPr>
-            <a:spLocks noGrp="1"/>
-          </p:cNvSpPr>
-          <p:nvPr>
-            <p:ph type="title"/>
-          </p:nvPr>
-        </p:nvSpPr>
-        <p:spPr/>
-        <p:txBody>
-          <a:bodyPr/>
-          <a:lstStyle/>
-          <a:p>
-            <a:r>
-              <a:rPr lang="en-US" dirty="0"/>
-              <a:t>Functions Continued</a:t>
-            </a:r>
-          </a:p>
-        </p:txBody>
-      </p:sp>
-      <p:pic>
-        <p:nvPicPr>
-          <p:cNvPr id="5" name="Content Placeholder 4">
-            <a:extLst>
-              <a:ext uri="{FF2B5EF4-FFF2-40B4-BE49-F238E27FC236}">
-                <a16:creationId xmlns:a16="http://schemas.microsoft.com/office/drawing/2014/main" id="{F527F21E-37FB-45B3-8A17-51C16784DAA2}"/>
-              </a:ext>
-            </a:extLst>
-          </p:cNvPr>
-          <p:cNvPicPr>
-            <a:picLocks noGrp="1" noChangeAspect="1"/>
-          </p:cNvPicPr>
-          <p:nvPr>
-            <p:ph idx="1"/>
-          </p:nvPr>
-        </p:nvPicPr>
-        <p:blipFill>
-          <a:blip r:embed="rId2">
-            <a:extLst>
-              <a:ext uri="{28A0092B-C50C-407E-A947-70E740481C1C}">
-                <a14:useLocalDpi xmlns:a14="http://schemas.microsoft.com/office/drawing/2010/main" val="0"/>
-              </a:ext>
-            </a:extLst>
-          </a:blip>
-          <a:stretch>
-            <a:fillRect/>
-          </a:stretch>
-        </p:blipFill>
-        <p:spPr>
-          <a:xfrm>
-            <a:off x="838200" y="1934369"/>
-            <a:ext cx="5349240" cy="1333500"/>
-          </a:xfrm>
-        </p:spPr>
-      </p:pic>
-      <p:pic>
-        <p:nvPicPr>
-          <p:cNvPr id="7" name="Picture 6">
-            <a:extLst>
-              <a:ext uri="{FF2B5EF4-FFF2-40B4-BE49-F238E27FC236}">
-                <a16:creationId xmlns:a16="http://schemas.microsoft.com/office/drawing/2014/main" id="{8B570073-B6C1-4157-8940-5D1910A6FD5D}"/>
-              </a:ext>
-            </a:extLst>
-          </p:cNvPr>
-          <p:cNvPicPr>
-            <a:picLocks noChangeAspect="1"/>
-          </p:cNvPicPr>
-          <p:nvPr/>
-        </p:nvPicPr>
-        <p:blipFill>
-          <a:blip r:embed="rId3">
-            <a:extLst>
-              <a:ext uri="{28A0092B-C50C-407E-A947-70E740481C1C}">
-                <a14:useLocalDpi xmlns:a14="http://schemas.microsoft.com/office/drawing/2010/main" val="0"/>
-              </a:ext>
-            </a:extLst>
-          </a:blip>
-          <a:stretch>
-            <a:fillRect/>
-          </a:stretch>
-        </p:blipFill>
-        <p:spPr>
-          <a:xfrm>
-            <a:off x="838200" y="3267869"/>
-            <a:ext cx="3901440" cy="693420"/>
-          </a:xfrm>
-          <a:prstGeom prst="rect">
-            <a:avLst/>
-          </a:prstGeom>
-        </p:spPr>
-      </p:pic>
-      <p:pic>
-        <p:nvPicPr>
-          <p:cNvPr id="9" name="Picture 8">
-            <a:extLst>
-              <a:ext uri="{FF2B5EF4-FFF2-40B4-BE49-F238E27FC236}">
-                <a16:creationId xmlns:a16="http://schemas.microsoft.com/office/drawing/2014/main" id="{EEE490CB-D0FB-44C5-A512-76A19EB4671F}"/>
-              </a:ext>
-            </a:extLst>
-          </p:cNvPr>
-          <p:cNvPicPr>
-            <a:picLocks noChangeAspect="1"/>
-          </p:cNvPicPr>
-          <p:nvPr/>
-        </p:nvPicPr>
-        <p:blipFill>
-          <a:blip r:embed="rId4">
-            <a:extLst>
-              <a:ext uri="{28A0092B-C50C-407E-A947-70E740481C1C}">
-                <a14:useLocalDpi xmlns:a14="http://schemas.microsoft.com/office/drawing/2010/main" val="0"/>
-              </a:ext>
-            </a:extLst>
-          </a:blip>
-          <a:stretch>
-            <a:fillRect/>
-          </a:stretch>
-        </p:blipFill>
-        <p:spPr>
-          <a:xfrm>
-            <a:off x="838200" y="3961289"/>
-            <a:ext cx="4267200" cy="2232660"/>
-          </a:xfrm>
-          <a:prstGeom prst="rect">
-            <a:avLst/>
-          </a:prstGeom>
-        </p:spPr>
-      </p:pic>
-    </p:spTree>
-    <p:extLst>
-      <p:ext uri="{BB962C8B-B14F-4D97-AF65-F5344CB8AC3E}">
-        <p14:creationId xmlns:p14="http://schemas.microsoft.com/office/powerpoint/2010/main" val="1799889983"/>
-      </p:ext>
-    </p:extLst>
-  </p:cSld>
-  <p:clrMapOvr>
-    <a:masterClrMapping/>
-  </p:clrMapOvr>
-</p:sld>
-</file>
-
-<file path=ppt/slides/slide12.xml><?xml version="1.0" encoding="utf-8"?>
-<p:sld xmlns:a="http://schemas.openxmlformats.org/drawingml/2006/main" xmlns:r="http://schemas.openxmlformats.org/officeDocument/2006/relationships" xmlns:p="http://schemas.openxmlformats.org/presentationml/2006/main">
-  <p:cSld>
-    <p:spTree>
-      <p:nvGrpSpPr>
-        <p:cNvPr id="1" name=""/>
-        <p:cNvGrpSpPr/>
-        <p:nvPr/>
-      </p:nvGrpSpPr>
-      <p:grpSpPr>
-        <a:xfrm>
-          <a:off x="0" y="0"/>
-          <a:ext cx="0" cy="0"/>
-          <a:chOff x="0" y="0"/>
-          <a:chExt cx="0" cy="0"/>
-        </a:xfrm>
-      </p:grpSpPr>
-      <p:sp>
-        <p:nvSpPr>
-          <p:cNvPr id="2" name="Title 1">
-            <a:extLst>
-              <a:ext uri="{FF2B5EF4-FFF2-40B4-BE49-F238E27FC236}">
-                <a16:creationId xmlns:a16="http://schemas.microsoft.com/office/drawing/2014/main" id="{D66449A2-EA2A-4E5E-90B7-BCE00C3C7294}"/>
-              </a:ext>
-            </a:extLst>
-          </p:cNvPr>
-          <p:cNvSpPr>
-            <a:spLocks noGrp="1"/>
-          </p:cNvSpPr>
-          <p:nvPr>
-            <p:ph type="title"/>
-          </p:nvPr>
-        </p:nvSpPr>
-        <p:spPr/>
-        <p:txBody>
-          <a:bodyPr/>
-          <a:lstStyle/>
-          <a:p>
-            <a:r>
-              <a:rPr lang="en-US" dirty="0"/>
-              <a:t>Example</a:t>
-            </a:r>
-          </a:p>
-        </p:txBody>
-      </p:sp>
-      <p:pic>
-        <p:nvPicPr>
-          <p:cNvPr id="9" name="Content Placeholder 8">
-            <a:extLst>
-              <a:ext uri="{FF2B5EF4-FFF2-40B4-BE49-F238E27FC236}">
-                <a16:creationId xmlns:a16="http://schemas.microsoft.com/office/drawing/2014/main" id="{54D5D73B-7656-457E-90DC-8E6A67F20D5F}"/>
-              </a:ext>
-            </a:extLst>
-          </p:cNvPr>
-          <p:cNvPicPr>
-            <a:picLocks noGrp="1" noChangeAspect="1"/>
-          </p:cNvPicPr>
-          <p:nvPr>
-            <p:ph idx="1"/>
-          </p:nvPr>
-        </p:nvPicPr>
-        <p:blipFill>
-          <a:blip r:embed="rId2">
-            <a:extLst>
-              <a:ext uri="{28A0092B-C50C-407E-A947-70E740481C1C}">
-                <a14:useLocalDpi xmlns:a14="http://schemas.microsoft.com/office/drawing/2010/main" val="0"/>
-              </a:ext>
-            </a:extLst>
-          </a:blip>
-          <a:stretch>
-            <a:fillRect/>
-          </a:stretch>
-        </p:blipFill>
-        <p:spPr>
-          <a:xfrm>
-            <a:off x="897777" y="2243137"/>
-            <a:ext cx="10396445" cy="2371725"/>
-          </a:xfrm>
-        </p:spPr>
-      </p:pic>
-    </p:spTree>
-    <p:extLst>
-      <p:ext uri="{BB962C8B-B14F-4D97-AF65-F5344CB8AC3E}">
-        <p14:creationId xmlns:p14="http://schemas.microsoft.com/office/powerpoint/2010/main" val="2366075928"/>
-      </p:ext>
-    </p:extLst>
-  </p:cSld>
-  <p:clrMapOvr>
-    <a:masterClrMapping/>
-  </p:clrMapOvr>
-</p:sld>
-</file>
-
-<file path=ppt/slides/slide13.xml><?xml version="1.0" encoding="utf-8"?>
-<p:sld xmlns:a="http://schemas.openxmlformats.org/drawingml/2006/main" xmlns:r="http://schemas.openxmlformats.org/officeDocument/2006/relationships" xmlns:p="http://schemas.openxmlformats.org/presentationml/2006/main">
-  <p:cSld>
-    <p:spTree>
-      <p:nvGrpSpPr>
-        <p:cNvPr id="1" name=""/>
-        <p:cNvGrpSpPr/>
-        <p:nvPr/>
-      </p:nvGrpSpPr>
-      <p:grpSpPr>
-        <a:xfrm>
-          <a:off x="0" y="0"/>
-          <a:ext cx="0" cy="0"/>
-          <a:chOff x="0" y="0"/>
-          <a:chExt cx="0" cy="0"/>
-        </a:xfrm>
-      </p:grpSpPr>
-      <p:sp>
-        <p:nvSpPr>
-          <p:cNvPr id="2" name="Title 1">
-            <a:extLst>
-              <a:ext uri="{FF2B5EF4-FFF2-40B4-BE49-F238E27FC236}">
-                <a16:creationId xmlns:a16="http://schemas.microsoft.com/office/drawing/2014/main" id="{54766436-B0AB-41DC-AE56-677AD7C945E5}"/>
-              </a:ext>
-            </a:extLst>
-          </p:cNvPr>
-          <p:cNvSpPr>
-            <a:spLocks noGrp="1"/>
-          </p:cNvSpPr>
-          <p:nvPr>
-            <p:ph type="title"/>
-          </p:nvPr>
-        </p:nvSpPr>
-        <p:spPr/>
-        <p:txBody>
-          <a:bodyPr/>
-          <a:lstStyle/>
-          <a:p>
-            <a:r>
-              <a:rPr lang="en-US" dirty="0"/>
-              <a:t>Premade names</a:t>
-            </a:r>
-          </a:p>
-        </p:txBody>
-      </p:sp>
-      <p:sp>
-        <p:nvSpPr>
-          <p:cNvPr id="3" name="Content Placeholder 2">
-            <a:extLst>
-              <a:ext uri="{FF2B5EF4-FFF2-40B4-BE49-F238E27FC236}">
-                <a16:creationId xmlns:a16="http://schemas.microsoft.com/office/drawing/2014/main" id="{62A13609-06BF-4E42-8D29-A22CD2BEB15C}"/>
-              </a:ext>
-            </a:extLst>
-          </p:cNvPr>
-          <p:cNvSpPr>
-            <a:spLocks noGrp="1"/>
-          </p:cNvSpPr>
-          <p:nvPr>
-            <p:ph idx="1"/>
-          </p:nvPr>
-        </p:nvSpPr>
-        <p:spPr/>
-        <p:txBody>
-          <a:bodyPr/>
-          <a:lstStyle/>
-          <a:p>
-            <a:r>
-              <a:rPr lang="en-US" dirty="0"/>
-              <a:t>Chosen from list of names in a file</a:t>
-            </a:r>
-          </a:p>
-          <a:p>
-            <a:r>
-              <a:rPr lang="en-US" dirty="0"/>
-              <a:t>Has to follow user criteria when selecting a name</a:t>
-            </a:r>
-          </a:p>
-          <a:p>
-            <a:endParaRPr lang="en-US" dirty="0"/>
-          </a:p>
-          <a:p>
-            <a:endParaRPr lang="en-US" dirty="0"/>
-          </a:p>
-        </p:txBody>
-      </p:sp>
-    </p:spTree>
-    <p:extLst>
-      <p:ext uri="{BB962C8B-B14F-4D97-AF65-F5344CB8AC3E}">
-        <p14:creationId xmlns:p14="http://schemas.microsoft.com/office/powerpoint/2010/main" val="1286332405"/>
-      </p:ext>
-    </p:extLst>
-  </p:cSld>
-  <p:clrMapOvr>
-    <a:masterClrMapping/>
-  </p:clrMapOvr>
-</p:sld>
-</file>
-
-<file path=ppt/slides/slide14.xml><?xml version="1.0" encoding="utf-8"?>
-<p:sld xmlns:a="http://schemas.openxmlformats.org/drawingml/2006/main" xmlns:r="http://schemas.openxmlformats.org/officeDocument/2006/relationships" xmlns:p="http://schemas.openxmlformats.org/presentationml/2006/main">
-  <p:cSld>
     <p:bg>
       <p:bgPr>
         <a:solidFill>
@@ -4022,7 +3503,7 @@
           <p:cNvPr id="2" name="Title 1">
             <a:extLst>
               <a:ext uri="{FF2B5EF4-FFF2-40B4-BE49-F238E27FC236}">
-                <a16:creationId xmlns:a16="http://schemas.microsoft.com/office/drawing/2014/main" id="{554F2A24-3D31-4484-9E72-45032E586D33}"/>
+                <a16:creationId xmlns:a16="http://schemas.microsoft.com/office/drawing/2014/main" id="{05F1477D-04D8-4601-8A5D-38D208DBE40C}"/>
               </a:ext>
             </a:extLst>
           </p:cNvPr>
@@ -4055,7 +3536,7 @@
                 <a:ea typeface="+mj-ea"/>
                 <a:cs typeface="+mj-cs"/>
               </a:rPr>
-              <a:t>Premade Functions</a:t>
+              <a:t>Class Diagram</a:t>
             </a:r>
           </a:p>
         </p:txBody>
@@ -4065,7 +3546,7 @@
           <p:cNvPr id="5" name="Content Placeholder 4">
             <a:extLst>
               <a:ext uri="{FF2B5EF4-FFF2-40B4-BE49-F238E27FC236}">
-                <a16:creationId xmlns:a16="http://schemas.microsoft.com/office/drawing/2014/main" id="{8D795FCD-ACAE-4298-9E65-74ACF9F35998}"/>
+                <a16:creationId xmlns:a16="http://schemas.microsoft.com/office/drawing/2014/main" id="{5B15F122-9B07-4A13-AB21-787F01A56E14}"/>
               </a:ext>
             </a:extLst>
           </p:cNvPr>
@@ -4090,8 +3571,8 @@
         </p:blipFill>
         <p:spPr>
           <a:xfrm>
-            <a:off x="643467" y="1691313"/>
-            <a:ext cx="10905066" cy="4362026"/>
+            <a:off x="930040" y="1479434"/>
+            <a:ext cx="10331920" cy="5036811"/>
           </a:xfrm>
           <a:prstGeom prst="rect">
             <a:avLst/>
@@ -4101,7 +3582,7 @@
     </p:spTree>
     <p:extLst>
       <p:ext uri="{BB962C8B-B14F-4D97-AF65-F5344CB8AC3E}">
-        <p14:creationId xmlns:p14="http://schemas.microsoft.com/office/powerpoint/2010/main" val="3437213883"/>
+        <p14:creationId xmlns:p14="http://schemas.microsoft.com/office/powerpoint/2010/main" val="3153349655"/>
       </p:ext>
     </p:extLst>
   </p:cSld>
@@ -4111,17 +3592,9 @@
 </p:sld>
 </file>
 
-<file path=ppt/slides/slide15.xml><?xml version="1.0" encoding="utf-8"?>
+<file path=ppt/slides/slide11.xml><?xml version="1.0" encoding="utf-8"?>
 <p:sld xmlns:a="http://schemas.openxmlformats.org/drawingml/2006/main" xmlns:r="http://schemas.openxmlformats.org/officeDocument/2006/relationships" xmlns:p="http://schemas.openxmlformats.org/presentationml/2006/main">
   <p:cSld>
-    <p:bg>
-      <p:bgPr>
-        <a:solidFill>
-          <a:schemeClr val="bg1"/>
-        </a:solidFill>
-        <a:effectLst/>
-      </p:bgPr>
-    </p:bg>
     <p:spTree>
       <p:nvGrpSpPr>
         <p:cNvPr id="1" name=""/>
@@ -4136,12 +3609,156 @@
           <a:chExt cx="0" cy="0"/>
         </a:xfrm>
       </p:grpSpPr>
+      <p:sp>
+        <p:nvSpPr>
+          <p:cNvPr id="2" name="Title 1">
+            <a:extLst>
+              <a:ext uri="{FF2B5EF4-FFF2-40B4-BE49-F238E27FC236}">
+                <a16:creationId xmlns:a16="http://schemas.microsoft.com/office/drawing/2014/main" id="{C6D44683-DB97-42E7-AE7F-A8AFEB10817D}"/>
+              </a:ext>
+            </a:extLst>
+          </p:cNvPr>
+          <p:cNvSpPr>
+            <a:spLocks noGrp="1"/>
+          </p:cNvSpPr>
+          <p:nvPr>
+            <p:ph type="title"/>
+          </p:nvPr>
+        </p:nvSpPr>
+        <p:spPr/>
+        <p:txBody>
+          <a:bodyPr/>
+          <a:lstStyle/>
+          <a:p>
+            <a:r>
+              <a:rPr lang="en-US" dirty="0"/>
+              <a:t>Customization Module</a:t>
+            </a:r>
+          </a:p>
+        </p:txBody>
+      </p:sp>
+      <p:sp>
+        <p:nvSpPr>
+          <p:cNvPr id="3" name="Content Placeholder 2">
+            <a:extLst>
+              <a:ext uri="{FF2B5EF4-FFF2-40B4-BE49-F238E27FC236}">
+                <a16:creationId xmlns:a16="http://schemas.microsoft.com/office/drawing/2014/main" id="{802A3A7D-19AE-41F9-B93B-18E80B307E18}"/>
+              </a:ext>
+            </a:extLst>
+          </p:cNvPr>
+          <p:cNvSpPr>
+            <a:spLocks noGrp="1"/>
+          </p:cNvSpPr>
+          <p:nvPr>
+            <p:ph idx="1"/>
+          </p:nvPr>
+        </p:nvSpPr>
+        <p:spPr/>
+        <p:txBody>
+          <a:bodyPr/>
+          <a:lstStyle/>
+          <a:p>
+            <a:r>
+              <a:rPr lang="en-US" dirty="0"/>
+              <a:t>This allows the user to give guidelines to the name such as</a:t>
+            </a:r>
+          </a:p>
+          <a:p>
+            <a:r>
+              <a:rPr lang="en-US" dirty="0"/>
+              <a:t>Premade or New names</a:t>
+            </a:r>
+          </a:p>
+          <a:p>
+            <a:r>
+              <a:rPr lang="en-US" dirty="0"/>
+              <a:t>Gender of name</a:t>
+            </a:r>
+          </a:p>
+          <a:p>
+            <a:r>
+              <a:rPr lang="en-US" dirty="0"/>
+              <a:t>Beginning letter</a:t>
+            </a:r>
+          </a:p>
+          <a:p>
+            <a:r>
+              <a:rPr lang="en-US" dirty="0"/>
+              <a:t>Length</a:t>
+            </a:r>
+          </a:p>
+          <a:p>
+            <a:r>
+              <a:rPr lang="en-US" dirty="0"/>
+              <a:t>Letters used</a:t>
+            </a:r>
+          </a:p>
+        </p:txBody>
+      </p:sp>
+    </p:spTree>
+    <p:extLst>
+      <p:ext uri="{BB962C8B-B14F-4D97-AF65-F5344CB8AC3E}">
+        <p14:creationId xmlns:p14="http://schemas.microsoft.com/office/powerpoint/2010/main" val="1717094377"/>
+      </p:ext>
+    </p:extLst>
+  </p:cSld>
+  <p:clrMapOvr>
+    <a:masterClrMapping/>
+  </p:clrMapOvr>
+</p:sld>
+</file>
+
+<file path=ppt/slides/slide12.xml><?xml version="1.0" encoding="utf-8"?>
+<p:sld xmlns:a="http://schemas.openxmlformats.org/drawingml/2006/main" xmlns:r="http://schemas.openxmlformats.org/officeDocument/2006/relationships" xmlns:p="http://schemas.openxmlformats.org/presentationml/2006/main">
+  <p:cSld>
+    <p:spTree>
+      <p:nvGrpSpPr>
+        <p:cNvPr id="1" name=""/>
+        <p:cNvGrpSpPr/>
+        <p:nvPr/>
+      </p:nvGrpSpPr>
+      <p:grpSpPr>
+        <a:xfrm>
+          <a:off x="0" y="0"/>
+          <a:ext cx="0" cy="0"/>
+          <a:chOff x="0" y="0"/>
+          <a:chExt cx="0" cy="0"/>
+        </a:xfrm>
+      </p:grpSpPr>
+      <p:sp>
+        <p:nvSpPr>
+          <p:cNvPr id="2" name="Title 1">
+            <a:extLst>
+              <a:ext uri="{FF2B5EF4-FFF2-40B4-BE49-F238E27FC236}">
+                <a16:creationId xmlns:a16="http://schemas.microsoft.com/office/drawing/2014/main" id="{AF15FE88-FFFC-4168-95E3-5F210EB79E41}"/>
+              </a:ext>
+            </a:extLst>
+          </p:cNvPr>
+          <p:cNvSpPr>
+            <a:spLocks noGrp="1"/>
+          </p:cNvSpPr>
+          <p:nvPr>
+            <p:ph type="title"/>
+          </p:nvPr>
+        </p:nvSpPr>
+        <p:spPr/>
+        <p:txBody>
+          <a:bodyPr/>
+          <a:lstStyle/>
+          <a:p>
+            <a:r>
+              <a:rPr lang="en-US" dirty="0"/>
+              <a:t>Customization Module Functions</a:t>
+            </a:r>
+          </a:p>
+        </p:txBody>
+      </p:sp>
       <p:pic>
         <p:nvPicPr>
           <p:cNvPr id="5" name="Content Placeholder 4">
             <a:extLst>
               <a:ext uri="{FF2B5EF4-FFF2-40B4-BE49-F238E27FC236}">
-                <a16:creationId xmlns:a16="http://schemas.microsoft.com/office/drawing/2014/main" id="{11643178-0043-4700-8157-C2E87F4A4929}"/>
+                <a16:creationId xmlns:a16="http://schemas.microsoft.com/office/drawing/2014/main" id="{7C322047-FB67-478C-8738-2CA45FE48018}"/>
               </a:ext>
             </a:extLst>
           </p:cNvPr>
@@ -4166,8 +3783,77 @@
         </p:blipFill>
         <p:spPr>
           <a:xfrm>
-            <a:off x="1209099" y="643466"/>
-            <a:ext cx="9773801" cy="5571067"/>
+            <a:off x="838200" y="1764824"/>
+            <a:ext cx="6179820" cy="1272540"/>
+          </a:xfrm>
+        </p:spPr>
+      </p:pic>
+      <p:pic>
+        <p:nvPicPr>
+          <p:cNvPr id="7" name="Picture 6">
+            <a:extLst>
+              <a:ext uri="{FF2B5EF4-FFF2-40B4-BE49-F238E27FC236}">
+                <a16:creationId xmlns:a16="http://schemas.microsoft.com/office/drawing/2014/main" id="{E60A8AA5-0D26-4A23-91DE-F9374CA677C2}"/>
+              </a:ext>
+            </a:extLst>
+          </p:cNvPr>
+          <p:cNvPicPr>
+            <a:picLocks noChangeAspect="1"/>
+          </p:cNvPicPr>
+          <p:nvPr/>
+        </p:nvPicPr>
+        <p:blipFill>
+          <a:blip r:embed="rId3">
+            <a:extLst>
+              <a:ext uri="{28A0092B-C50C-407E-A947-70E740481C1C}">
+                <a14:useLocalDpi xmlns:a14="http://schemas.microsoft.com/office/drawing/2010/main" val="0"/>
+              </a:ext>
+            </a:extLst>
+          </a:blip>
+          <a:stretch>
+            <a:fillRect/>
+          </a:stretch>
+        </p:blipFill>
+        <p:spPr>
+          <a:xfrm>
+            <a:off x="781050" y="2995454"/>
+            <a:ext cx="6294120" cy="1356360"/>
+          </a:xfrm>
+          <a:prstGeom prst="rect">
+            <a:avLst/>
+          </a:prstGeom>
+        </p:spPr>
+      </p:pic>
+      <p:pic>
+        <p:nvPicPr>
+          <p:cNvPr id="9" name="Picture 8">
+            <a:extLst>
+              <a:ext uri="{FF2B5EF4-FFF2-40B4-BE49-F238E27FC236}">
+                <a16:creationId xmlns:a16="http://schemas.microsoft.com/office/drawing/2014/main" id="{CE70973B-5702-47B2-92A1-08DED5AE8B78}"/>
+              </a:ext>
+            </a:extLst>
+          </p:cNvPr>
+          <p:cNvPicPr>
+            <a:picLocks noChangeAspect="1"/>
+          </p:cNvPicPr>
+          <p:nvPr/>
+        </p:nvPicPr>
+        <p:blipFill>
+          <a:blip r:embed="rId4">
+            <a:extLst>
+              <a:ext uri="{28A0092B-C50C-407E-A947-70E740481C1C}">
+                <a14:useLocalDpi xmlns:a14="http://schemas.microsoft.com/office/drawing/2010/main" val="0"/>
+              </a:ext>
+            </a:extLst>
+          </a:blip>
+          <a:stretch>
+            <a:fillRect/>
+          </a:stretch>
+        </p:blipFill>
+        <p:spPr>
+          <a:xfrm>
+            <a:off x="838200" y="4351814"/>
+            <a:ext cx="3558540" cy="701040"/>
           </a:xfrm>
           <a:prstGeom prst="rect">
             <a:avLst/>
@@ -4177,7 +3863,363 @@
     </p:spTree>
     <p:extLst>
       <p:ext uri="{BB962C8B-B14F-4D97-AF65-F5344CB8AC3E}">
-        <p14:creationId xmlns:p14="http://schemas.microsoft.com/office/powerpoint/2010/main" val="3882556555"/>
+        <p14:creationId xmlns:p14="http://schemas.microsoft.com/office/powerpoint/2010/main" val="2603647416"/>
+      </p:ext>
+    </p:extLst>
+  </p:cSld>
+  <p:clrMapOvr>
+    <a:masterClrMapping/>
+  </p:clrMapOvr>
+</p:sld>
+</file>
+
+<file path=ppt/slides/slide13.xml><?xml version="1.0" encoding="utf-8"?>
+<p:sld xmlns:a="http://schemas.openxmlformats.org/drawingml/2006/main" xmlns:r="http://schemas.openxmlformats.org/officeDocument/2006/relationships" xmlns:p="http://schemas.openxmlformats.org/presentationml/2006/main">
+  <p:cSld>
+    <p:spTree>
+      <p:nvGrpSpPr>
+        <p:cNvPr id="1" name=""/>
+        <p:cNvGrpSpPr/>
+        <p:nvPr/>
+      </p:nvGrpSpPr>
+      <p:grpSpPr>
+        <a:xfrm>
+          <a:off x="0" y="0"/>
+          <a:ext cx="0" cy="0"/>
+          <a:chOff x="0" y="0"/>
+          <a:chExt cx="0" cy="0"/>
+        </a:xfrm>
+      </p:grpSpPr>
+      <p:sp>
+        <p:nvSpPr>
+          <p:cNvPr id="2" name="Title 1">
+            <a:extLst>
+              <a:ext uri="{FF2B5EF4-FFF2-40B4-BE49-F238E27FC236}">
+                <a16:creationId xmlns:a16="http://schemas.microsoft.com/office/drawing/2014/main" id="{34FEB53C-CEFF-449D-8AA1-658451488906}"/>
+              </a:ext>
+            </a:extLst>
+          </p:cNvPr>
+          <p:cNvSpPr>
+            <a:spLocks noGrp="1"/>
+          </p:cNvSpPr>
+          <p:nvPr>
+            <p:ph type="title"/>
+          </p:nvPr>
+        </p:nvSpPr>
+        <p:spPr/>
+        <p:txBody>
+          <a:bodyPr/>
+          <a:lstStyle/>
+          <a:p>
+            <a:r>
+              <a:rPr lang="en-US" dirty="0"/>
+              <a:t>Functions Continued</a:t>
+            </a:r>
+          </a:p>
+        </p:txBody>
+      </p:sp>
+      <p:pic>
+        <p:nvPicPr>
+          <p:cNvPr id="5" name="Content Placeholder 4">
+            <a:extLst>
+              <a:ext uri="{FF2B5EF4-FFF2-40B4-BE49-F238E27FC236}">
+                <a16:creationId xmlns:a16="http://schemas.microsoft.com/office/drawing/2014/main" id="{F527F21E-37FB-45B3-8A17-51C16784DAA2}"/>
+              </a:ext>
+            </a:extLst>
+          </p:cNvPr>
+          <p:cNvPicPr>
+            <a:picLocks noGrp="1" noChangeAspect="1"/>
+          </p:cNvPicPr>
+          <p:nvPr>
+            <p:ph idx="1"/>
+          </p:nvPr>
+        </p:nvPicPr>
+        <p:blipFill>
+          <a:blip r:embed="rId2">
+            <a:extLst>
+              <a:ext uri="{28A0092B-C50C-407E-A947-70E740481C1C}">
+                <a14:useLocalDpi xmlns:a14="http://schemas.microsoft.com/office/drawing/2010/main" val="0"/>
+              </a:ext>
+            </a:extLst>
+          </a:blip>
+          <a:stretch>
+            <a:fillRect/>
+          </a:stretch>
+        </p:blipFill>
+        <p:spPr>
+          <a:xfrm>
+            <a:off x="838200" y="1934369"/>
+            <a:ext cx="5349240" cy="1333500"/>
+          </a:xfrm>
+        </p:spPr>
+      </p:pic>
+      <p:pic>
+        <p:nvPicPr>
+          <p:cNvPr id="7" name="Picture 6">
+            <a:extLst>
+              <a:ext uri="{FF2B5EF4-FFF2-40B4-BE49-F238E27FC236}">
+                <a16:creationId xmlns:a16="http://schemas.microsoft.com/office/drawing/2014/main" id="{8B570073-B6C1-4157-8940-5D1910A6FD5D}"/>
+              </a:ext>
+            </a:extLst>
+          </p:cNvPr>
+          <p:cNvPicPr>
+            <a:picLocks noChangeAspect="1"/>
+          </p:cNvPicPr>
+          <p:nvPr/>
+        </p:nvPicPr>
+        <p:blipFill>
+          <a:blip r:embed="rId3">
+            <a:extLst>
+              <a:ext uri="{28A0092B-C50C-407E-A947-70E740481C1C}">
+                <a14:useLocalDpi xmlns:a14="http://schemas.microsoft.com/office/drawing/2010/main" val="0"/>
+              </a:ext>
+            </a:extLst>
+          </a:blip>
+          <a:stretch>
+            <a:fillRect/>
+          </a:stretch>
+        </p:blipFill>
+        <p:spPr>
+          <a:xfrm>
+            <a:off x="838200" y="3267869"/>
+            <a:ext cx="3901440" cy="693420"/>
+          </a:xfrm>
+          <a:prstGeom prst="rect">
+            <a:avLst/>
+          </a:prstGeom>
+        </p:spPr>
+      </p:pic>
+      <p:pic>
+        <p:nvPicPr>
+          <p:cNvPr id="9" name="Picture 8">
+            <a:extLst>
+              <a:ext uri="{FF2B5EF4-FFF2-40B4-BE49-F238E27FC236}">
+                <a16:creationId xmlns:a16="http://schemas.microsoft.com/office/drawing/2014/main" id="{EEE490CB-D0FB-44C5-A512-76A19EB4671F}"/>
+              </a:ext>
+            </a:extLst>
+          </p:cNvPr>
+          <p:cNvPicPr>
+            <a:picLocks noChangeAspect="1"/>
+          </p:cNvPicPr>
+          <p:nvPr/>
+        </p:nvPicPr>
+        <p:blipFill>
+          <a:blip r:embed="rId4">
+            <a:extLst>
+              <a:ext uri="{28A0092B-C50C-407E-A947-70E740481C1C}">
+                <a14:useLocalDpi xmlns:a14="http://schemas.microsoft.com/office/drawing/2010/main" val="0"/>
+              </a:ext>
+            </a:extLst>
+          </a:blip>
+          <a:stretch>
+            <a:fillRect/>
+          </a:stretch>
+        </p:blipFill>
+        <p:spPr>
+          <a:xfrm>
+            <a:off x="838200" y="3961289"/>
+            <a:ext cx="4267200" cy="2232660"/>
+          </a:xfrm>
+          <a:prstGeom prst="rect">
+            <a:avLst/>
+          </a:prstGeom>
+        </p:spPr>
+      </p:pic>
+    </p:spTree>
+    <p:extLst>
+      <p:ext uri="{BB962C8B-B14F-4D97-AF65-F5344CB8AC3E}">
+        <p14:creationId xmlns:p14="http://schemas.microsoft.com/office/powerpoint/2010/main" val="1799889983"/>
+      </p:ext>
+    </p:extLst>
+  </p:cSld>
+  <p:clrMapOvr>
+    <a:masterClrMapping/>
+  </p:clrMapOvr>
+</p:sld>
+</file>
+
+<file path=ppt/slides/slide14.xml><?xml version="1.0" encoding="utf-8"?>
+<p:sld xmlns:a="http://schemas.openxmlformats.org/drawingml/2006/main" xmlns:r="http://schemas.openxmlformats.org/officeDocument/2006/relationships" xmlns:p="http://schemas.openxmlformats.org/presentationml/2006/main">
+  <p:cSld>
+    <p:spTree>
+      <p:nvGrpSpPr>
+        <p:cNvPr id="1" name=""/>
+        <p:cNvGrpSpPr/>
+        <p:nvPr/>
+      </p:nvGrpSpPr>
+      <p:grpSpPr>
+        <a:xfrm>
+          <a:off x="0" y="0"/>
+          <a:ext cx="0" cy="0"/>
+          <a:chOff x="0" y="0"/>
+          <a:chExt cx="0" cy="0"/>
+        </a:xfrm>
+      </p:grpSpPr>
+      <p:sp>
+        <p:nvSpPr>
+          <p:cNvPr id="2" name="Title 1">
+            <a:extLst>
+              <a:ext uri="{FF2B5EF4-FFF2-40B4-BE49-F238E27FC236}">
+                <a16:creationId xmlns:a16="http://schemas.microsoft.com/office/drawing/2014/main" id="{D66449A2-EA2A-4E5E-90B7-BCE00C3C7294}"/>
+              </a:ext>
+            </a:extLst>
+          </p:cNvPr>
+          <p:cNvSpPr>
+            <a:spLocks noGrp="1"/>
+          </p:cNvSpPr>
+          <p:nvPr>
+            <p:ph type="title"/>
+          </p:nvPr>
+        </p:nvSpPr>
+        <p:spPr/>
+        <p:txBody>
+          <a:bodyPr/>
+          <a:lstStyle/>
+          <a:p>
+            <a:r>
+              <a:rPr lang="en-US" dirty="0"/>
+              <a:t>Example</a:t>
+            </a:r>
+          </a:p>
+        </p:txBody>
+      </p:sp>
+      <p:pic>
+        <p:nvPicPr>
+          <p:cNvPr id="9" name="Content Placeholder 8">
+            <a:extLst>
+              <a:ext uri="{FF2B5EF4-FFF2-40B4-BE49-F238E27FC236}">
+                <a16:creationId xmlns:a16="http://schemas.microsoft.com/office/drawing/2014/main" id="{54D5D73B-7656-457E-90DC-8E6A67F20D5F}"/>
+              </a:ext>
+            </a:extLst>
+          </p:cNvPr>
+          <p:cNvPicPr>
+            <a:picLocks noGrp="1" noChangeAspect="1"/>
+          </p:cNvPicPr>
+          <p:nvPr>
+            <p:ph idx="1"/>
+          </p:nvPr>
+        </p:nvPicPr>
+        <p:blipFill>
+          <a:blip r:embed="rId2">
+            <a:extLst>
+              <a:ext uri="{28A0092B-C50C-407E-A947-70E740481C1C}">
+                <a14:useLocalDpi xmlns:a14="http://schemas.microsoft.com/office/drawing/2010/main" val="0"/>
+              </a:ext>
+            </a:extLst>
+          </a:blip>
+          <a:stretch>
+            <a:fillRect/>
+          </a:stretch>
+        </p:blipFill>
+        <p:spPr>
+          <a:xfrm>
+            <a:off x="897777" y="2243137"/>
+            <a:ext cx="10396445" cy="2371725"/>
+          </a:xfrm>
+        </p:spPr>
+      </p:pic>
+    </p:spTree>
+    <p:extLst>
+      <p:ext uri="{BB962C8B-B14F-4D97-AF65-F5344CB8AC3E}">
+        <p14:creationId xmlns:p14="http://schemas.microsoft.com/office/powerpoint/2010/main" val="2366075928"/>
+      </p:ext>
+    </p:extLst>
+  </p:cSld>
+  <p:clrMapOvr>
+    <a:masterClrMapping/>
+  </p:clrMapOvr>
+</p:sld>
+</file>
+
+<file path=ppt/slides/slide15.xml><?xml version="1.0" encoding="utf-8"?>
+<p:sld xmlns:a="http://schemas.openxmlformats.org/drawingml/2006/main" xmlns:r="http://schemas.openxmlformats.org/officeDocument/2006/relationships" xmlns:p="http://schemas.openxmlformats.org/presentationml/2006/main">
+  <p:cSld>
+    <p:spTree>
+      <p:nvGrpSpPr>
+        <p:cNvPr id="1" name=""/>
+        <p:cNvGrpSpPr/>
+        <p:nvPr/>
+      </p:nvGrpSpPr>
+      <p:grpSpPr>
+        <a:xfrm>
+          <a:off x="0" y="0"/>
+          <a:ext cx="0" cy="0"/>
+          <a:chOff x="0" y="0"/>
+          <a:chExt cx="0" cy="0"/>
+        </a:xfrm>
+      </p:grpSpPr>
+      <p:sp>
+        <p:nvSpPr>
+          <p:cNvPr id="2" name="Title 1">
+            <a:extLst>
+              <a:ext uri="{FF2B5EF4-FFF2-40B4-BE49-F238E27FC236}">
+                <a16:creationId xmlns:a16="http://schemas.microsoft.com/office/drawing/2014/main" id="{54766436-B0AB-41DC-AE56-677AD7C945E5}"/>
+              </a:ext>
+            </a:extLst>
+          </p:cNvPr>
+          <p:cNvSpPr>
+            <a:spLocks noGrp="1"/>
+          </p:cNvSpPr>
+          <p:nvPr>
+            <p:ph type="title"/>
+          </p:nvPr>
+        </p:nvSpPr>
+        <p:spPr/>
+        <p:txBody>
+          <a:bodyPr/>
+          <a:lstStyle/>
+          <a:p>
+            <a:r>
+              <a:rPr lang="en-US" dirty="0"/>
+              <a:t>Premade names</a:t>
+            </a:r>
+          </a:p>
+        </p:txBody>
+      </p:sp>
+      <p:sp>
+        <p:nvSpPr>
+          <p:cNvPr id="3" name="Content Placeholder 2">
+            <a:extLst>
+              <a:ext uri="{FF2B5EF4-FFF2-40B4-BE49-F238E27FC236}">
+                <a16:creationId xmlns:a16="http://schemas.microsoft.com/office/drawing/2014/main" id="{62A13609-06BF-4E42-8D29-A22CD2BEB15C}"/>
+              </a:ext>
+            </a:extLst>
+          </p:cNvPr>
+          <p:cNvSpPr>
+            <a:spLocks noGrp="1"/>
+          </p:cNvSpPr>
+          <p:nvPr>
+            <p:ph idx="1"/>
+          </p:nvPr>
+        </p:nvSpPr>
+        <p:spPr/>
+        <p:txBody>
+          <a:bodyPr/>
+          <a:lstStyle/>
+          <a:p>
+            <a:r>
+              <a:rPr lang="en-US" dirty="0"/>
+              <a:t>Chosen from list of names in a file</a:t>
+            </a:r>
+          </a:p>
+          <a:p>
+            <a:r>
+              <a:rPr lang="en-US" dirty="0"/>
+              <a:t>Has to follow user criteria when selecting a name</a:t>
+            </a:r>
+          </a:p>
+          <a:p>
+            <a:endParaRPr lang="en-US" dirty="0"/>
+          </a:p>
+          <a:p>
+            <a:endParaRPr lang="en-US" dirty="0"/>
+          </a:p>
+        </p:txBody>
+      </p:sp>
+    </p:spTree>
+    <p:extLst>
+      <p:ext uri="{BB962C8B-B14F-4D97-AF65-F5344CB8AC3E}">
+        <p14:creationId xmlns:p14="http://schemas.microsoft.com/office/powerpoint/2010/main" val="1286332405"/>
       </p:ext>
     </p:extLst>
   </p:cSld>
@@ -4212,302 +4254,9 @@
           <a:chExt cx="0" cy="0"/>
         </a:xfrm>
       </p:grpSpPr>
-      <p:pic>
-        <p:nvPicPr>
-          <p:cNvPr id="5" name="Content Placeholder 4">
-            <a:extLst>
-              <a:ext uri="{FF2B5EF4-FFF2-40B4-BE49-F238E27FC236}">
-                <a16:creationId xmlns:a16="http://schemas.microsoft.com/office/drawing/2014/main" id="{A593B652-E164-4226-B7D9-17894565C5A0}"/>
-              </a:ext>
-            </a:extLst>
-          </p:cNvPr>
-          <p:cNvPicPr>
-            <a:picLocks noGrp="1" noChangeAspect="1"/>
-          </p:cNvPicPr>
-          <p:nvPr>
-            <p:ph idx="1"/>
-          </p:nvPr>
-        </p:nvPicPr>
-        <p:blipFill>
-          <a:blip r:embed="rId2">
-            <a:extLst>
-              <a:ext uri="{28A0092B-C50C-407E-A947-70E740481C1C}">
-                <a14:useLocalDpi xmlns:a14="http://schemas.microsoft.com/office/drawing/2010/main" val="0"/>
-              </a:ext>
-            </a:extLst>
-          </a:blip>
-          <a:stretch>
-            <a:fillRect/>
-          </a:stretch>
-        </p:blipFill>
-        <p:spPr>
-          <a:xfrm>
-            <a:off x="643467" y="1220724"/>
-            <a:ext cx="10905066" cy="4416551"/>
-          </a:xfrm>
-          <a:prstGeom prst="rect">
-            <a:avLst/>
-          </a:prstGeom>
-        </p:spPr>
-      </p:pic>
-    </p:spTree>
-    <p:extLst>
-      <p:ext uri="{BB962C8B-B14F-4D97-AF65-F5344CB8AC3E}">
-        <p14:creationId xmlns:p14="http://schemas.microsoft.com/office/powerpoint/2010/main" val="1673253810"/>
-      </p:ext>
-    </p:extLst>
-  </p:cSld>
-  <p:clrMapOvr>
-    <a:masterClrMapping/>
-  </p:clrMapOvr>
-</p:sld>
-</file>
-
-<file path=ppt/slides/slide17.xml><?xml version="1.0" encoding="utf-8"?>
-<p:sld xmlns:a="http://schemas.openxmlformats.org/drawingml/2006/main" xmlns:r="http://schemas.openxmlformats.org/officeDocument/2006/relationships" xmlns:p="http://schemas.openxmlformats.org/presentationml/2006/main">
-  <p:cSld>
-    <p:spTree>
-      <p:nvGrpSpPr>
-        <p:cNvPr id="1" name=""/>
-        <p:cNvGrpSpPr/>
-        <p:nvPr/>
-      </p:nvGrpSpPr>
-      <p:grpSpPr>
-        <a:xfrm>
-          <a:off x="0" y="0"/>
-          <a:ext cx="0" cy="0"/>
-          <a:chOff x="0" y="0"/>
-          <a:chExt cx="0" cy="0"/>
-        </a:xfrm>
-      </p:grpSpPr>
-      <p:sp>
-        <p:nvSpPr>
-          <p:cNvPr id="2" name="Title 1">
-            <a:extLst>
-              <a:ext uri="{FF2B5EF4-FFF2-40B4-BE49-F238E27FC236}">
-                <a16:creationId xmlns:a16="http://schemas.microsoft.com/office/drawing/2014/main" id="{E35C9B45-7FFE-4803-BECF-52DEC6CD5839}"/>
-              </a:ext>
-            </a:extLst>
-          </p:cNvPr>
-          <p:cNvSpPr>
-            <a:spLocks noGrp="1"/>
-          </p:cNvSpPr>
-          <p:nvPr>
-            <p:ph type="title"/>
-          </p:nvPr>
-        </p:nvSpPr>
-        <p:spPr/>
-        <p:txBody>
-          <a:bodyPr/>
-          <a:lstStyle/>
-          <a:p>
-            <a:r>
-              <a:rPr lang="en-US" dirty="0"/>
-              <a:t>New Names</a:t>
-            </a:r>
-          </a:p>
-        </p:txBody>
-      </p:sp>
-      <p:sp>
-        <p:nvSpPr>
-          <p:cNvPr id="3" name="Content Placeholder 2">
-            <a:extLst>
-              <a:ext uri="{FF2B5EF4-FFF2-40B4-BE49-F238E27FC236}">
-                <a16:creationId xmlns:a16="http://schemas.microsoft.com/office/drawing/2014/main" id="{F8389655-94FB-4E74-80ED-E800E84F4231}"/>
-              </a:ext>
-            </a:extLst>
-          </p:cNvPr>
-          <p:cNvSpPr>
-            <a:spLocks noGrp="1"/>
-          </p:cNvSpPr>
-          <p:nvPr>
-            <p:ph idx="1"/>
-          </p:nvPr>
-        </p:nvSpPr>
-        <p:spPr/>
-        <p:txBody>
-          <a:bodyPr/>
-          <a:lstStyle/>
-          <a:p>
-            <a:r>
-              <a:rPr lang="en-US" dirty="0"/>
-              <a:t>Created from array of characters</a:t>
-            </a:r>
-          </a:p>
-          <a:p>
-            <a:r>
-              <a:rPr lang="en-US" dirty="0"/>
-              <a:t>Also follows user criteria for name</a:t>
-            </a:r>
-          </a:p>
-          <a:p>
-            <a:r>
-              <a:rPr lang="en-US" dirty="0"/>
-              <a:t>Difference:</a:t>
-            </a:r>
-          </a:p>
-          <a:p>
-            <a:pPr marL="0" indent="0">
-              <a:buNone/>
-            </a:pPr>
-            <a:r>
-              <a:rPr lang="en-US" dirty="0"/>
-              <a:t>	- name creation has follow special rules</a:t>
-            </a:r>
-          </a:p>
-          <a:p>
-            <a:pPr marL="0" indent="0">
-              <a:buNone/>
-            </a:pPr>
-            <a:endParaRPr lang="en-US" dirty="0"/>
-          </a:p>
-        </p:txBody>
-      </p:sp>
-    </p:spTree>
-    <p:extLst>
-      <p:ext uri="{BB962C8B-B14F-4D97-AF65-F5344CB8AC3E}">
-        <p14:creationId xmlns:p14="http://schemas.microsoft.com/office/powerpoint/2010/main" val="431769713"/>
-      </p:ext>
-    </p:extLst>
-  </p:cSld>
-  <p:clrMapOvr>
-    <a:masterClrMapping/>
-  </p:clrMapOvr>
-</p:sld>
-</file>
-
-<file path=ppt/slides/slide18.xml><?xml version="1.0" encoding="utf-8"?>
-<p:sld xmlns:a="http://schemas.openxmlformats.org/drawingml/2006/main" xmlns:r="http://schemas.openxmlformats.org/officeDocument/2006/relationships" xmlns:p="http://schemas.openxmlformats.org/presentationml/2006/main">
-  <p:cSld>
-    <p:spTree>
-      <p:nvGrpSpPr>
-        <p:cNvPr id="1" name=""/>
-        <p:cNvGrpSpPr/>
-        <p:nvPr/>
-      </p:nvGrpSpPr>
-      <p:grpSpPr>
-        <a:xfrm>
-          <a:off x="0" y="0"/>
-          <a:ext cx="0" cy="0"/>
-          <a:chOff x="0" y="0"/>
-          <a:chExt cx="0" cy="0"/>
-        </a:xfrm>
-      </p:grpSpPr>
-      <p:sp>
-        <p:nvSpPr>
-          <p:cNvPr id="2" name="Title 1">
-            <a:extLst>
-              <a:ext uri="{FF2B5EF4-FFF2-40B4-BE49-F238E27FC236}">
-                <a16:creationId xmlns:a16="http://schemas.microsoft.com/office/drawing/2014/main" id="{3628846A-49C2-447A-8D93-25F46FF771F0}"/>
-              </a:ext>
-            </a:extLst>
-          </p:cNvPr>
-          <p:cNvSpPr>
-            <a:spLocks noGrp="1"/>
-          </p:cNvSpPr>
-          <p:nvPr>
-            <p:ph type="title"/>
-          </p:nvPr>
-        </p:nvSpPr>
-        <p:spPr/>
-        <p:txBody>
-          <a:bodyPr/>
-          <a:lstStyle/>
-          <a:p>
-            <a:r>
-              <a:rPr lang="en-US" dirty="0"/>
-              <a:t>Name rules</a:t>
-            </a:r>
-          </a:p>
-        </p:txBody>
-      </p:sp>
-      <p:sp>
-        <p:nvSpPr>
-          <p:cNvPr id="3" name="Content Placeholder 2">
-            <a:extLst>
-              <a:ext uri="{FF2B5EF4-FFF2-40B4-BE49-F238E27FC236}">
-                <a16:creationId xmlns:a16="http://schemas.microsoft.com/office/drawing/2014/main" id="{08A280D7-8913-4128-8A07-98B06580E5F3}"/>
-              </a:ext>
-            </a:extLst>
-          </p:cNvPr>
-          <p:cNvSpPr>
-            <a:spLocks noGrp="1"/>
-          </p:cNvSpPr>
-          <p:nvPr>
-            <p:ph idx="1"/>
-          </p:nvPr>
-        </p:nvSpPr>
-        <p:spPr/>
-        <p:txBody>
-          <a:bodyPr/>
-          <a:lstStyle/>
-          <a:p>
-            <a:r>
-              <a:rPr lang="en-US" dirty="0"/>
-              <a:t>No beginning contiguous consonants</a:t>
-            </a:r>
-          </a:p>
-          <a:p>
-            <a:r>
-              <a:rPr lang="en-US" dirty="0"/>
-              <a:t>No more than 2 contiguous consonants</a:t>
-            </a:r>
-          </a:p>
-          <a:p>
-            <a:r>
-              <a:rPr lang="en-US" dirty="0"/>
-              <a:t>No more than 2 contiguous vowels</a:t>
-            </a:r>
-          </a:p>
-          <a:p>
-            <a:r>
-              <a:rPr lang="en-US" dirty="0"/>
-              <a:t>Does not end with 2 contiguous consonants</a:t>
-            </a:r>
-          </a:p>
-        </p:txBody>
-      </p:sp>
-    </p:spTree>
-    <p:extLst>
-      <p:ext uri="{BB962C8B-B14F-4D97-AF65-F5344CB8AC3E}">
-        <p14:creationId xmlns:p14="http://schemas.microsoft.com/office/powerpoint/2010/main" val="107124986"/>
-      </p:ext>
-    </p:extLst>
-  </p:cSld>
-  <p:clrMapOvr>
-    <a:masterClrMapping/>
-  </p:clrMapOvr>
-</p:sld>
-</file>
-
-<file path=ppt/slides/slide19.xml><?xml version="1.0" encoding="utf-8"?>
-<p:sld xmlns:a="http://schemas.openxmlformats.org/drawingml/2006/main" xmlns:r="http://schemas.openxmlformats.org/officeDocument/2006/relationships" xmlns:p="http://schemas.openxmlformats.org/presentationml/2006/main">
-  <p:cSld>
-    <p:bg>
-      <p:bgPr>
-        <a:solidFill>
-          <a:schemeClr val="bg1"/>
-        </a:solidFill>
-        <a:effectLst/>
-      </p:bgPr>
-    </p:bg>
-    <p:spTree>
-      <p:nvGrpSpPr>
-        <p:cNvPr id="1" name=""/>
-        <p:cNvGrpSpPr/>
-        <p:nvPr/>
-      </p:nvGrpSpPr>
-      <p:grpSpPr>
-        <a:xfrm>
-          <a:off x="0" y="0"/>
-          <a:ext cx="0" cy="0"/>
-          <a:chOff x="0" y="0"/>
-          <a:chExt cx="0" cy="0"/>
-        </a:xfrm>
-      </p:grpSpPr>
-      <p:sp>
-        <p:nvSpPr>
-          <p:cNvPr id="15" name="Rectangle 14">
+      <p:sp>
+        <p:nvSpPr>
+          <p:cNvPr id="10" name="Rectangle 9">
             <a:extLst>
               <a:ext uri="{FF2B5EF4-FFF2-40B4-BE49-F238E27FC236}">
                 <a16:creationId xmlns:a16="http://schemas.microsoft.com/office/drawing/2014/main" id="{A4AC5506-6312-4701-8D3C-40187889A947}"/>
@@ -4573,7 +4322,7 @@
           <p:cNvPr id="2" name="Title 1">
             <a:extLst>
               <a:ext uri="{FF2B5EF4-FFF2-40B4-BE49-F238E27FC236}">
-                <a16:creationId xmlns:a16="http://schemas.microsoft.com/office/drawing/2014/main" id="{7EDB5ADF-8DA2-4C2E-964E-ACF21DF73309}"/>
+                <a16:creationId xmlns:a16="http://schemas.microsoft.com/office/drawing/2014/main" id="{554F2A24-3D31-4484-9E72-45032E586D33}"/>
               </a:ext>
             </a:extLst>
           </p:cNvPr>
@@ -4606,17 +4355,17 @@
                 <a:ea typeface="+mj-ea"/>
                 <a:cs typeface="+mj-cs"/>
               </a:rPr>
-              <a:t>New name Functions</a:t>
+              <a:t>Premade Functions</a:t>
             </a:r>
           </a:p>
         </p:txBody>
       </p:sp>
       <p:pic>
         <p:nvPicPr>
-          <p:cNvPr id="9" name="Content Placeholder 8">
-            <a:extLst>
-              <a:ext uri="{FF2B5EF4-FFF2-40B4-BE49-F238E27FC236}">
-                <a16:creationId xmlns:a16="http://schemas.microsoft.com/office/drawing/2014/main" id="{975299AD-1004-4D01-886C-D91ABF7466BD}"/>
+          <p:cNvPr id="5" name="Content Placeholder 4">
+            <a:extLst>
+              <a:ext uri="{FF2B5EF4-FFF2-40B4-BE49-F238E27FC236}">
+                <a16:creationId xmlns:a16="http://schemas.microsoft.com/office/drawing/2014/main" id="{8D795FCD-ACAE-4298-9E65-74ACF9F35998}"/>
               </a:ext>
             </a:extLst>
           </p:cNvPr>
@@ -4641,8 +4390,8 @@
         </p:blipFill>
         <p:spPr>
           <a:xfrm>
-            <a:off x="802141" y="1522827"/>
-            <a:ext cx="10587718" cy="4764473"/>
+            <a:off x="643467" y="1691313"/>
+            <a:ext cx="10905066" cy="4362026"/>
           </a:xfrm>
           <a:prstGeom prst="rect">
             <a:avLst/>
@@ -4652,7 +4401,272 @@
     </p:spTree>
     <p:extLst>
       <p:ext uri="{BB962C8B-B14F-4D97-AF65-F5344CB8AC3E}">
-        <p14:creationId xmlns:p14="http://schemas.microsoft.com/office/powerpoint/2010/main" val="509497551"/>
+        <p14:creationId xmlns:p14="http://schemas.microsoft.com/office/powerpoint/2010/main" val="3437213883"/>
+      </p:ext>
+    </p:extLst>
+  </p:cSld>
+  <p:clrMapOvr>
+    <a:masterClrMapping/>
+  </p:clrMapOvr>
+</p:sld>
+</file>
+
+<file path=ppt/slides/slide17.xml><?xml version="1.0" encoding="utf-8"?>
+<p:sld xmlns:a="http://schemas.openxmlformats.org/drawingml/2006/main" xmlns:r="http://schemas.openxmlformats.org/officeDocument/2006/relationships" xmlns:p="http://schemas.openxmlformats.org/presentationml/2006/main">
+  <p:cSld>
+    <p:bg>
+      <p:bgPr>
+        <a:solidFill>
+          <a:schemeClr val="bg1"/>
+        </a:solidFill>
+        <a:effectLst/>
+      </p:bgPr>
+    </p:bg>
+    <p:spTree>
+      <p:nvGrpSpPr>
+        <p:cNvPr id="1" name=""/>
+        <p:cNvGrpSpPr/>
+        <p:nvPr/>
+      </p:nvGrpSpPr>
+      <p:grpSpPr>
+        <a:xfrm>
+          <a:off x="0" y="0"/>
+          <a:ext cx="0" cy="0"/>
+          <a:chOff x="0" y="0"/>
+          <a:chExt cx="0" cy="0"/>
+        </a:xfrm>
+      </p:grpSpPr>
+      <p:pic>
+        <p:nvPicPr>
+          <p:cNvPr id="5" name="Content Placeholder 4">
+            <a:extLst>
+              <a:ext uri="{FF2B5EF4-FFF2-40B4-BE49-F238E27FC236}">
+                <a16:creationId xmlns:a16="http://schemas.microsoft.com/office/drawing/2014/main" id="{11643178-0043-4700-8157-C2E87F4A4929}"/>
+              </a:ext>
+            </a:extLst>
+          </p:cNvPr>
+          <p:cNvPicPr>
+            <a:picLocks noGrp="1" noChangeAspect="1"/>
+          </p:cNvPicPr>
+          <p:nvPr>
+            <p:ph idx="1"/>
+          </p:nvPr>
+        </p:nvPicPr>
+        <p:blipFill>
+          <a:blip r:embed="rId2">
+            <a:extLst>
+              <a:ext uri="{28A0092B-C50C-407E-A947-70E740481C1C}">
+                <a14:useLocalDpi xmlns:a14="http://schemas.microsoft.com/office/drawing/2010/main" val="0"/>
+              </a:ext>
+            </a:extLst>
+          </a:blip>
+          <a:stretch>
+            <a:fillRect/>
+          </a:stretch>
+        </p:blipFill>
+        <p:spPr>
+          <a:xfrm>
+            <a:off x="1209099" y="643466"/>
+            <a:ext cx="9773801" cy="5571067"/>
+          </a:xfrm>
+          <a:prstGeom prst="rect">
+            <a:avLst/>
+          </a:prstGeom>
+        </p:spPr>
+      </p:pic>
+    </p:spTree>
+    <p:extLst>
+      <p:ext uri="{BB962C8B-B14F-4D97-AF65-F5344CB8AC3E}">
+        <p14:creationId xmlns:p14="http://schemas.microsoft.com/office/powerpoint/2010/main" val="3882556555"/>
+      </p:ext>
+    </p:extLst>
+  </p:cSld>
+  <p:clrMapOvr>
+    <a:masterClrMapping/>
+  </p:clrMapOvr>
+</p:sld>
+</file>
+
+<file path=ppt/slides/slide18.xml><?xml version="1.0" encoding="utf-8"?>
+<p:sld xmlns:a="http://schemas.openxmlformats.org/drawingml/2006/main" xmlns:r="http://schemas.openxmlformats.org/officeDocument/2006/relationships" xmlns:p="http://schemas.openxmlformats.org/presentationml/2006/main">
+  <p:cSld>
+    <p:bg>
+      <p:bgPr>
+        <a:solidFill>
+          <a:schemeClr val="bg1"/>
+        </a:solidFill>
+        <a:effectLst/>
+      </p:bgPr>
+    </p:bg>
+    <p:spTree>
+      <p:nvGrpSpPr>
+        <p:cNvPr id="1" name=""/>
+        <p:cNvGrpSpPr/>
+        <p:nvPr/>
+      </p:nvGrpSpPr>
+      <p:grpSpPr>
+        <a:xfrm>
+          <a:off x="0" y="0"/>
+          <a:ext cx="0" cy="0"/>
+          <a:chOff x="0" y="0"/>
+          <a:chExt cx="0" cy="0"/>
+        </a:xfrm>
+      </p:grpSpPr>
+      <p:pic>
+        <p:nvPicPr>
+          <p:cNvPr id="5" name="Content Placeholder 4">
+            <a:extLst>
+              <a:ext uri="{FF2B5EF4-FFF2-40B4-BE49-F238E27FC236}">
+                <a16:creationId xmlns:a16="http://schemas.microsoft.com/office/drawing/2014/main" id="{A593B652-E164-4226-B7D9-17894565C5A0}"/>
+              </a:ext>
+            </a:extLst>
+          </p:cNvPr>
+          <p:cNvPicPr>
+            <a:picLocks noGrp="1" noChangeAspect="1"/>
+          </p:cNvPicPr>
+          <p:nvPr>
+            <p:ph idx="1"/>
+          </p:nvPr>
+        </p:nvPicPr>
+        <p:blipFill>
+          <a:blip r:embed="rId2">
+            <a:extLst>
+              <a:ext uri="{28A0092B-C50C-407E-A947-70E740481C1C}">
+                <a14:useLocalDpi xmlns:a14="http://schemas.microsoft.com/office/drawing/2010/main" val="0"/>
+              </a:ext>
+            </a:extLst>
+          </a:blip>
+          <a:stretch>
+            <a:fillRect/>
+          </a:stretch>
+        </p:blipFill>
+        <p:spPr>
+          <a:xfrm>
+            <a:off x="643467" y="1220724"/>
+            <a:ext cx="10905066" cy="4416551"/>
+          </a:xfrm>
+          <a:prstGeom prst="rect">
+            <a:avLst/>
+          </a:prstGeom>
+        </p:spPr>
+      </p:pic>
+    </p:spTree>
+    <p:extLst>
+      <p:ext uri="{BB962C8B-B14F-4D97-AF65-F5344CB8AC3E}">
+        <p14:creationId xmlns:p14="http://schemas.microsoft.com/office/powerpoint/2010/main" val="1673253810"/>
+      </p:ext>
+    </p:extLst>
+  </p:cSld>
+  <p:clrMapOvr>
+    <a:masterClrMapping/>
+  </p:clrMapOvr>
+</p:sld>
+</file>
+
+<file path=ppt/slides/slide19.xml><?xml version="1.0" encoding="utf-8"?>
+<p:sld xmlns:a="http://schemas.openxmlformats.org/drawingml/2006/main" xmlns:r="http://schemas.openxmlformats.org/officeDocument/2006/relationships" xmlns:p="http://schemas.openxmlformats.org/presentationml/2006/main">
+  <p:cSld>
+    <p:spTree>
+      <p:nvGrpSpPr>
+        <p:cNvPr id="1" name=""/>
+        <p:cNvGrpSpPr/>
+        <p:nvPr/>
+      </p:nvGrpSpPr>
+      <p:grpSpPr>
+        <a:xfrm>
+          <a:off x="0" y="0"/>
+          <a:ext cx="0" cy="0"/>
+          <a:chOff x="0" y="0"/>
+          <a:chExt cx="0" cy="0"/>
+        </a:xfrm>
+      </p:grpSpPr>
+      <p:sp>
+        <p:nvSpPr>
+          <p:cNvPr id="2" name="Title 1">
+            <a:extLst>
+              <a:ext uri="{FF2B5EF4-FFF2-40B4-BE49-F238E27FC236}">
+                <a16:creationId xmlns:a16="http://schemas.microsoft.com/office/drawing/2014/main" id="{E35C9B45-7FFE-4803-BECF-52DEC6CD5839}"/>
+              </a:ext>
+            </a:extLst>
+          </p:cNvPr>
+          <p:cNvSpPr>
+            <a:spLocks noGrp="1"/>
+          </p:cNvSpPr>
+          <p:nvPr>
+            <p:ph type="title"/>
+          </p:nvPr>
+        </p:nvSpPr>
+        <p:spPr/>
+        <p:txBody>
+          <a:bodyPr/>
+          <a:lstStyle/>
+          <a:p>
+            <a:r>
+              <a:rPr lang="en-US" dirty="0"/>
+              <a:t>New Names</a:t>
+            </a:r>
+          </a:p>
+        </p:txBody>
+      </p:sp>
+      <p:sp>
+        <p:nvSpPr>
+          <p:cNvPr id="3" name="Content Placeholder 2">
+            <a:extLst>
+              <a:ext uri="{FF2B5EF4-FFF2-40B4-BE49-F238E27FC236}">
+                <a16:creationId xmlns:a16="http://schemas.microsoft.com/office/drawing/2014/main" id="{F8389655-94FB-4E74-80ED-E800E84F4231}"/>
+              </a:ext>
+            </a:extLst>
+          </p:cNvPr>
+          <p:cNvSpPr>
+            <a:spLocks noGrp="1"/>
+          </p:cNvSpPr>
+          <p:nvPr>
+            <p:ph idx="1"/>
+          </p:nvPr>
+        </p:nvSpPr>
+        <p:spPr/>
+        <p:txBody>
+          <a:bodyPr/>
+          <a:lstStyle/>
+          <a:p>
+            <a:r>
+              <a:rPr lang="en-US" dirty="0"/>
+              <a:t>Created from array of characters</a:t>
+            </a:r>
+          </a:p>
+          <a:p>
+            <a:r>
+              <a:rPr lang="en-US" dirty="0"/>
+              <a:t>Also follows user criteria for name</a:t>
+            </a:r>
+          </a:p>
+          <a:p>
+            <a:r>
+              <a:rPr lang="en-US" dirty="0"/>
+              <a:t>Difference:</a:t>
+            </a:r>
+          </a:p>
+          <a:p>
+            <a:pPr marL="0" indent="0">
+              <a:buNone/>
+            </a:pPr>
+            <a:r>
+              <a:rPr lang="en-US" dirty="0"/>
+              <a:t>	- name creation has follow special rules</a:t>
+            </a:r>
+          </a:p>
+          <a:p>
+            <a:pPr marL="0" indent="0">
+              <a:buNone/>
+            </a:pPr>
+            <a:endParaRPr lang="en-US" dirty="0"/>
+          </a:p>
+        </p:txBody>
+      </p:sp>
+    </p:spTree>
+    <p:extLst>
+      <p:ext uri="{BB962C8B-B14F-4D97-AF65-F5344CB8AC3E}">
+        <p14:creationId xmlns:p14="http://schemas.microsoft.com/office/powerpoint/2010/main" val="431769713"/>
       </p:ext>
     </p:extLst>
   </p:cSld>
@@ -4797,7 +4811,7 @@
 </p:sld>
 </file>
 
-<file path=ppt/slides/slide3.xml><?xml version="1.0" encoding="utf-8"?>
+<file path=ppt/slides/slide20.xml><?xml version="1.0" encoding="utf-8"?>
 <p:sld xmlns:a="http://schemas.openxmlformats.org/drawingml/2006/main" xmlns:r="http://schemas.openxmlformats.org/officeDocument/2006/relationships" xmlns:p="http://schemas.openxmlformats.org/presentationml/2006/main">
   <p:cSld>
     <p:spTree>
@@ -4819,7 +4833,7 @@
           <p:cNvPr id="2" name="Title 1">
             <a:extLst>
               <a:ext uri="{FF2B5EF4-FFF2-40B4-BE49-F238E27FC236}">
-                <a16:creationId xmlns:a16="http://schemas.microsoft.com/office/drawing/2014/main" id="{F62744C0-F3F2-4BDB-8AC6-5A92CA11F547}"/>
+                <a16:creationId xmlns:a16="http://schemas.microsoft.com/office/drawing/2014/main" id="{3628846A-49C2-447A-8D93-25F46FF771F0}"/>
               </a:ext>
             </a:extLst>
           </p:cNvPr>
@@ -4837,7 +4851,7 @@
           <a:p>
             <a:r>
               <a:rPr lang="en-US" dirty="0"/>
-              <a:t>Problem</a:t>
+              <a:t>Name rules</a:t>
             </a:r>
           </a:p>
         </p:txBody>
@@ -4847,7 +4861,7 @@
           <p:cNvPr id="3" name="Content Placeholder 2">
             <a:extLst>
               <a:ext uri="{FF2B5EF4-FFF2-40B4-BE49-F238E27FC236}">
-                <a16:creationId xmlns:a16="http://schemas.microsoft.com/office/drawing/2014/main" id="{8DD2A804-4043-45AA-92CC-91309B00CB46}"/>
+                <a16:creationId xmlns:a16="http://schemas.microsoft.com/office/drawing/2014/main" id="{08A280D7-8913-4128-8A07-98B06580E5F3}"/>
               </a:ext>
             </a:extLst>
           </p:cNvPr>
@@ -4865,13 +4879,25 @@
           <a:p>
             <a:r>
               <a:rPr lang="en-US" dirty="0"/>
-              <a:t>The program problem that should be solved is how to choose names without having any preliminary ideas about the name.</a:t>
+              <a:t>No beginning contiguous consonants</a:t>
             </a:r>
           </a:p>
           <a:p>
             <a:r>
               <a:rPr lang="en-US" dirty="0"/>
-              <a:t>This is a common occurrence for the making of a new team or even expecting parents</a:t>
+              <a:t>No more than 2 contiguous consonants</a:t>
+            </a:r>
+          </a:p>
+          <a:p>
+            <a:r>
+              <a:rPr lang="en-US" dirty="0"/>
+              <a:t>No more than 2 contiguous vowels</a:t>
+            </a:r>
+          </a:p>
+          <a:p>
+            <a:r>
+              <a:rPr lang="en-US" dirty="0"/>
+              <a:t>Does not end with 2 contiguous consonants</a:t>
             </a:r>
           </a:p>
         </p:txBody>
@@ -4879,7 +4905,7 @@
     </p:spTree>
     <p:extLst>
       <p:ext uri="{BB962C8B-B14F-4D97-AF65-F5344CB8AC3E}">
-        <p14:creationId xmlns:p14="http://schemas.microsoft.com/office/powerpoint/2010/main" val="2206329969"/>
+        <p14:creationId xmlns:p14="http://schemas.microsoft.com/office/powerpoint/2010/main" val="107124986"/>
       </p:ext>
     </p:extLst>
   </p:cSld>
@@ -4889,421 +4915,7 @@
 </p:sld>
 </file>
 
-<file path=ppt/slides/slide4.xml><?xml version="1.0" encoding="utf-8"?>
-<p:sld xmlns:a="http://schemas.openxmlformats.org/drawingml/2006/main" xmlns:r="http://schemas.openxmlformats.org/officeDocument/2006/relationships" xmlns:p="http://schemas.openxmlformats.org/presentationml/2006/main">
-  <p:cSld>
-    <p:spTree>
-      <p:nvGrpSpPr>
-        <p:cNvPr id="1" name=""/>
-        <p:cNvGrpSpPr/>
-        <p:nvPr/>
-      </p:nvGrpSpPr>
-      <p:grpSpPr>
-        <a:xfrm>
-          <a:off x="0" y="0"/>
-          <a:ext cx="0" cy="0"/>
-          <a:chOff x="0" y="0"/>
-          <a:chExt cx="0" cy="0"/>
-        </a:xfrm>
-      </p:grpSpPr>
-      <p:sp>
-        <p:nvSpPr>
-          <p:cNvPr id="2" name="Title 1">
-            <a:extLst>
-              <a:ext uri="{FF2B5EF4-FFF2-40B4-BE49-F238E27FC236}">
-                <a16:creationId xmlns:a16="http://schemas.microsoft.com/office/drawing/2014/main" id="{AA585601-E731-46D3-80D1-A4E8CB9CC050}"/>
-              </a:ext>
-            </a:extLst>
-          </p:cNvPr>
-          <p:cNvSpPr>
-            <a:spLocks noGrp="1"/>
-          </p:cNvSpPr>
-          <p:nvPr>
-            <p:ph type="title"/>
-          </p:nvPr>
-        </p:nvSpPr>
-        <p:spPr/>
-        <p:txBody>
-          <a:bodyPr/>
-          <a:lstStyle/>
-          <a:p>
-            <a:r>
-              <a:rPr lang="en-US" dirty="0"/>
-              <a:t>Design Challenges</a:t>
-            </a:r>
-          </a:p>
-        </p:txBody>
-      </p:sp>
-      <p:sp>
-        <p:nvSpPr>
-          <p:cNvPr id="3" name="Content Placeholder 2">
-            <a:extLst>
-              <a:ext uri="{FF2B5EF4-FFF2-40B4-BE49-F238E27FC236}">
-                <a16:creationId xmlns:a16="http://schemas.microsoft.com/office/drawing/2014/main" id="{DFEF6042-6D57-46ED-BD63-6DD5CA121B9C}"/>
-              </a:ext>
-            </a:extLst>
-          </p:cNvPr>
-          <p:cNvSpPr>
-            <a:spLocks noGrp="1"/>
-          </p:cNvSpPr>
-          <p:nvPr>
-            <p:ph idx="1"/>
-          </p:nvPr>
-        </p:nvSpPr>
-        <p:spPr/>
-        <p:txBody>
-          <a:bodyPr/>
-          <a:lstStyle/>
-          <a:p>
-            <a:r>
-              <a:rPr lang="en-US" dirty="0"/>
-              <a:t>The pre made names were limited by the size of list in the file</a:t>
-            </a:r>
-          </a:p>
-          <a:p>
-            <a:r>
-              <a:rPr lang="en-US" dirty="0"/>
-              <a:t>The new name generation is limited by rules of English words</a:t>
-            </a:r>
-          </a:p>
-          <a:p>
-            <a:pPr marL="0" indent="0">
-              <a:buNone/>
-            </a:pPr>
-            <a:r>
-              <a:rPr lang="en-US" dirty="0"/>
-              <a:t>	- Too many rules to implement</a:t>
-            </a:r>
-          </a:p>
-          <a:p>
-            <a:r>
-              <a:rPr lang="en-US" dirty="0"/>
-              <a:t>Designing rules to make names as close to pronounceable as possible</a:t>
-            </a:r>
-          </a:p>
-          <a:p>
-            <a:endParaRPr lang="en-US" dirty="0"/>
-          </a:p>
-        </p:txBody>
-      </p:sp>
-    </p:spTree>
-    <p:extLst>
-      <p:ext uri="{BB962C8B-B14F-4D97-AF65-F5344CB8AC3E}">
-        <p14:creationId xmlns:p14="http://schemas.microsoft.com/office/powerpoint/2010/main" val="1494948636"/>
-      </p:ext>
-    </p:extLst>
-  </p:cSld>
-  <p:clrMapOvr>
-    <a:masterClrMapping/>
-  </p:clrMapOvr>
-</p:sld>
-</file>
-
-<file path=ppt/slides/slide5.xml><?xml version="1.0" encoding="utf-8"?>
-<p:sld xmlns:a="http://schemas.openxmlformats.org/drawingml/2006/main" xmlns:r="http://schemas.openxmlformats.org/officeDocument/2006/relationships" xmlns:p="http://schemas.openxmlformats.org/presentationml/2006/main">
-  <p:cSld>
-    <p:spTree>
-      <p:nvGrpSpPr>
-        <p:cNvPr id="1" name=""/>
-        <p:cNvGrpSpPr/>
-        <p:nvPr/>
-      </p:nvGrpSpPr>
-      <p:grpSpPr>
-        <a:xfrm>
-          <a:off x="0" y="0"/>
-          <a:ext cx="0" cy="0"/>
-          <a:chOff x="0" y="0"/>
-          <a:chExt cx="0" cy="0"/>
-        </a:xfrm>
-      </p:grpSpPr>
-      <p:sp>
-        <p:nvSpPr>
-          <p:cNvPr id="2" name="Title 1">
-            <a:extLst>
-              <a:ext uri="{FF2B5EF4-FFF2-40B4-BE49-F238E27FC236}">
-                <a16:creationId xmlns:a16="http://schemas.microsoft.com/office/drawing/2014/main" id="{C4FFAD08-9CDE-4066-BB06-7E0AA84C156B}"/>
-              </a:ext>
-            </a:extLst>
-          </p:cNvPr>
-          <p:cNvSpPr>
-            <a:spLocks noGrp="1"/>
-          </p:cNvSpPr>
-          <p:nvPr>
-            <p:ph type="title"/>
-          </p:nvPr>
-        </p:nvSpPr>
-        <p:spPr/>
-        <p:txBody>
-          <a:bodyPr/>
-          <a:lstStyle/>
-          <a:p>
-            <a:r>
-              <a:rPr lang="en-US" dirty="0"/>
-              <a:t>Business Applications</a:t>
-            </a:r>
-          </a:p>
-        </p:txBody>
-      </p:sp>
-      <p:sp>
-        <p:nvSpPr>
-          <p:cNvPr id="3" name="Content Placeholder 2">
-            <a:extLst>
-              <a:ext uri="{FF2B5EF4-FFF2-40B4-BE49-F238E27FC236}">
-                <a16:creationId xmlns:a16="http://schemas.microsoft.com/office/drawing/2014/main" id="{209DF93E-6A20-4F59-AA24-757E25FDA6D2}"/>
-              </a:ext>
-            </a:extLst>
-          </p:cNvPr>
-          <p:cNvSpPr>
-            <a:spLocks noGrp="1"/>
-          </p:cNvSpPr>
-          <p:nvPr>
-            <p:ph idx="1"/>
-          </p:nvPr>
-        </p:nvSpPr>
-        <p:spPr/>
-        <p:txBody>
-          <a:bodyPr/>
-          <a:lstStyle/>
-          <a:p>
-            <a:r>
-              <a:rPr lang="en-US" dirty="0"/>
-              <a:t>Expecting parents can use this as a tool to come up with a name for their child</a:t>
-            </a:r>
-          </a:p>
-          <a:p>
-            <a:r>
-              <a:rPr lang="en-US" dirty="0"/>
-              <a:t>Company start ups would be able to create a name completely unique</a:t>
-            </a:r>
-          </a:p>
-          <a:p>
-            <a:r>
-              <a:rPr lang="en-US" dirty="0"/>
-              <a:t>Little league sports programs could make unbiased name</a:t>
-            </a:r>
-          </a:p>
-        </p:txBody>
-      </p:sp>
-    </p:spTree>
-    <p:extLst>
-      <p:ext uri="{BB962C8B-B14F-4D97-AF65-F5344CB8AC3E}">
-        <p14:creationId xmlns:p14="http://schemas.microsoft.com/office/powerpoint/2010/main" val="1635701888"/>
-      </p:ext>
-    </p:extLst>
-  </p:cSld>
-  <p:clrMapOvr>
-    <a:masterClrMapping/>
-  </p:clrMapOvr>
-</p:sld>
-</file>
-
-<file path=ppt/slides/slide6.xml><?xml version="1.0" encoding="utf-8"?>
-<p:sld xmlns:a="http://schemas.openxmlformats.org/drawingml/2006/main" xmlns:r="http://schemas.openxmlformats.org/officeDocument/2006/relationships" xmlns:p="http://schemas.openxmlformats.org/presentationml/2006/main">
-  <p:cSld>
-    <p:spTree>
-      <p:nvGrpSpPr>
-        <p:cNvPr id="1" name=""/>
-        <p:cNvGrpSpPr/>
-        <p:nvPr/>
-      </p:nvGrpSpPr>
-      <p:grpSpPr>
-        <a:xfrm>
-          <a:off x="0" y="0"/>
-          <a:ext cx="0" cy="0"/>
-          <a:chOff x="0" y="0"/>
-          <a:chExt cx="0" cy="0"/>
-        </a:xfrm>
-      </p:grpSpPr>
-      <p:sp>
-        <p:nvSpPr>
-          <p:cNvPr id="2" name="Title 1">
-            <a:extLst>
-              <a:ext uri="{FF2B5EF4-FFF2-40B4-BE49-F238E27FC236}">
-                <a16:creationId xmlns:a16="http://schemas.microsoft.com/office/drawing/2014/main" id="{E25BECC8-8EBD-4803-9E4D-D178627EEEA1}"/>
-              </a:ext>
-            </a:extLst>
-          </p:cNvPr>
-          <p:cNvSpPr>
-            <a:spLocks noGrp="1"/>
-          </p:cNvSpPr>
-          <p:nvPr>
-            <p:ph type="title"/>
-          </p:nvPr>
-        </p:nvSpPr>
-        <p:spPr/>
-        <p:txBody>
-          <a:bodyPr/>
-          <a:lstStyle/>
-          <a:p>
-            <a:r>
-              <a:rPr lang="en-US" dirty="0"/>
-              <a:t>Solution</a:t>
-            </a:r>
-          </a:p>
-        </p:txBody>
-      </p:sp>
-      <p:sp>
-        <p:nvSpPr>
-          <p:cNvPr id="3" name="Content Placeholder 2">
-            <a:extLst>
-              <a:ext uri="{FF2B5EF4-FFF2-40B4-BE49-F238E27FC236}">
-                <a16:creationId xmlns:a16="http://schemas.microsoft.com/office/drawing/2014/main" id="{8BE87584-7D86-4738-8F53-B8953212632C}"/>
-              </a:ext>
-            </a:extLst>
-          </p:cNvPr>
-          <p:cNvSpPr>
-            <a:spLocks noGrp="1"/>
-          </p:cNvSpPr>
-          <p:nvPr>
-            <p:ph idx="1"/>
-          </p:nvPr>
-        </p:nvSpPr>
-        <p:spPr/>
-        <p:txBody>
-          <a:bodyPr/>
-          <a:lstStyle/>
-          <a:p>
-            <a:r>
-              <a:rPr lang="en-US" dirty="0"/>
-              <a:t>The solution to this problem will involve using Java’s randomization library simply called Random that can randomly select pre-made names and randomly generate a brand new, completely random name.</a:t>
-            </a:r>
-          </a:p>
-        </p:txBody>
-      </p:sp>
-    </p:spTree>
-    <p:extLst>
-      <p:ext uri="{BB962C8B-B14F-4D97-AF65-F5344CB8AC3E}">
-        <p14:creationId xmlns:p14="http://schemas.microsoft.com/office/powerpoint/2010/main" val="118469789"/>
-      </p:ext>
-    </p:extLst>
-  </p:cSld>
-  <p:clrMapOvr>
-    <a:masterClrMapping/>
-  </p:clrMapOvr>
-</p:sld>
-</file>
-
-<file path=ppt/slides/slide7.xml><?xml version="1.0" encoding="utf-8"?>
-<p:sld xmlns:a="http://schemas.openxmlformats.org/drawingml/2006/main" xmlns:r="http://schemas.openxmlformats.org/officeDocument/2006/relationships" xmlns:p="http://schemas.openxmlformats.org/presentationml/2006/main">
-  <p:cSld>
-    <p:spTree>
-      <p:nvGrpSpPr>
-        <p:cNvPr id="1" name=""/>
-        <p:cNvGrpSpPr/>
-        <p:nvPr/>
-      </p:nvGrpSpPr>
-      <p:grpSpPr>
-        <a:xfrm>
-          <a:off x="0" y="0"/>
-          <a:ext cx="0" cy="0"/>
-          <a:chOff x="0" y="0"/>
-          <a:chExt cx="0" cy="0"/>
-        </a:xfrm>
-      </p:grpSpPr>
-      <p:sp>
-        <p:nvSpPr>
-          <p:cNvPr id="2" name="Title 1">
-            <a:extLst>
-              <a:ext uri="{FF2B5EF4-FFF2-40B4-BE49-F238E27FC236}">
-                <a16:creationId xmlns:a16="http://schemas.microsoft.com/office/drawing/2014/main" id="{97EC9EB0-3C58-4FDC-B690-C2E69DC64946}"/>
-              </a:ext>
-            </a:extLst>
-          </p:cNvPr>
-          <p:cNvSpPr>
-            <a:spLocks noGrp="1"/>
-          </p:cNvSpPr>
-          <p:nvPr>
-            <p:ph type="title"/>
-          </p:nvPr>
-        </p:nvSpPr>
-        <p:spPr/>
-        <p:txBody>
-          <a:bodyPr/>
-          <a:lstStyle/>
-          <a:p>
-            <a:r>
-              <a:rPr lang="en-US" dirty="0"/>
-              <a:t>Random Name Generation</a:t>
-            </a:r>
-          </a:p>
-        </p:txBody>
-      </p:sp>
-      <p:sp>
-        <p:nvSpPr>
-          <p:cNvPr id="3" name="Content Placeholder 2">
-            <a:extLst>
-              <a:ext uri="{FF2B5EF4-FFF2-40B4-BE49-F238E27FC236}">
-                <a16:creationId xmlns:a16="http://schemas.microsoft.com/office/drawing/2014/main" id="{22E36543-9037-4796-AD32-6565FEC612B5}"/>
-              </a:ext>
-            </a:extLst>
-          </p:cNvPr>
-          <p:cNvSpPr>
-            <a:spLocks noGrp="1"/>
-          </p:cNvSpPr>
-          <p:nvPr>
-            <p:ph idx="1"/>
-          </p:nvPr>
-        </p:nvSpPr>
-        <p:spPr/>
-        <p:txBody>
-          <a:bodyPr/>
-          <a:lstStyle/>
-          <a:p>
-            <a:r>
-              <a:rPr lang="en-US" dirty="0"/>
-              <a:t>Using Java we were able to use 2 processes for creating random names</a:t>
-            </a:r>
-          </a:p>
-          <a:p>
-            <a:r>
-              <a:rPr lang="en-US" dirty="0"/>
-              <a:t>The 1</a:t>
-            </a:r>
-            <a:r>
-              <a:rPr lang="en-US" baseline="30000" dirty="0"/>
-              <a:t>st</a:t>
-            </a:r>
-            <a:r>
-              <a:rPr lang="en-US" dirty="0"/>
-              <a:t> way is with premade names</a:t>
-            </a:r>
-          </a:p>
-          <a:p>
-            <a:r>
-              <a:rPr lang="en-US" dirty="0"/>
-              <a:t>The 2</a:t>
-            </a:r>
-            <a:r>
-              <a:rPr lang="en-US" baseline="30000" dirty="0"/>
-              <a:t>nd</a:t>
-            </a:r>
-            <a:r>
-              <a:rPr lang="en-US" dirty="0"/>
-              <a:t> way is with new names</a:t>
-            </a:r>
-          </a:p>
-          <a:p>
-            <a:r>
-              <a:rPr lang="en-US" dirty="0"/>
-              <a:t>Both ways have their own rules to follow but also have to follow user guidelines</a:t>
-            </a:r>
-          </a:p>
-        </p:txBody>
-      </p:sp>
-    </p:spTree>
-    <p:extLst>
-      <p:ext uri="{BB962C8B-B14F-4D97-AF65-F5344CB8AC3E}">
-        <p14:creationId xmlns:p14="http://schemas.microsoft.com/office/powerpoint/2010/main" val="985046269"/>
-      </p:ext>
-    </p:extLst>
-  </p:cSld>
-  <p:clrMapOvr>
-    <a:masterClrMapping/>
-  </p:clrMapOvr>
-</p:sld>
-</file>
-
-<file path=ppt/slides/slide8.xml><?xml version="1.0" encoding="utf-8"?>
+<file path=ppt/slides/slide21.xml><?xml version="1.0" encoding="utf-8"?>
 <p:sld xmlns:a="http://schemas.openxmlformats.org/drawingml/2006/main" xmlns:r="http://schemas.openxmlformats.org/officeDocument/2006/relationships" xmlns:p="http://schemas.openxmlformats.org/presentationml/2006/main">
   <p:cSld>
     <p:bg>
@@ -5330,7 +4942,7 @@
       </p:grpSpPr>
       <p:sp>
         <p:nvSpPr>
-          <p:cNvPr id="10" name="Rectangle 9">
+          <p:cNvPr id="15" name="Rectangle 14">
             <a:extLst>
               <a:ext uri="{FF2B5EF4-FFF2-40B4-BE49-F238E27FC236}">
                 <a16:creationId xmlns:a16="http://schemas.microsoft.com/office/drawing/2014/main" id="{A4AC5506-6312-4701-8D3C-40187889A947}"/>
@@ -5396,7 +5008,7 @@
           <p:cNvPr id="2" name="Title 1">
             <a:extLst>
               <a:ext uri="{FF2B5EF4-FFF2-40B4-BE49-F238E27FC236}">
-                <a16:creationId xmlns:a16="http://schemas.microsoft.com/office/drawing/2014/main" id="{05F1477D-04D8-4601-8A5D-38D208DBE40C}"/>
+                <a16:creationId xmlns:a16="http://schemas.microsoft.com/office/drawing/2014/main" id="{7EDB5ADF-8DA2-4C2E-964E-ACF21DF73309}"/>
               </a:ext>
             </a:extLst>
           </p:cNvPr>
@@ -5429,17 +5041,17 @@
                 <a:ea typeface="+mj-ea"/>
                 <a:cs typeface="+mj-cs"/>
               </a:rPr>
-              <a:t>Class Diagram</a:t>
+              <a:t>New name Functions</a:t>
             </a:r>
           </a:p>
         </p:txBody>
       </p:sp>
       <p:pic>
         <p:nvPicPr>
-          <p:cNvPr id="5" name="Content Placeholder 4">
-            <a:extLst>
-              <a:ext uri="{FF2B5EF4-FFF2-40B4-BE49-F238E27FC236}">
-                <a16:creationId xmlns:a16="http://schemas.microsoft.com/office/drawing/2014/main" id="{5B15F122-9B07-4A13-AB21-787F01A56E14}"/>
+          <p:cNvPr id="9" name="Content Placeholder 8">
+            <a:extLst>
+              <a:ext uri="{FF2B5EF4-FFF2-40B4-BE49-F238E27FC236}">
+                <a16:creationId xmlns:a16="http://schemas.microsoft.com/office/drawing/2014/main" id="{975299AD-1004-4D01-886C-D91ABF7466BD}"/>
               </a:ext>
             </a:extLst>
           </p:cNvPr>
@@ -5464,8 +5076,8 @@
         </p:blipFill>
         <p:spPr>
           <a:xfrm>
-            <a:off x="930040" y="1479434"/>
-            <a:ext cx="10331920" cy="5036811"/>
+            <a:off x="802141" y="1522827"/>
+            <a:ext cx="10587718" cy="4764473"/>
           </a:xfrm>
           <a:prstGeom prst="rect">
             <a:avLst/>
@@ -5475,7 +5087,610 @@
     </p:spTree>
     <p:extLst>
       <p:ext uri="{BB962C8B-B14F-4D97-AF65-F5344CB8AC3E}">
-        <p14:creationId xmlns:p14="http://schemas.microsoft.com/office/powerpoint/2010/main" val="3153349655"/>
+        <p14:creationId xmlns:p14="http://schemas.microsoft.com/office/powerpoint/2010/main" val="509497551"/>
+      </p:ext>
+    </p:extLst>
+  </p:cSld>
+  <p:clrMapOvr>
+    <a:masterClrMapping/>
+  </p:clrMapOvr>
+</p:sld>
+</file>
+
+<file path=ppt/slides/slide3.xml><?xml version="1.0" encoding="utf-8"?>
+<p:sld xmlns:a="http://schemas.openxmlformats.org/drawingml/2006/main" xmlns:r="http://schemas.openxmlformats.org/officeDocument/2006/relationships" xmlns:p="http://schemas.openxmlformats.org/presentationml/2006/main">
+  <p:cSld>
+    <p:spTree>
+      <p:nvGrpSpPr>
+        <p:cNvPr id="1" name=""/>
+        <p:cNvGrpSpPr/>
+        <p:nvPr/>
+      </p:nvGrpSpPr>
+      <p:grpSpPr>
+        <a:xfrm>
+          <a:off x="0" y="0"/>
+          <a:ext cx="0" cy="0"/>
+          <a:chOff x="0" y="0"/>
+          <a:chExt cx="0" cy="0"/>
+        </a:xfrm>
+      </p:grpSpPr>
+      <p:sp>
+        <p:nvSpPr>
+          <p:cNvPr id="2" name="Title 1">
+            <a:extLst>
+              <a:ext uri="{FF2B5EF4-FFF2-40B4-BE49-F238E27FC236}">
+                <a16:creationId xmlns:a16="http://schemas.microsoft.com/office/drawing/2014/main" id="{AFD22E11-C5AD-4193-B49D-E6A43BC86759}"/>
+              </a:ext>
+            </a:extLst>
+          </p:cNvPr>
+          <p:cNvSpPr>
+            <a:spLocks noGrp="1"/>
+          </p:cNvSpPr>
+          <p:nvPr>
+            <p:ph type="title"/>
+          </p:nvPr>
+        </p:nvSpPr>
+        <p:spPr/>
+        <p:txBody>
+          <a:bodyPr/>
+          <a:lstStyle/>
+          <a:p>
+            <a:r>
+              <a:rPr lang="en-US" dirty="0"/>
+              <a:t>Pseudo-randomness Background</a:t>
+            </a:r>
+          </a:p>
+        </p:txBody>
+      </p:sp>
+      <p:sp>
+        <p:nvSpPr>
+          <p:cNvPr id="3" name="Content Placeholder 2">
+            <a:extLst>
+              <a:ext uri="{FF2B5EF4-FFF2-40B4-BE49-F238E27FC236}">
+                <a16:creationId xmlns:a16="http://schemas.microsoft.com/office/drawing/2014/main" id="{C64CC498-743A-4A01-B1CE-439C7852CE62}"/>
+              </a:ext>
+            </a:extLst>
+          </p:cNvPr>
+          <p:cNvSpPr>
+            <a:spLocks noGrp="1"/>
+          </p:cNvSpPr>
+          <p:nvPr>
+            <p:ph idx="1"/>
+          </p:nvPr>
+        </p:nvSpPr>
+        <p:spPr/>
+        <p:txBody>
+          <a:bodyPr/>
+          <a:lstStyle/>
+          <a:p>
+            <a:r>
+              <a:rPr lang="en-US" dirty="0"/>
+              <a:t>Pseudo-randomness has to do with something that is random like</a:t>
+            </a:r>
+          </a:p>
+          <a:p>
+            <a:r>
+              <a:rPr lang="en-US" dirty="0"/>
+              <a:t>Pseudo-randomness has some bias</a:t>
+            </a:r>
+          </a:p>
+          <a:p>
+            <a:r>
+              <a:rPr lang="en-US" dirty="0"/>
+              <a:t>Perfectly random comes from 2 independent random like sources</a:t>
+            </a:r>
+          </a:p>
+          <a:p>
+            <a:r>
+              <a:rPr lang="en-US" dirty="0"/>
+              <a:t>The less predictable, the more random</a:t>
+            </a:r>
+          </a:p>
+          <a:p>
+            <a:r>
+              <a:rPr lang="en-US" dirty="0"/>
+              <a:t>Source:</a:t>
+            </a:r>
+          </a:p>
+          <a:p>
+            <a:pPr marL="0" indent="0">
+              <a:buNone/>
+            </a:pPr>
+            <a:r>
+              <a:rPr lang="en-US" dirty="0"/>
+              <a:t>	- https://www.ias.edu/ideas/2009/wigderson-randomness-pseudorandomness</a:t>
+            </a:r>
+          </a:p>
+          <a:p>
+            <a:endParaRPr lang="en-US" dirty="0"/>
+          </a:p>
+        </p:txBody>
+      </p:sp>
+    </p:spTree>
+    <p:extLst>
+      <p:ext uri="{BB962C8B-B14F-4D97-AF65-F5344CB8AC3E}">
+        <p14:creationId xmlns:p14="http://schemas.microsoft.com/office/powerpoint/2010/main" val="3807707623"/>
+      </p:ext>
+    </p:extLst>
+  </p:cSld>
+  <p:clrMapOvr>
+    <a:masterClrMapping/>
+  </p:clrMapOvr>
+</p:sld>
+</file>
+
+<file path=ppt/slides/slide4.xml><?xml version="1.0" encoding="utf-8"?>
+<p:sld xmlns:a="http://schemas.openxmlformats.org/drawingml/2006/main" xmlns:r="http://schemas.openxmlformats.org/officeDocument/2006/relationships" xmlns:p="http://schemas.openxmlformats.org/presentationml/2006/main">
+  <p:cSld>
+    <p:spTree>
+      <p:nvGrpSpPr>
+        <p:cNvPr id="1" name=""/>
+        <p:cNvGrpSpPr/>
+        <p:nvPr/>
+      </p:nvGrpSpPr>
+      <p:grpSpPr>
+        <a:xfrm>
+          <a:off x="0" y="0"/>
+          <a:ext cx="0" cy="0"/>
+          <a:chOff x="0" y="0"/>
+          <a:chExt cx="0" cy="0"/>
+        </a:xfrm>
+      </p:grpSpPr>
+      <p:sp>
+        <p:nvSpPr>
+          <p:cNvPr id="2" name="Title 1">
+            <a:extLst>
+              <a:ext uri="{FF2B5EF4-FFF2-40B4-BE49-F238E27FC236}">
+                <a16:creationId xmlns:a16="http://schemas.microsoft.com/office/drawing/2014/main" id="{F62744C0-F3F2-4BDB-8AC6-5A92CA11F547}"/>
+              </a:ext>
+            </a:extLst>
+          </p:cNvPr>
+          <p:cNvSpPr>
+            <a:spLocks noGrp="1"/>
+          </p:cNvSpPr>
+          <p:nvPr>
+            <p:ph type="title"/>
+          </p:nvPr>
+        </p:nvSpPr>
+        <p:spPr/>
+        <p:txBody>
+          <a:bodyPr/>
+          <a:lstStyle/>
+          <a:p>
+            <a:r>
+              <a:rPr lang="en-US" dirty="0"/>
+              <a:t>Problem</a:t>
+            </a:r>
+          </a:p>
+        </p:txBody>
+      </p:sp>
+      <p:sp>
+        <p:nvSpPr>
+          <p:cNvPr id="3" name="Content Placeholder 2">
+            <a:extLst>
+              <a:ext uri="{FF2B5EF4-FFF2-40B4-BE49-F238E27FC236}">
+                <a16:creationId xmlns:a16="http://schemas.microsoft.com/office/drawing/2014/main" id="{8DD2A804-4043-45AA-92CC-91309B00CB46}"/>
+              </a:ext>
+            </a:extLst>
+          </p:cNvPr>
+          <p:cNvSpPr>
+            <a:spLocks noGrp="1"/>
+          </p:cNvSpPr>
+          <p:nvPr>
+            <p:ph idx="1"/>
+          </p:nvPr>
+        </p:nvSpPr>
+        <p:spPr/>
+        <p:txBody>
+          <a:bodyPr/>
+          <a:lstStyle/>
+          <a:p>
+            <a:r>
+              <a:rPr lang="en-US" dirty="0"/>
+              <a:t>The program problem that should be solved is how to choose names without having any preliminary ideas about the name.</a:t>
+            </a:r>
+          </a:p>
+          <a:p>
+            <a:r>
+              <a:rPr lang="en-US" dirty="0"/>
+              <a:t>This is a common occurrence for the making of a new team or even expecting parents</a:t>
+            </a:r>
+          </a:p>
+        </p:txBody>
+      </p:sp>
+    </p:spTree>
+    <p:extLst>
+      <p:ext uri="{BB962C8B-B14F-4D97-AF65-F5344CB8AC3E}">
+        <p14:creationId xmlns:p14="http://schemas.microsoft.com/office/powerpoint/2010/main" val="2206329969"/>
+      </p:ext>
+    </p:extLst>
+  </p:cSld>
+  <p:clrMapOvr>
+    <a:masterClrMapping/>
+  </p:clrMapOvr>
+</p:sld>
+</file>
+
+<file path=ppt/slides/slide5.xml><?xml version="1.0" encoding="utf-8"?>
+<p:sld xmlns:a="http://schemas.openxmlformats.org/drawingml/2006/main" xmlns:r="http://schemas.openxmlformats.org/officeDocument/2006/relationships" xmlns:p="http://schemas.openxmlformats.org/presentationml/2006/main">
+  <p:cSld>
+    <p:spTree>
+      <p:nvGrpSpPr>
+        <p:cNvPr id="1" name=""/>
+        <p:cNvGrpSpPr/>
+        <p:nvPr/>
+      </p:nvGrpSpPr>
+      <p:grpSpPr>
+        <a:xfrm>
+          <a:off x="0" y="0"/>
+          <a:ext cx="0" cy="0"/>
+          <a:chOff x="0" y="0"/>
+          <a:chExt cx="0" cy="0"/>
+        </a:xfrm>
+      </p:grpSpPr>
+      <p:sp>
+        <p:nvSpPr>
+          <p:cNvPr id="2" name="Title 1">
+            <a:extLst>
+              <a:ext uri="{FF2B5EF4-FFF2-40B4-BE49-F238E27FC236}">
+                <a16:creationId xmlns:a16="http://schemas.microsoft.com/office/drawing/2014/main" id="{AA585601-E731-46D3-80D1-A4E8CB9CC050}"/>
+              </a:ext>
+            </a:extLst>
+          </p:cNvPr>
+          <p:cNvSpPr>
+            <a:spLocks noGrp="1"/>
+          </p:cNvSpPr>
+          <p:nvPr>
+            <p:ph type="title"/>
+          </p:nvPr>
+        </p:nvSpPr>
+        <p:spPr/>
+        <p:txBody>
+          <a:bodyPr/>
+          <a:lstStyle/>
+          <a:p>
+            <a:r>
+              <a:rPr lang="en-US" dirty="0"/>
+              <a:t>Design Challenges</a:t>
+            </a:r>
+          </a:p>
+        </p:txBody>
+      </p:sp>
+      <p:sp>
+        <p:nvSpPr>
+          <p:cNvPr id="3" name="Content Placeholder 2">
+            <a:extLst>
+              <a:ext uri="{FF2B5EF4-FFF2-40B4-BE49-F238E27FC236}">
+                <a16:creationId xmlns:a16="http://schemas.microsoft.com/office/drawing/2014/main" id="{DFEF6042-6D57-46ED-BD63-6DD5CA121B9C}"/>
+              </a:ext>
+            </a:extLst>
+          </p:cNvPr>
+          <p:cNvSpPr>
+            <a:spLocks noGrp="1"/>
+          </p:cNvSpPr>
+          <p:nvPr>
+            <p:ph idx="1"/>
+          </p:nvPr>
+        </p:nvSpPr>
+        <p:spPr/>
+        <p:txBody>
+          <a:bodyPr/>
+          <a:lstStyle/>
+          <a:p>
+            <a:r>
+              <a:rPr lang="en-US" dirty="0"/>
+              <a:t>The pre made names were limited by the size of list in the file</a:t>
+            </a:r>
+          </a:p>
+          <a:p>
+            <a:r>
+              <a:rPr lang="en-US" dirty="0"/>
+              <a:t>The new name generation is limited by rules of English words</a:t>
+            </a:r>
+          </a:p>
+          <a:p>
+            <a:pPr marL="0" indent="0">
+              <a:buNone/>
+            </a:pPr>
+            <a:r>
+              <a:rPr lang="en-US" dirty="0"/>
+              <a:t>	- Too many rules to implement</a:t>
+            </a:r>
+          </a:p>
+          <a:p>
+            <a:r>
+              <a:rPr lang="en-US" dirty="0"/>
+              <a:t>Designing rules to make names as close to pronounceable as possible</a:t>
+            </a:r>
+          </a:p>
+          <a:p>
+            <a:endParaRPr lang="en-US" dirty="0"/>
+          </a:p>
+        </p:txBody>
+      </p:sp>
+    </p:spTree>
+    <p:extLst>
+      <p:ext uri="{BB962C8B-B14F-4D97-AF65-F5344CB8AC3E}">
+        <p14:creationId xmlns:p14="http://schemas.microsoft.com/office/powerpoint/2010/main" val="1494948636"/>
+      </p:ext>
+    </p:extLst>
+  </p:cSld>
+  <p:clrMapOvr>
+    <a:masterClrMapping/>
+  </p:clrMapOvr>
+</p:sld>
+</file>
+
+<file path=ppt/slides/slide6.xml><?xml version="1.0" encoding="utf-8"?>
+<p:sld xmlns:a="http://schemas.openxmlformats.org/drawingml/2006/main" xmlns:r="http://schemas.openxmlformats.org/officeDocument/2006/relationships" xmlns:p="http://schemas.openxmlformats.org/presentationml/2006/main">
+  <p:cSld>
+    <p:spTree>
+      <p:nvGrpSpPr>
+        <p:cNvPr id="1" name=""/>
+        <p:cNvGrpSpPr/>
+        <p:nvPr/>
+      </p:nvGrpSpPr>
+      <p:grpSpPr>
+        <a:xfrm>
+          <a:off x="0" y="0"/>
+          <a:ext cx="0" cy="0"/>
+          <a:chOff x="0" y="0"/>
+          <a:chExt cx="0" cy="0"/>
+        </a:xfrm>
+      </p:grpSpPr>
+      <p:sp>
+        <p:nvSpPr>
+          <p:cNvPr id="2" name="Title 1">
+            <a:extLst>
+              <a:ext uri="{FF2B5EF4-FFF2-40B4-BE49-F238E27FC236}">
+                <a16:creationId xmlns:a16="http://schemas.microsoft.com/office/drawing/2014/main" id="{C4FFAD08-9CDE-4066-BB06-7E0AA84C156B}"/>
+              </a:ext>
+            </a:extLst>
+          </p:cNvPr>
+          <p:cNvSpPr>
+            <a:spLocks noGrp="1"/>
+          </p:cNvSpPr>
+          <p:nvPr>
+            <p:ph type="title"/>
+          </p:nvPr>
+        </p:nvSpPr>
+        <p:spPr/>
+        <p:txBody>
+          <a:bodyPr/>
+          <a:lstStyle/>
+          <a:p>
+            <a:r>
+              <a:rPr lang="en-US" dirty="0"/>
+              <a:t>Business Applications</a:t>
+            </a:r>
+          </a:p>
+        </p:txBody>
+      </p:sp>
+      <p:sp>
+        <p:nvSpPr>
+          <p:cNvPr id="3" name="Content Placeholder 2">
+            <a:extLst>
+              <a:ext uri="{FF2B5EF4-FFF2-40B4-BE49-F238E27FC236}">
+                <a16:creationId xmlns:a16="http://schemas.microsoft.com/office/drawing/2014/main" id="{209DF93E-6A20-4F59-AA24-757E25FDA6D2}"/>
+              </a:ext>
+            </a:extLst>
+          </p:cNvPr>
+          <p:cNvSpPr>
+            <a:spLocks noGrp="1"/>
+          </p:cNvSpPr>
+          <p:nvPr>
+            <p:ph idx="1"/>
+          </p:nvPr>
+        </p:nvSpPr>
+        <p:spPr/>
+        <p:txBody>
+          <a:bodyPr/>
+          <a:lstStyle/>
+          <a:p>
+            <a:r>
+              <a:rPr lang="en-US" dirty="0"/>
+              <a:t>Expecting parents can use this as a tool to come up with a name for their child</a:t>
+            </a:r>
+          </a:p>
+          <a:p>
+            <a:r>
+              <a:rPr lang="en-US" dirty="0"/>
+              <a:t>Company start ups would be able to create a name completely unique</a:t>
+            </a:r>
+          </a:p>
+          <a:p>
+            <a:r>
+              <a:rPr lang="en-US" dirty="0"/>
+              <a:t>Little league sports programs could make unbiased name</a:t>
+            </a:r>
+          </a:p>
+        </p:txBody>
+      </p:sp>
+    </p:spTree>
+    <p:extLst>
+      <p:ext uri="{BB962C8B-B14F-4D97-AF65-F5344CB8AC3E}">
+        <p14:creationId xmlns:p14="http://schemas.microsoft.com/office/powerpoint/2010/main" val="1635701888"/>
+      </p:ext>
+    </p:extLst>
+  </p:cSld>
+  <p:clrMapOvr>
+    <a:masterClrMapping/>
+  </p:clrMapOvr>
+</p:sld>
+</file>
+
+<file path=ppt/slides/slide7.xml><?xml version="1.0" encoding="utf-8"?>
+<p:sld xmlns:a="http://schemas.openxmlformats.org/drawingml/2006/main" xmlns:r="http://schemas.openxmlformats.org/officeDocument/2006/relationships" xmlns:p="http://schemas.openxmlformats.org/presentationml/2006/main">
+  <p:cSld>
+    <p:spTree>
+      <p:nvGrpSpPr>
+        <p:cNvPr id="1" name=""/>
+        <p:cNvGrpSpPr/>
+        <p:nvPr/>
+      </p:nvGrpSpPr>
+      <p:grpSpPr>
+        <a:xfrm>
+          <a:off x="0" y="0"/>
+          <a:ext cx="0" cy="0"/>
+          <a:chOff x="0" y="0"/>
+          <a:chExt cx="0" cy="0"/>
+        </a:xfrm>
+      </p:grpSpPr>
+      <p:sp>
+        <p:nvSpPr>
+          <p:cNvPr id="2" name="Title 1">
+            <a:extLst>
+              <a:ext uri="{FF2B5EF4-FFF2-40B4-BE49-F238E27FC236}">
+                <a16:creationId xmlns:a16="http://schemas.microsoft.com/office/drawing/2014/main" id="{E25BECC8-8EBD-4803-9E4D-D178627EEEA1}"/>
+              </a:ext>
+            </a:extLst>
+          </p:cNvPr>
+          <p:cNvSpPr>
+            <a:spLocks noGrp="1"/>
+          </p:cNvSpPr>
+          <p:nvPr>
+            <p:ph type="title"/>
+          </p:nvPr>
+        </p:nvSpPr>
+        <p:spPr/>
+        <p:txBody>
+          <a:bodyPr/>
+          <a:lstStyle/>
+          <a:p>
+            <a:r>
+              <a:rPr lang="en-US" dirty="0"/>
+              <a:t>Solution</a:t>
+            </a:r>
+          </a:p>
+        </p:txBody>
+      </p:sp>
+      <p:sp>
+        <p:nvSpPr>
+          <p:cNvPr id="3" name="Content Placeholder 2">
+            <a:extLst>
+              <a:ext uri="{FF2B5EF4-FFF2-40B4-BE49-F238E27FC236}">
+                <a16:creationId xmlns:a16="http://schemas.microsoft.com/office/drawing/2014/main" id="{8BE87584-7D86-4738-8F53-B8953212632C}"/>
+              </a:ext>
+            </a:extLst>
+          </p:cNvPr>
+          <p:cNvSpPr>
+            <a:spLocks noGrp="1"/>
+          </p:cNvSpPr>
+          <p:nvPr>
+            <p:ph idx="1"/>
+          </p:nvPr>
+        </p:nvSpPr>
+        <p:spPr/>
+        <p:txBody>
+          <a:bodyPr/>
+          <a:lstStyle/>
+          <a:p>
+            <a:r>
+              <a:rPr lang="en-US" dirty="0"/>
+              <a:t>The solution to this problem will involve using Java’s randomization library simply called Random that can randomly select pre-made names and randomly generate a brand new, completely random name.</a:t>
+            </a:r>
+          </a:p>
+        </p:txBody>
+      </p:sp>
+    </p:spTree>
+    <p:extLst>
+      <p:ext uri="{BB962C8B-B14F-4D97-AF65-F5344CB8AC3E}">
+        <p14:creationId xmlns:p14="http://schemas.microsoft.com/office/powerpoint/2010/main" val="118469789"/>
+      </p:ext>
+    </p:extLst>
+  </p:cSld>
+  <p:clrMapOvr>
+    <a:masterClrMapping/>
+  </p:clrMapOvr>
+</p:sld>
+</file>
+
+<file path=ppt/slides/slide8.xml><?xml version="1.0" encoding="utf-8"?>
+<p:sld xmlns:a="http://schemas.openxmlformats.org/drawingml/2006/main" xmlns:r="http://schemas.openxmlformats.org/officeDocument/2006/relationships" xmlns:p="http://schemas.openxmlformats.org/presentationml/2006/main">
+  <p:cSld>
+    <p:spTree>
+      <p:nvGrpSpPr>
+        <p:cNvPr id="1" name=""/>
+        <p:cNvGrpSpPr/>
+        <p:nvPr/>
+      </p:nvGrpSpPr>
+      <p:grpSpPr>
+        <a:xfrm>
+          <a:off x="0" y="0"/>
+          <a:ext cx="0" cy="0"/>
+          <a:chOff x="0" y="0"/>
+          <a:chExt cx="0" cy="0"/>
+        </a:xfrm>
+      </p:grpSpPr>
+      <p:sp>
+        <p:nvSpPr>
+          <p:cNvPr id="2" name="Title 1">
+            <a:extLst>
+              <a:ext uri="{FF2B5EF4-FFF2-40B4-BE49-F238E27FC236}">
+                <a16:creationId xmlns:a16="http://schemas.microsoft.com/office/drawing/2014/main" id="{D72D8B9E-BB64-4549-AFEC-9589A5A2857D}"/>
+              </a:ext>
+            </a:extLst>
+          </p:cNvPr>
+          <p:cNvSpPr>
+            <a:spLocks noGrp="1"/>
+          </p:cNvSpPr>
+          <p:nvPr>
+            <p:ph type="title"/>
+          </p:nvPr>
+        </p:nvSpPr>
+        <p:spPr/>
+        <p:txBody>
+          <a:bodyPr/>
+          <a:lstStyle/>
+          <a:p>
+            <a:r>
+              <a:rPr lang="en-US" dirty="0"/>
+              <a:t>Similar Applications</a:t>
+            </a:r>
+          </a:p>
+        </p:txBody>
+      </p:sp>
+      <p:sp>
+        <p:nvSpPr>
+          <p:cNvPr id="3" name="Content Placeholder 2">
+            <a:extLst>
+              <a:ext uri="{FF2B5EF4-FFF2-40B4-BE49-F238E27FC236}">
+                <a16:creationId xmlns:a16="http://schemas.microsoft.com/office/drawing/2014/main" id="{3381524B-75CE-4071-BC53-A1C286E06536}"/>
+              </a:ext>
+            </a:extLst>
+          </p:cNvPr>
+          <p:cNvSpPr>
+            <a:spLocks noGrp="1"/>
+          </p:cNvSpPr>
+          <p:nvPr>
+            <p:ph idx="1"/>
+          </p:nvPr>
+        </p:nvSpPr>
+        <p:spPr/>
+        <p:txBody>
+          <a:bodyPr/>
+          <a:lstStyle/>
+          <a:p>
+            <a:r>
+              <a:rPr lang="en-US" dirty="0">
+                <a:hlinkClick r:id="rId2"/>
+              </a:rPr>
+              <a:t>https://www.behindthename.com/random/</a:t>
+            </a:r>
+            <a:endParaRPr lang="en-US" dirty="0"/>
+          </a:p>
+          <a:p>
+            <a:pPr marL="0" indent="0">
+              <a:buNone/>
+            </a:pPr>
+            <a:endParaRPr lang="en-US" dirty="0"/>
+          </a:p>
+        </p:txBody>
+      </p:sp>
+    </p:spTree>
+    <p:extLst>
+      <p:ext uri="{BB962C8B-B14F-4D97-AF65-F5344CB8AC3E}">
+        <p14:creationId xmlns:p14="http://schemas.microsoft.com/office/powerpoint/2010/main" val="2552412384"/>
       </p:ext>
     </p:extLst>
   </p:cSld>
@@ -5507,7 +5722,7 @@
           <p:cNvPr id="2" name="Title 1">
             <a:extLst>
               <a:ext uri="{FF2B5EF4-FFF2-40B4-BE49-F238E27FC236}">
-                <a16:creationId xmlns:a16="http://schemas.microsoft.com/office/drawing/2014/main" id="{C6D44683-DB97-42E7-AE7F-A8AFEB10817D}"/>
+                <a16:creationId xmlns:a16="http://schemas.microsoft.com/office/drawing/2014/main" id="{97EC9EB0-3C58-4FDC-B690-C2E69DC64946}"/>
               </a:ext>
             </a:extLst>
           </p:cNvPr>
@@ -5525,7 +5740,7 @@
           <a:p>
             <a:r>
               <a:rPr lang="en-US" dirty="0"/>
-              <a:t>Customization Module</a:t>
+              <a:t>Random Name Generation</a:t>
             </a:r>
           </a:p>
         </p:txBody>
@@ -5535,7 +5750,7 @@
           <p:cNvPr id="3" name="Content Placeholder 2">
             <a:extLst>
               <a:ext uri="{FF2B5EF4-FFF2-40B4-BE49-F238E27FC236}">
-                <a16:creationId xmlns:a16="http://schemas.microsoft.com/office/drawing/2014/main" id="{802A3A7D-19AE-41F9-B93B-18E80B307E18}"/>
+                <a16:creationId xmlns:a16="http://schemas.microsoft.com/office/drawing/2014/main" id="{22E36543-9037-4796-AD32-6565FEC612B5}"/>
               </a:ext>
             </a:extLst>
           </p:cNvPr>
@@ -5553,37 +5768,41 @@
           <a:p>
             <a:r>
               <a:rPr lang="en-US" dirty="0"/>
-              <a:t>This allows the user to give guidelines to the name such as</a:t>
+              <a:t>Using Java we were able to use 2 processes for creating random names</a:t>
             </a:r>
           </a:p>
           <a:p>
             <a:r>
               <a:rPr lang="en-US" dirty="0"/>
-              <a:t>Premade or New names</a:t>
-            </a:r>
-          </a:p>
-          <a:p>
+              <a:t>The 1</a:t>
+            </a:r>
+            <a:r>
+              <a:rPr lang="en-US" baseline="30000" dirty="0"/>
+              <a:t>st</a:t>
+            </a:r>
             <a:r>
               <a:rPr lang="en-US" dirty="0"/>
-              <a:t>Gender of name</a:t>
+              <a:t> way is with premade names</a:t>
             </a:r>
           </a:p>
           <a:p>
             <a:r>
               <a:rPr lang="en-US" dirty="0"/>
-              <a:t>Beginning letter</a:t>
-            </a:r>
-          </a:p>
-          <a:p>
+              <a:t>The 2</a:t>
+            </a:r>
+            <a:r>
+              <a:rPr lang="en-US" baseline="30000" dirty="0"/>
+              <a:t>nd</a:t>
+            </a:r>
             <a:r>
               <a:rPr lang="en-US" dirty="0"/>
-              <a:t>Length</a:t>
+              <a:t> way is with new names</a:t>
             </a:r>
           </a:p>
           <a:p>
             <a:r>
               <a:rPr lang="en-US" dirty="0"/>
-              <a:t>Letters used</a:t>
+              <a:t>Both ways have their own rules to follow but also have to follow user guidelines</a:t>
             </a:r>
           </a:p>
         </p:txBody>
@@ -5591,7 +5810,7 @@
     </p:spTree>
     <p:extLst>
       <p:ext uri="{BB962C8B-B14F-4D97-AF65-F5344CB8AC3E}">
-        <p14:creationId xmlns:p14="http://schemas.microsoft.com/office/powerpoint/2010/main" val="1717094377"/>
+        <p14:creationId xmlns:p14="http://schemas.microsoft.com/office/powerpoint/2010/main" val="985046269"/>
       </p:ext>
     </p:extLst>
   </p:cSld>
